--- a/doc/前端组件库.pptx
+++ b/doc/前端组件库.pptx
@@ -7,6 +7,9 @@
   <p:sldIdLst>
     <p:sldId id="256" r:id="rId2"/>
     <p:sldId id="257" r:id="rId3"/>
+    <p:sldId id="258" r:id="rId4"/>
+    <p:sldId id="259" r:id="rId5"/>
+    <p:sldId id="260" r:id="rId6"/>
   </p:sldIdLst>
   <p:sldSz cx="9144000" cy="6858000" type="screen4x3"/>
   <p:notesSz cx="6858000" cy="9144000"/>
@@ -108,6 +111,3001 @@
 </p:presentation>
 </file>
 
+<file path=ppt/diagrams/colors1.xml><?xml version="1.0" encoding="utf-8"?>
+<dgm:colorsDef xmlns:dgm="http://schemas.openxmlformats.org/drawingml/2006/diagram" xmlns:a="http://schemas.openxmlformats.org/drawingml/2006/main" uniqueId="urn:microsoft.com/office/officeart/2005/8/colors/accent1_2">
+  <dgm:title val=""/>
+  <dgm:desc val=""/>
+  <dgm:catLst>
+    <dgm:cat type="accent1" pri="11200"/>
+  </dgm:catLst>
+  <dgm:styleLbl name="node0">
+    <dgm:fillClrLst meth="repeat">
+      <a:schemeClr val="accent1"/>
+    </dgm:fillClrLst>
+    <dgm:linClrLst meth="repeat">
+      <a:schemeClr val="lt1"/>
+    </dgm:linClrLst>
+    <dgm:effectClrLst/>
+    <dgm:txLinClrLst/>
+    <dgm:txFillClrLst/>
+    <dgm:txEffectClrLst/>
+  </dgm:styleLbl>
+  <dgm:styleLbl name="alignNode1">
+    <dgm:fillClrLst meth="repeat">
+      <a:schemeClr val="accent1"/>
+    </dgm:fillClrLst>
+    <dgm:linClrLst meth="repeat">
+      <a:schemeClr val="accent1"/>
+    </dgm:linClrLst>
+    <dgm:effectClrLst/>
+    <dgm:txLinClrLst/>
+    <dgm:txFillClrLst/>
+    <dgm:txEffectClrLst/>
+  </dgm:styleLbl>
+  <dgm:styleLbl name="node1">
+    <dgm:fillClrLst meth="repeat">
+      <a:schemeClr val="accent1"/>
+    </dgm:fillClrLst>
+    <dgm:linClrLst meth="repeat">
+      <a:schemeClr val="lt1"/>
+    </dgm:linClrLst>
+    <dgm:effectClrLst/>
+    <dgm:txLinClrLst/>
+    <dgm:txFillClrLst/>
+    <dgm:txEffectClrLst/>
+  </dgm:styleLbl>
+  <dgm:styleLbl name="lnNode1">
+    <dgm:fillClrLst meth="repeat">
+      <a:schemeClr val="accent1"/>
+    </dgm:fillClrLst>
+    <dgm:linClrLst meth="repeat">
+      <a:schemeClr val="lt1"/>
+    </dgm:linClrLst>
+    <dgm:effectClrLst/>
+    <dgm:txLinClrLst/>
+    <dgm:txFillClrLst/>
+    <dgm:txEffectClrLst/>
+  </dgm:styleLbl>
+  <dgm:styleLbl name="vennNode1">
+    <dgm:fillClrLst meth="repeat">
+      <a:schemeClr val="accent1">
+        <a:alpha val="50000"/>
+      </a:schemeClr>
+    </dgm:fillClrLst>
+    <dgm:linClrLst meth="repeat">
+      <a:schemeClr val="lt1"/>
+    </dgm:linClrLst>
+    <dgm:effectClrLst/>
+    <dgm:txLinClrLst/>
+    <dgm:txFillClrLst/>
+    <dgm:txEffectClrLst/>
+  </dgm:styleLbl>
+  <dgm:styleLbl name="node2">
+    <dgm:fillClrLst meth="repeat">
+      <a:schemeClr val="accent1"/>
+    </dgm:fillClrLst>
+    <dgm:linClrLst meth="repeat">
+      <a:schemeClr val="lt1"/>
+    </dgm:linClrLst>
+    <dgm:effectClrLst/>
+    <dgm:txLinClrLst/>
+    <dgm:txFillClrLst/>
+    <dgm:txEffectClrLst/>
+  </dgm:styleLbl>
+  <dgm:styleLbl name="node3">
+    <dgm:fillClrLst meth="repeat">
+      <a:schemeClr val="accent1"/>
+    </dgm:fillClrLst>
+    <dgm:linClrLst meth="repeat">
+      <a:schemeClr val="lt1"/>
+    </dgm:linClrLst>
+    <dgm:effectClrLst/>
+    <dgm:txLinClrLst/>
+    <dgm:txFillClrLst/>
+    <dgm:txEffectClrLst/>
+  </dgm:styleLbl>
+  <dgm:styleLbl name="node4">
+    <dgm:fillClrLst meth="repeat">
+      <a:schemeClr val="accent1"/>
+    </dgm:fillClrLst>
+    <dgm:linClrLst meth="repeat">
+      <a:schemeClr val="lt1"/>
+    </dgm:linClrLst>
+    <dgm:effectClrLst/>
+    <dgm:txLinClrLst/>
+    <dgm:txFillClrLst/>
+    <dgm:txEffectClrLst/>
+  </dgm:styleLbl>
+  <dgm:styleLbl name="fgImgPlace1">
+    <dgm:fillClrLst meth="repeat">
+      <a:schemeClr val="accent1">
+        <a:tint val="50000"/>
+      </a:schemeClr>
+    </dgm:fillClrLst>
+    <dgm:linClrLst meth="repeat">
+      <a:schemeClr val="lt1"/>
+    </dgm:linClrLst>
+    <dgm:effectClrLst/>
+    <dgm:txLinClrLst/>
+    <dgm:txFillClrLst meth="repeat">
+      <a:schemeClr val="lt1"/>
+    </dgm:txFillClrLst>
+    <dgm:txEffectClrLst/>
+  </dgm:styleLbl>
+  <dgm:styleLbl name="alignImgPlace1">
+    <dgm:fillClrLst meth="repeat">
+      <a:schemeClr val="accent1">
+        <a:tint val="50000"/>
+      </a:schemeClr>
+    </dgm:fillClrLst>
+    <dgm:linClrLst meth="repeat">
+      <a:schemeClr val="lt1"/>
+    </dgm:linClrLst>
+    <dgm:effectClrLst/>
+    <dgm:txLinClrLst/>
+    <dgm:txFillClrLst meth="repeat">
+      <a:schemeClr val="lt1"/>
+    </dgm:txFillClrLst>
+    <dgm:txEffectClrLst/>
+  </dgm:styleLbl>
+  <dgm:styleLbl name="bgImgPlace1">
+    <dgm:fillClrLst meth="repeat">
+      <a:schemeClr val="accent1">
+        <a:tint val="50000"/>
+      </a:schemeClr>
+    </dgm:fillClrLst>
+    <dgm:linClrLst meth="repeat">
+      <a:schemeClr val="lt1"/>
+    </dgm:linClrLst>
+    <dgm:effectClrLst/>
+    <dgm:txLinClrLst/>
+    <dgm:txFillClrLst meth="repeat">
+      <a:schemeClr val="lt1"/>
+    </dgm:txFillClrLst>
+    <dgm:txEffectClrLst/>
+  </dgm:styleLbl>
+  <dgm:styleLbl name="sibTrans2D1">
+    <dgm:fillClrLst meth="repeat">
+      <a:schemeClr val="accent1">
+        <a:tint val="60000"/>
+      </a:schemeClr>
+    </dgm:fillClrLst>
+    <dgm:linClrLst meth="repeat">
+      <a:schemeClr val="accent1">
+        <a:tint val="60000"/>
+      </a:schemeClr>
+    </dgm:linClrLst>
+    <dgm:effectClrLst/>
+    <dgm:txLinClrLst/>
+    <dgm:txFillClrLst/>
+    <dgm:txEffectClrLst/>
+  </dgm:styleLbl>
+  <dgm:styleLbl name="fgSibTrans2D1">
+    <dgm:fillClrLst meth="repeat">
+      <a:schemeClr val="accent1">
+        <a:tint val="60000"/>
+      </a:schemeClr>
+    </dgm:fillClrLst>
+    <dgm:linClrLst meth="repeat">
+      <a:schemeClr val="accent1">
+        <a:tint val="60000"/>
+      </a:schemeClr>
+    </dgm:linClrLst>
+    <dgm:effectClrLst/>
+    <dgm:txLinClrLst/>
+    <dgm:txFillClrLst/>
+    <dgm:txEffectClrLst/>
+  </dgm:styleLbl>
+  <dgm:styleLbl name="bgSibTrans2D1">
+    <dgm:fillClrLst meth="repeat">
+      <a:schemeClr val="accent1">
+        <a:tint val="60000"/>
+      </a:schemeClr>
+    </dgm:fillClrLst>
+    <dgm:linClrLst meth="repeat">
+      <a:schemeClr val="accent1">
+        <a:tint val="60000"/>
+      </a:schemeClr>
+    </dgm:linClrLst>
+    <dgm:effectClrLst/>
+    <dgm:txLinClrLst/>
+    <dgm:txFillClrLst/>
+    <dgm:txEffectClrLst/>
+  </dgm:styleLbl>
+  <dgm:styleLbl name="sibTrans1D1">
+    <dgm:fillClrLst meth="repeat">
+      <a:schemeClr val="accent1"/>
+    </dgm:fillClrLst>
+    <dgm:linClrLst meth="repeat">
+      <a:schemeClr val="accent1"/>
+    </dgm:linClrLst>
+    <dgm:effectClrLst/>
+    <dgm:txLinClrLst/>
+    <dgm:txFillClrLst meth="repeat">
+      <a:schemeClr val="tx1"/>
+    </dgm:txFillClrLst>
+    <dgm:txEffectClrLst/>
+  </dgm:styleLbl>
+  <dgm:styleLbl name="callout">
+    <dgm:fillClrLst meth="repeat">
+      <a:schemeClr val="accent1"/>
+    </dgm:fillClrLst>
+    <dgm:linClrLst meth="repeat">
+      <a:schemeClr val="accent1">
+        <a:tint val="50000"/>
+      </a:schemeClr>
+    </dgm:linClrLst>
+    <dgm:effectClrLst/>
+    <dgm:txLinClrLst/>
+    <dgm:txFillClrLst meth="repeat">
+      <a:schemeClr val="tx1"/>
+    </dgm:txFillClrLst>
+    <dgm:txEffectClrLst/>
+  </dgm:styleLbl>
+  <dgm:styleLbl name="asst0">
+    <dgm:fillClrLst meth="repeat">
+      <a:schemeClr val="accent1"/>
+    </dgm:fillClrLst>
+    <dgm:linClrLst meth="repeat">
+      <a:schemeClr val="lt1"/>
+    </dgm:linClrLst>
+    <dgm:effectClrLst/>
+    <dgm:txLinClrLst/>
+    <dgm:txFillClrLst/>
+    <dgm:txEffectClrLst/>
+  </dgm:styleLbl>
+  <dgm:styleLbl name="asst1">
+    <dgm:fillClrLst meth="repeat">
+      <a:schemeClr val="accent1"/>
+    </dgm:fillClrLst>
+    <dgm:linClrLst meth="repeat">
+      <a:schemeClr val="lt1"/>
+    </dgm:linClrLst>
+    <dgm:effectClrLst/>
+    <dgm:txLinClrLst/>
+    <dgm:txFillClrLst/>
+    <dgm:txEffectClrLst/>
+  </dgm:styleLbl>
+  <dgm:styleLbl name="asst2">
+    <dgm:fillClrLst meth="repeat">
+      <a:schemeClr val="accent1"/>
+    </dgm:fillClrLst>
+    <dgm:linClrLst meth="repeat">
+      <a:schemeClr val="lt1"/>
+    </dgm:linClrLst>
+    <dgm:effectClrLst/>
+    <dgm:txLinClrLst/>
+    <dgm:txFillClrLst/>
+    <dgm:txEffectClrLst/>
+  </dgm:styleLbl>
+  <dgm:styleLbl name="asst3">
+    <dgm:fillClrLst meth="repeat">
+      <a:schemeClr val="accent1"/>
+    </dgm:fillClrLst>
+    <dgm:linClrLst meth="repeat">
+      <a:schemeClr val="lt1"/>
+    </dgm:linClrLst>
+    <dgm:effectClrLst/>
+    <dgm:txLinClrLst/>
+    <dgm:txFillClrLst/>
+    <dgm:txEffectClrLst/>
+  </dgm:styleLbl>
+  <dgm:styleLbl name="asst4">
+    <dgm:fillClrLst meth="repeat">
+      <a:schemeClr val="accent1"/>
+    </dgm:fillClrLst>
+    <dgm:linClrLst meth="repeat">
+      <a:schemeClr val="lt1"/>
+    </dgm:linClrLst>
+    <dgm:effectClrLst/>
+    <dgm:txLinClrLst/>
+    <dgm:txFillClrLst/>
+    <dgm:txEffectClrLst/>
+  </dgm:styleLbl>
+  <dgm:styleLbl name="parChTrans2D1">
+    <dgm:fillClrLst meth="repeat">
+      <a:schemeClr val="accent1">
+        <a:tint val="60000"/>
+      </a:schemeClr>
+    </dgm:fillClrLst>
+    <dgm:linClrLst meth="repeat">
+      <a:schemeClr val="accent1">
+        <a:tint val="60000"/>
+      </a:schemeClr>
+    </dgm:linClrLst>
+    <dgm:effectClrLst/>
+    <dgm:txLinClrLst/>
+    <dgm:txFillClrLst meth="repeat">
+      <a:schemeClr val="lt1"/>
+    </dgm:txFillClrLst>
+    <dgm:txEffectClrLst/>
+  </dgm:styleLbl>
+  <dgm:styleLbl name="parChTrans2D2">
+    <dgm:fillClrLst meth="repeat">
+      <a:schemeClr val="accent1"/>
+    </dgm:fillClrLst>
+    <dgm:linClrLst meth="repeat">
+      <a:schemeClr val="accent1"/>
+    </dgm:linClrLst>
+    <dgm:effectClrLst/>
+    <dgm:txLinClrLst/>
+    <dgm:txFillClrLst meth="repeat">
+      <a:schemeClr val="lt1"/>
+    </dgm:txFillClrLst>
+    <dgm:txEffectClrLst/>
+  </dgm:styleLbl>
+  <dgm:styleLbl name="parChTrans2D3">
+    <dgm:fillClrLst meth="repeat">
+      <a:schemeClr val="accent1"/>
+    </dgm:fillClrLst>
+    <dgm:linClrLst meth="repeat">
+      <a:schemeClr val="accent1"/>
+    </dgm:linClrLst>
+    <dgm:effectClrLst/>
+    <dgm:txLinClrLst/>
+    <dgm:txFillClrLst meth="repeat">
+      <a:schemeClr val="lt1"/>
+    </dgm:txFillClrLst>
+    <dgm:txEffectClrLst/>
+  </dgm:styleLbl>
+  <dgm:styleLbl name="parChTrans2D4">
+    <dgm:fillClrLst meth="repeat">
+      <a:schemeClr val="accent1"/>
+    </dgm:fillClrLst>
+    <dgm:linClrLst meth="repeat">
+      <a:schemeClr val="accent1"/>
+    </dgm:linClrLst>
+    <dgm:effectClrLst/>
+    <dgm:txLinClrLst/>
+    <dgm:txFillClrLst meth="repeat">
+      <a:schemeClr val="lt1"/>
+    </dgm:txFillClrLst>
+    <dgm:txEffectClrLst/>
+  </dgm:styleLbl>
+  <dgm:styleLbl name="parChTrans1D1">
+    <dgm:fillClrLst meth="repeat">
+      <a:schemeClr val="accent1"/>
+    </dgm:fillClrLst>
+    <dgm:linClrLst meth="repeat">
+      <a:schemeClr val="accent1">
+        <a:shade val="60000"/>
+      </a:schemeClr>
+    </dgm:linClrLst>
+    <dgm:effectClrLst/>
+    <dgm:txLinClrLst/>
+    <dgm:txFillClrLst meth="repeat">
+      <a:schemeClr val="tx1"/>
+    </dgm:txFillClrLst>
+    <dgm:txEffectClrLst/>
+  </dgm:styleLbl>
+  <dgm:styleLbl name="parChTrans1D2">
+    <dgm:fillClrLst meth="repeat">
+      <a:schemeClr val="accent1"/>
+    </dgm:fillClrLst>
+    <dgm:linClrLst meth="repeat">
+      <a:schemeClr val="accent1">
+        <a:shade val="60000"/>
+      </a:schemeClr>
+    </dgm:linClrLst>
+    <dgm:effectClrLst/>
+    <dgm:txLinClrLst/>
+    <dgm:txFillClrLst meth="repeat">
+      <a:schemeClr val="tx1"/>
+    </dgm:txFillClrLst>
+    <dgm:txEffectClrLst/>
+  </dgm:styleLbl>
+  <dgm:styleLbl name="parChTrans1D3">
+    <dgm:fillClrLst meth="repeat">
+      <a:schemeClr val="accent1"/>
+    </dgm:fillClrLst>
+    <dgm:linClrLst meth="repeat">
+      <a:schemeClr val="accent1">
+        <a:shade val="80000"/>
+      </a:schemeClr>
+    </dgm:linClrLst>
+    <dgm:effectClrLst/>
+    <dgm:txLinClrLst/>
+    <dgm:txFillClrLst meth="repeat">
+      <a:schemeClr val="tx1"/>
+    </dgm:txFillClrLst>
+    <dgm:txEffectClrLst/>
+  </dgm:styleLbl>
+  <dgm:styleLbl name="parChTrans1D4">
+    <dgm:fillClrLst meth="repeat">
+      <a:schemeClr val="accent1"/>
+    </dgm:fillClrLst>
+    <dgm:linClrLst meth="repeat">
+      <a:schemeClr val="accent1">
+        <a:shade val="80000"/>
+      </a:schemeClr>
+    </dgm:linClrLst>
+    <dgm:effectClrLst/>
+    <dgm:txLinClrLst/>
+    <dgm:txFillClrLst meth="repeat">
+      <a:schemeClr val="tx1"/>
+    </dgm:txFillClrLst>
+    <dgm:txEffectClrLst/>
+  </dgm:styleLbl>
+  <dgm:styleLbl name="fgAcc1">
+    <dgm:fillClrLst meth="repeat">
+      <a:schemeClr val="lt1">
+        <a:alpha val="90000"/>
+      </a:schemeClr>
+    </dgm:fillClrLst>
+    <dgm:linClrLst meth="repeat">
+      <a:schemeClr val="accent1"/>
+    </dgm:linClrLst>
+    <dgm:effectClrLst/>
+    <dgm:txLinClrLst/>
+    <dgm:txFillClrLst meth="repeat">
+      <a:schemeClr val="dk1"/>
+    </dgm:txFillClrLst>
+    <dgm:txEffectClrLst/>
+  </dgm:styleLbl>
+  <dgm:styleLbl name="conFgAcc1">
+    <dgm:fillClrLst meth="repeat">
+      <a:schemeClr val="lt1">
+        <a:alpha val="90000"/>
+      </a:schemeClr>
+    </dgm:fillClrLst>
+    <dgm:linClrLst meth="repeat">
+      <a:schemeClr val="accent1"/>
+    </dgm:linClrLst>
+    <dgm:effectClrLst/>
+    <dgm:txLinClrLst/>
+    <dgm:txFillClrLst meth="repeat">
+      <a:schemeClr val="dk1"/>
+    </dgm:txFillClrLst>
+    <dgm:txEffectClrLst/>
+  </dgm:styleLbl>
+  <dgm:styleLbl name="alignAcc1">
+    <dgm:fillClrLst meth="repeat">
+      <a:schemeClr val="lt1">
+        <a:alpha val="90000"/>
+      </a:schemeClr>
+    </dgm:fillClrLst>
+    <dgm:linClrLst meth="repeat">
+      <a:schemeClr val="accent1"/>
+    </dgm:linClrLst>
+    <dgm:effectClrLst/>
+    <dgm:txLinClrLst/>
+    <dgm:txFillClrLst meth="repeat">
+      <a:schemeClr val="dk1"/>
+    </dgm:txFillClrLst>
+    <dgm:txEffectClrLst/>
+  </dgm:styleLbl>
+  <dgm:styleLbl name="trAlignAcc1">
+    <dgm:fillClrLst meth="repeat">
+      <a:schemeClr val="lt1">
+        <a:alpha val="40000"/>
+      </a:schemeClr>
+    </dgm:fillClrLst>
+    <dgm:linClrLst meth="repeat">
+      <a:schemeClr val="accent1"/>
+    </dgm:linClrLst>
+    <dgm:effectClrLst/>
+    <dgm:txLinClrLst/>
+    <dgm:txFillClrLst meth="repeat">
+      <a:schemeClr val="dk1"/>
+    </dgm:txFillClrLst>
+    <dgm:txEffectClrLst/>
+  </dgm:styleLbl>
+  <dgm:styleLbl name="bgAcc1">
+    <dgm:fillClrLst meth="repeat">
+      <a:schemeClr val="lt1">
+        <a:alpha val="90000"/>
+      </a:schemeClr>
+    </dgm:fillClrLst>
+    <dgm:linClrLst meth="repeat">
+      <a:schemeClr val="accent1"/>
+    </dgm:linClrLst>
+    <dgm:effectClrLst/>
+    <dgm:txLinClrLst/>
+    <dgm:txFillClrLst meth="repeat">
+      <a:schemeClr val="dk1"/>
+    </dgm:txFillClrLst>
+    <dgm:txEffectClrLst/>
+  </dgm:styleLbl>
+  <dgm:styleLbl name="solidFgAcc1">
+    <dgm:fillClrLst meth="repeat">
+      <a:schemeClr val="lt1"/>
+    </dgm:fillClrLst>
+    <dgm:linClrLst meth="repeat">
+      <a:schemeClr val="accent1"/>
+    </dgm:linClrLst>
+    <dgm:effectClrLst/>
+    <dgm:txLinClrLst/>
+    <dgm:txFillClrLst meth="repeat">
+      <a:schemeClr val="dk1"/>
+    </dgm:txFillClrLst>
+    <dgm:txEffectClrLst/>
+  </dgm:styleLbl>
+  <dgm:styleLbl name="solidAlignAcc1">
+    <dgm:fillClrLst meth="repeat">
+      <a:schemeClr val="lt1"/>
+    </dgm:fillClrLst>
+    <dgm:linClrLst meth="repeat">
+      <a:schemeClr val="accent1"/>
+    </dgm:linClrLst>
+    <dgm:effectClrLst/>
+    <dgm:txLinClrLst/>
+    <dgm:txFillClrLst meth="repeat">
+      <a:schemeClr val="dk1"/>
+    </dgm:txFillClrLst>
+    <dgm:txEffectClrLst/>
+  </dgm:styleLbl>
+  <dgm:styleLbl name="solidBgAcc1">
+    <dgm:fillClrLst meth="repeat">
+      <a:schemeClr val="lt1"/>
+    </dgm:fillClrLst>
+    <dgm:linClrLst meth="repeat">
+      <a:schemeClr val="accent1"/>
+    </dgm:linClrLst>
+    <dgm:effectClrLst/>
+    <dgm:txLinClrLst/>
+    <dgm:txFillClrLst meth="repeat">
+      <a:schemeClr val="dk1"/>
+    </dgm:txFillClrLst>
+    <dgm:txEffectClrLst/>
+  </dgm:styleLbl>
+  <dgm:styleLbl name="fgAccFollowNode1">
+    <dgm:fillClrLst meth="repeat">
+      <a:schemeClr val="accent1">
+        <a:alpha val="90000"/>
+        <a:tint val="40000"/>
+      </a:schemeClr>
+    </dgm:fillClrLst>
+    <dgm:linClrLst meth="repeat">
+      <a:schemeClr val="accent1">
+        <a:alpha val="90000"/>
+        <a:tint val="40000"/>
+      </a:schemeClr>
+    </dgm:linClrLst>
+    <dgm:effectClrLst/>
+    <dgm:txLinClrLst/>
+    <dgm:txFillClrLst meth="repeat">
+      <a:schemeClr val="dk1"/>
+    </dgm:txFillClrLst>
+    <dgm:txEffectClrLst/>
+  </dgm:styleLbl>
+  <dgm:styleLbl name="alignAccFollowNode1">
+    <dgm:fillClrLst meth="repeat">
+      <a:schemeClr val="accent1">
+        <a:alpha val="90000"/>
+        <a:tint val="40000"/>
+      </a:schemeClr>
+    </dgm:fillClrLst>
+    <dgm:linClrLst meth="repeat">
+      <a:schemeClr val="accent1">
+        <a:alpha val="90000"/>
+        <a:tint val="40000"/>
+      </a:schemeClr>
+    </dgm:linClrLst>
+    <dgm:effectClrLst/>
+    <dgm:txLinClrLst/>
+    <dgm:txFillClrLst meth="repeat">
+      <a:schemeClr val="dk1"/>
+    </dgm:txFillClrLst>
+    <dgm:txEffectClrLst/>
+  </dgm:styleLbl>
+  <dgm:styleLbl name="bgAccFollowNode1">
+    <dgm:fillClrLst meth="repeat">
+      <a:schemeClr val="accent1">
+        <a:alpha val="90000"/>
+        <a:tint val="40000"/>
+      </a:schemeClr>
+    </dgm:fillClrLst>
+    <dgm:linClrLst meth="repeat">
+      <a:schemeClr val="accent1">
+        <a:alpha val="90000"/>
+        <a:tint val="40000"/>
+      </a:schemeClr>
+    </dgm:linClrLst>
+    <dgm:effectClrLst/>
+    <dgm:txLinClrLst/>
+    <dgm:txFillClrLst meth="repeat">
+      <a:schemeClr val="dk1"/>
+    </dgm:txFillClrLst>
+    <dgm:txEffectClrLst/>
+  </dgm:styleLbl>
+  <dgm:styleLbl name="fgAcc0">
+    <dgm:fillClrLst meth="repeat">
+      <a:schemeClr val="lt1">
+        <a:alpha val="90000"/>
+      </a:schemeClr>
+    </dgm:fillClrLst>
+    <dgm:linClrLst meth="repeat">
+      <a:schemeClr val="accent1"/>
+    </dgm:linClrLst>
+    <dgm:effectClrLst/>
+    <dgm:txLinClrLst/>
+    <dgm:txFillClrLst meth="repeat">
+      <a:schemeClr val="dk1"/>
+    </dgm:txFillClrLst>
+    <dgm:txEffectClrLst/>
+  </dgm:styleLbl>
+  <dgm:styleLbl name="fgAcc2">
+    <dgm:fillClrLst meth="repeat">
+      <a:schemeClr val="lt1">
+        <a:alpha val="90000"/>
+      </a:schemeClr>
+    </dgm:fillClrLst>
+    <dgm:linClrLst meth="repeat">
+      <a:schemeClr val="accent1"/>
+    </dgm:linClrLst>
+    <dgm:effectClrLst/>
+    <dgm:txLinClrLst/>
+    <dgm:txFillClrLst meth="repeat">
+      <a:schemeClr val="dk1"/>
+    </dgm:txFillClrLst>
+    <dgm:txEffectClrLst/>
+  </dgm:styleLbl>
+  <dgm:styleLbl name="fgAcc3">
+    <dgm:fillClrLst meth="repeat">
+      <a:schemeClr val="lt1">
+        <a:alpha val="90000"/>
+      </a:schemeClr>
+    </dgm:fillClrLst>
+    <dgm:linClrLst meth="repeat">
+      <a:schemeClr val="accent1"/>
+    </dgm:linClrLst>
+    <dgm:effectClrLst/>
+    <dgm:txLinClrLst/>
+    <dgm:txFillClrLst meth="repeat">
+      <a:schemeClr val="dk1"/>
+    </dgm:txFillClrLst>
+    <dgm:txEffectClrLst/>
+  </dgm:styleLbl>
+  <dgm:styleLbl name="fgAcc4">
+    <dgm:fillClrLst meth="repeat">
+      <a:schemeClr val="lt1">
+        <a:alpha val="90000"/>
+      </a:schemeClr>
+    </dgm:fillClrLst>
+    <dgm:linClrLst meth="repeat">
+      <a:schemeClr val="accent1"/>
+    </dgm:linClrLst>
+    <dgm:effectClrLst/>
+    <dgm:txLinClrLst/>
+    <dgm:txFillClrLst meth="repeat">
+      <a:schemeClr val="dk1"/>
+    </dgm:txFillClrLst>
+    <dgm:txEffectClrLst/>
+  </dgm:styleLbl>
+  <dgm:styleLbl name="bgShp">
+    <dgm:fillClrLst meth="repeat">
+      <a:schemeClr val="accent1">
+        <a:tint val="40000"/>
+      </a:schemeClr>
+    </dgm:fillClrLst>
+    <dgm:linClrLst meth="repeat">
+      <a:schemeClr val="accent1"/>
+    </dgm:linClrLst>
+    <dgm:effectClrLst/>
+    <dgm:txLinClrLst/>
+    <dgm:txFillClrLst meth="repeat">
+      <a:schemeClr val="dk1"/>
+    </dgm:txFillClrLst>
+    <dgm:txEffectClrLst/>
+  </dgm:styleLbl>
+  <dgm:styleLbl name="dkBgShp">
+    <dgm:fillClrLst meth="repeat">
+      <a:schemeClr val="accent1">
+        <a:shade val="80000"/>
+      </a:schemeClr>
+    </dgm:fillClrLst>
+    <dgm:linClrLst meth="repeat">
+      <a:schemeClr val="accent1"/>
+    </dgm:linClrLst>
+    <dgm:effectClrLst/>
+    <dgm:txLinClrLst/>
+    <dgm:txFillClrLst meth="repeat">
+      <a:schemeClr val="lt1"/>
+    </dgm:txFillClrLst>
+    <dgm:txEffectClrLst/>
+  </dgm:styleLbl>
+  <dgm:styleLbl name="trBgShp">
+    <dgm:fillClrLst meth="repeat">
+      <a:schemeClr val="accent1">
+        <a:tint val="50000"/>
+        <a:alpha val="40000"/>
+      </a:schemeClr>
+    </dgm:fillClrLst>
+    <dgm:linClrLst meth="repeat">
+      <a:schemeClr val="accent1"/>
+    </dgm:linClrLst>
+    <dgm:effectClrLst/>
+    <dgm:txLinClrLst/>
+    <dgm:txFillClrLst meth="repeat">
+      <a:schemeClr val="lt1"/>
+    </dgm:txFillClrLst>
+    <dgm:txEffectClrLst/>
+  </dgm:styleLbl>
+  <dgm:styleLbl name="fgShp">
+    <dgm:fillClrLst meth="repeat">
+      <a:schemeClr val="accent1">
+        <a:tint val="60000"/>
+      </a:schemeClr>
+    </dgm:fillClrLst>
+    <dgm:linClrLst meth="repeat">
+      <a:schemeClr val="lt1"/>
+    </dgm:linClrLst>
+    <dgm:effectClrLst/>
+    <dgm:txLinClrLst/>
+    <dgm:txFillClrLst meth="repeat">
+      <a:schemeClr val="dk1"/>
+    </dgm:txFillClrLst>
+    <dgm:txEffectClrLst/>
+  </dgm:styleLbl>
+  <dgm:styleLbl name="revTx">
+    <dgm:fillClrLst meth="repeat">
+      <a:schemeClr val="lt1">
+        <a:alpha val="0"/>
+      </a:schemeClr>
+    </dgm:fillClrLst>
+    <dgm:linClrLst meth="repeat">
+      <a:schemeClr val="dk1">
+        <a:alpha val="0"/>
+      </a:schemeClr>
+    </dgm:linClrLst>
+    <dgm:effectClrLst/>
+    <dgm:txLinClrLst/>
+    <dgm:txFillClrLst meth="repeat">
+      <a:schemeClr val="tx1"/>
+    </dgm:txFillClrLst>
+    <dgm:txEffectClrLst/>
+  </dgm:styleLbl>
+</dgm:colorsDef>
+</file>
+
+<file path=ppt/diagrams/data1.xml><?xml version="1.0" encoding="utf-8"?>
+<dgm:dataModel xmlns:dgm="http://schemas.openxmlformats.org/drawingml/2006/diagram" xmlns:a="http://schemas.openxmlformats.org/drawingml/2006/main">
+  <dgm:ptLst>
+    <dgm:pt modelId="{D63FB010-8AF2-884E-8BB5-F332D7255B96}" type="doc">
+      <dgm:prSet loTypeId="urn:microsoft.com/office/officeart/2005/8/layout/hierarchy4" loCatId="" qsTypeId="urn:microsoft.com/office/officeart/2005/8/quickstyle/simple4" qsCatId="simple" csTypeId="urn:microsoft.com/office/officeart/2005/8/colors/accent1_2" csCatId="accent1" phldr="1"/>
+      <dgm:spPr/>
+      <dgm:t>
+        <a:bodyPr/>
+        <a:lstStyle/>
+        <a:p>
+          <a:endParaRPr lang="zh-CN" altLang="en-US"/>
+        </a:p>
+      </dgm:t>
+    </dgm:pt>
+    <dgm:pt modelId="{479D3DFB-DF30-1743-AAA4-B26AA2137512}">
+      <dgm:prSet phldrT="[文本]"/>
+      <dgm:spPr>
+        <a:solidFill>
+          <a:schemeClr val="accent3">
+            <a:alpha val="62000"/>
+          </a:schemeClr>
+        </a:solidFill>
+      </dgm:spPr>
+      <dgm:t>
+        <a:bodyPr/>
+        <a:lstStyle/>
+        <a:p>
+          <a:r>
+            <a:rPr lang="en-US" altLang="zh-CN" dirty="0" err="1" smtClean="0">
+              <a:latin typeface="Arial Rounded MT Bold"/>
+              <a:ea typeface="微软雅黑"/>
+              <a:cs typeface="Arial Rounded MT Bold"/>
+            </a:rPr>
+            <a:t>NodeJs</a:t>
+          </a:r>
+          <a:endParaRPr lang="zh-CN" altLang="en-US" dirty="0">
+            <a:latin typeface="Arial Rounded MT Bold"/>
+            <a:ea typeface="微软雅黑"/>
+            <a:cs typeface="Arial Rounded MT Bold"/>
+          </a:endParaRPr>
+        </a:p>
+      </dgm:t>
+    </dgm:pt>
+    <dgm:pt modelId="{3DB091E2-8A9A-7646-80D5-C987CCFDB822}" type="parTrans" cxnId="{79D89412-BBC6-524D-8E0D-7B5A603861F4}">
+      <dgm:prSet/>
+      <dgm:spPr/>
+      <dgm:t>
+        <a:bodyPr/>
+        <a:lstStyle/>
+        <a:p>
+          <a:endParaRPr lang="zh-CN" altLang="en-US"/>
+        </a:p>
+      </dgm:t>
+    </dgm:pt>
+    <dgm:pt modelId="{BE90AFE8-D72C-9A45-A148-B73975B43E23}" type="sibTrans" cxnId="{79D89412-BBC6-524D-8E0D-7B5A603861F4}">
+      <dgm:prSet/>
+      <dgm:spPr/>
+      <dgm:t>
+        <a:bodyPr/>
+        <a:lstStyle/>
+        <a:p>
+          <a:endParaRPr lang="zh-CN" altLang="en-US"/>
+        </a:p>
+      </dgm:t>
+    </dgm:pt>
+    <dgm:pt modelId="{A232DC1F-5564-FC45-9D3D-D709C4B719BF}">
+      <dgm:prSet phldrT="[文本]"/>
+      <dgm:spPr>
+        <a:solidFill>
+          <a:schemeClr val="accent4">
+            <a:alpha val="62000"/>
+          </a:schemeClr>
+        </a:solidFill>
+        <a:ln>
+          <a:solidFill>
+            <a:schemeClr val="bg2"/>
+          </a:solidFill>
+        </a:ln>
+      </dgm:spPr>
+      <dgm:t>
+        <a:bodyPr/>
+        <a:lstStyle/>
+        <a:p>
+          <a:r>
+            <a:rPr lang="en-US" altLang="zh-CN" dirty="0" err="1" smtClean="0">
+              <a:latin typeface="Arial Rounded MT Bold"/>
+              <a:cs typeface="Arial Rounded MT Bold"/>
+            </a:rPr>
+            <a:t>AngularJs</a:t>
+          </a:r>
+          <a:endParaRPr lang="zh-CN" altLang="en-US" dirty="0">
+            <a:latin typeface="Arial Rounded MT Bold"/>
+            <a:cs typeface="Arial Rounded MT Bold"/>
+          </a:endParaRPr>
+        </a:p>
+      </dgm:t>
+    </dgm:pt>
+    <dgm:pt modelId="{B96786E7-AE1B-5E41-8FF8-C6A89048057A}" type="parTrans" cxnId="{60CEA2CA-74CA-BA44-8AE9-4B769331F56C}">
+      <dgm:prSet/>
+      <dgm:spPr/>
+      <dgm:t>
+        <a:bodyPr/>
+        <a:lstStyle/>
+        <a:p>
+          <a:endParaRPr lang="zh-CN" altLang="en-US"/>
+        </a:p>
+      </dgm:t>
+    </dgm:pt>
+    <dgm:pt modelId="{73303A73-21BB-CB49-AC6F-89326190355E}" type="sibTrans" cxnId="{60CEA2CA-74CA-BA44-8AE9-4B769331F56C}">
+      <dgm:prSet/>
+      <dgm:spPr/>
+      <dgm:t>
+        <a:bodyPr/>
+        <a:lstStyle/>
+        <a:p>
+          <a:endParaRPr lang="zh-CN" altLang="en-US"/>
+        </a:p>
+      </dgm:t>
+    </dgm:pt>
+    <dgm:pt modelId="{81B4941A-2DF0-304A-A53B-6B79CD5FA070}">
+      <dgm:prSet phldrT="[文本]"/>
+      <dgm:spPr>
+        <a:solidFill>
+          <a:schemeClr val="accent4">
+            <a:alpha val="62000"/>
+          </a:schemeClr>
+        </a:solidFill>
+      </dgm:spPr>
+      <dgm:t>
+        <a:bodyPr/>
+        <a:lstStyle/>
+        <a:p>
+          <a:r>
+            <a:rPr lang="en-US" altLang="zh-CN" dirty="0" smtClean="0">
+              <a:latin typeface="Arial Rounded MT Bold"/>
+              <a:cs typeface="Arial Rounded MT Bold"/>
+            </a:rPr>
+            <a:t>LESS</a:t>
+          </a:r>
+          <a:endParaRPr lang="zh-CN" altLang="en-US" dirty="0">
+            <a:latin typeface="Arial Rounded MT Bold"/>
+            <a:cs typeface="Arial Rounded MT Bold"/>
+          </a:endParaRPr>
+        </a:p>
+      </dgm:t>
+    </dgm:pt>
+    <dgm:pt modelId="{2508B95A-1A70-6840-867B-282CC4DD9F60}" type="parTrans" cxnId="{A7E52AC1-7298-D54B-B938-7F45D9A8B639}">
+      <dgm:prSet/>
+      <dgm:spPr/>
+      <dgm:t>
+        <a:bodyPr/>
+        <a:lstStyle/>
+        <a:p>
+          <a:endParaRPr lang="zh-CN" altLang="en-US"/>
+        </a:p>
+      </dgm:t>
+    </dgm:pt>
+    <dgm:pt modelId="{0EC7AFD8-2E6A-854A-8069-E4706CA59EBF}" type="sibTrans" cxnId="{A7E52AC1-7298-D54B-B938-7F45D9A8B639}">
+      <dgm:prSet/>
+      <dgm:spPr/>
+      <dgm:t>
+        <a:bodyPr/>
+        <a:lstStyle/>
+        <a:p>
+          <a:endParaRPr lang="zh-CN" altLang="en-US"/>
+        </a:p>
+      </dgm:t>
+    </dgm:pt>
+    <dgm:pt modelId="{3F91A7E7-94FD-BB46-85BB-D3C454F1724E}">
+      <dgm:prSet phldrT="[文本]"/>
+      <dgm:spPr>
+        <a:solidFill>
+          <a:schemeClr val="accent4">
+            <a:alpha val="62000"/>
+          </a:schemeClr>
+        </a:solidFill>
+      </dgm:spPr>
+      <dgm:t>
+        <a:bodyPr/>
+        <a:lstStyle/>
+        <a:p>
+          <a:r>
+            <a:rPr lang="en-US" altLang="zh-CN" dirty="0" err="1" smtClean="0">
+              <a:latin typeface="Arial Rounded MT Bold"/>
+              <a:cs typeface="Arial Rounded MT Bold"/>
+            </a:rPr>
+            <a:t>jQuery</a:t>
+          </a:r>
+          <a:endParaRPr lang="zh-CN" altLang="en-US" dirty="0">
+            <a:latin typeface="Arial Rounded MT Bold"/>
+            <a:cs typeface="Arial Rounded MT Bold"/>
+          </a:endParaRPr>
+        </a:p>
+      </dgm:t>
+    </dgm:pt>
+    <dgm:pt modelId="{7F253ABB-3538-F44E-955C-6DBB97496505}" type="parTrans" cxnId="{661765BA-44C8-2742-9F1B-616DD58FE2F1}">
+      <dgm:prSet/>
+      <dgm:spPr/>
+      <dgm:t>
+        <a:bodyPr/>
+        <a:lstStyle/>
+        <a:p>
+          <a:endParaRPr lang="zh-CN" altLang="en-US"/>
+        </a:p>
+      </dgm:t>
+    </dgm:pt>
+    <dgm:pt modelId="{1AB0D417-9A6D-EB46-85A0-CFEF79DB670A}" type="sibTrans" cxnId="{661765BA-44C8-2742-9F1B-616DD58FE2F1}">
+      <dgm:prSet/>
+      <dgm:spPr/>
+      <dgm:t>
+        <a:bodyPr/>
+        <a:lstStyle/>
+        <a:p>
+          <a:endParaRPr lang="zh-CN" altLang="en-US"/>
+        </a:p>
+      </dgm:t>
+    </dgm:pt>
+    <dgm:pt modelId="{AE3A2E38-0D34-A544-B227-7E29BC8637F4}" type="pres">
+      <dgm:prSet presAssocID="{D63FB010-8AF2-884E-8BB5-F332D7255B96}" presName="Name0" presStyleCnt="0">
+        <dgm:presLayoutVars>
+          <dgm:chPref val="1"/>
+          <dgm:dir/>
+          <dgm:animOne val="branch"/>
+          <dgm:animLvl val="lvl"/>
+          <dgm:resizeHandles/>
+        </dgm:presLayoutVars>
+      </dgm:prSet>
+      <dgm:spPr/>
+    </dgm:pt>
+    <dgm:pt modelId="{1D230398-9A25-A147-AA37-AA33AB942C95}" type="pres">
+      <dgm:prSet presAssocID="{479D3DFB-DF30-1743-AAA4-B26AA2137512}" presName="vertOne" presStyleCnt="0"/>
+      <dgm:spPr/>
+    </dgm:pt>
+    <dgm:pt modelId="{09193437-1DCF-CA4C-93C2-F9107888CAD5}" type="pres">
+      <dgm:prSet presAssocID="{479D3DFB-DF30-1743-AAA4-B26AA2137512}" presName="txOne" presStyleLbl="node0" presStyleIdx="0" presStyleCnt="1" custLinFactY="100000" custLinFactNeighborX="-37" custLinFactNeighborY="105529">
+        <dgm:presLayoutVars>
+          <dgm:chPref val="3"/>
+        </dgm:presLayoutVars>
+      </dgm:prSet>
+      <dgm:spPr/>
+      <dgm:t>
+        <a:bodyPr/>
+        <a:lstStyle/>
+        <a:p>
+          <a:endParaRPr lang="zh-CN" altLang="en-US"/>
+        </a:p>
+      </dgm:t>
+    </dgm:pt>
+    <dgm:pt modelId="{A471B142-F632-2F44-9FD8-46D1E7652EA2}" type="pres">
+      <dgm:prSet presAssocID="{479D3DFB-DF30-1743-AAA4-B26AA2137512}" presName="parTransOne" presStyleCnt="0"/>
+      <dgm:spPr/>
+    </dgm:pt>
+    <dgm:pt modelId="{2EE1727E-53FA-2F40-B719-287264C382A3}" type="pres">
+      <dgm:prSet presAssocID="{479D3DFB-DF30-1743-AAA4-B26AA2137512}" presName="horzOne" presStyleCnt="0"/>
+      <dgm:spPr/>
+    </dgm:pt>
+    <dgm:pt modelId="{2AC5CF25-5066-F046-8DB1-F0CE818F7511}" type="pres">
+      <dgm:prSet presAssocID="{A232DC1F-5564-FC45-9D3D-D709C4B719BF}" presName="vertTwo" presStyleCnt="0"/>
+      <dgm:spPr/>
+    </dgm:pt>
+    <dgm:pt modelId="{6FF12C57-9742-114C-96D4-6C8A43F09A1C}" type="pres">
+      <dgm:prSet presAssocID="{A232DC1F-5564-FC45-9D3D-D709C4B719BF}" presName="txTwo" presStyleLbl="node2" presStyleIdx="0" presStyleCnt="3" custScaleX="39244" custLinFactY="-10182" custLinFactNeighborX="-26" custLinFactNeighborY="-100000">
+        <dgm:presLayoutVars>
+          <dgm:chPref val="3"/>
+        </dgm:presLayoutVars>
+      </dgm:prSet>
+      <dgm:spPr/>
+      <dgm:t>
+        <a:bodyPr/>
+        <a:lstStyle/>
+        <a:p>
+          <a:endParaRPr lang="zh-CN" altLang="en-US"/>
+        </a:p>
+      </dgm:t>
+    </dgm:pt>
+    <dgm:pt modelId="{59565D21-A636-4542-BC2E-C8AB5C98918F}" type="pres">
+      <dgm:prSet presAssocID="{A232DC1F-5564-FC45-9D3D-D709C4B719BF}" presName="horzTwo" presStyleCnt="0"/>
+      <dgm:spPr/>
+    </dgm:pt>
+    <dgm:pt modelId="{07468C34-601B-D34A-A32D-2B43D0D8AE6F}" type="pres">
+      <dgm:prSet presAssocID="{73303A73-21BB-CB49-AC6F-89326190355E}" presName="sibSpaceTwo" presStyleCnt="0"/>
+      <dgm:spPr/>
+    </dgm:pt>
+    <dgm:pt modelId="{8543A953-E36F-2444-B2EF-779829F72C30}" type="pres">
+      <dgm:prSet presAssocID="{81B4941A-2DF0-304A-A53B-6B79CD5FA070}" presName="vertTwo" presStyleCnt="0"/>
+      <dgm:spPr/>
+    </dgm:pt>
+    <dgm:pt modelId="{052B49D3-F236-3C4F-BC8E-1E959EE77FB6}" type="pres">
+      <dgm:prSet presAssocID="{81B4941A-2DF0-304A-A53B-6B79CD5FA070}" presName="txTwo" presStyleLbl="node2" presStyleIdx="1" presStyleCnt="3" custScaleX="38354" custLinFactY="-10182" custLinFactNeighborX="1288" custLinFactNeighborY="-100000">
+        <dgm:presLayoutVars>
+          <dgm:chPref val="3"/>
+        </dgm:presLayoutVars>
+      </dgm:prSet>
+      <dgm:spPr/>
+    </dgm:pt>
+    <dgm:pt modelId="{39846B99-3893-0C41-AADD-B0F1930466DE}" type="pres">
+      <dgm:prSet presAssocID="{81B4941A-2DF0-304A-A53B-6B79CD5FA070}" presName="horzTwo" presStyleCnt="0"/>
+      <dgm:spPr/>
+    </dgm:pt>
+    <dgm:pt modelId="{CA509640-0417-9848-80FC-A05F331E3A82}" type="pres">
+      <dgm:prSet presAssocID="{0EC7AFD8-2E6A-854A-8069-E4706CA59EBF}" presName="sibSpaceTwo" presStyleCnt="0"/>
+      <dgm:spPr/>
+    </dgm:pt>
+    <dgm:pt modelId="{AFDA15F7-F7D4-1140-B255-283E48522AB1}" type="pres">
+      <dgm:prSet presAssocID="{3F91A7E7-94FD-BB46-85BB-D3C454F1724E}" presName="vertTwo" presStyleCnt="0"/>
+      <dgm:spPr/>
+    </dgm:pt>
+    <dgm:pt modelId="{E3CCF907-041C-A841-ABFA-9E7C836C3BC3}" type="pres">
+      <dgm:prSet presAssocID="{3F91A7E7-94FD-BB46-85BB-D3C454F1724E}" presName="txTwo" presStyleLbl="node2" presStyleIdx="2" presStyleCnt="3" custScaleX="39171" custLinFactY="-10182" custLinFactNeighborX="7058" custLinFactNeighborY="-100000">
+        <dgm:presLayoutVars>
+          <dgm:chPref val="3"/>
+        </dgm:presLayoutVars>
+      </dgm:prSet>
+      <dgm:spPr/>
+    </dgm:pt>
+    <dgm:pt modelId="{B8395897-40E3-6D40-BA24-683407F3AFBC}" type="pres">
+      <dgm:prSet presAssocID="{3F91A7E7-94FD-BB46-85BB-D3C454F1724E}" presName="horzTwo" presStyleCnt="0"/>
+      <dgm:spPr/>
+    </dgm:pt>
+  </dgm:ptLst>
+  <dgm:cxnLst>
+    <dgm:cxn modelId="{E803C04E-72DC-824E-B3D3-D90CFEDD3525}" type="presOf" srcId="{A232DC1F-5564-FC45-9D3D-D709C4B719BF}" destId="{6FF12C57-9742-114C-96D4-6C8A43F09A1C}" srcOrd="0" destOrd="0" presId="urn:microsoft.com/office/officeart/2005/8/layout/hierarchy4"/>
+    <dgm:cxn modelId="{A4E8A672-15D9-CD40-A184-423EBB878550}" type="presOf" srcId="{81B4941A-2DF0-304A-A53B-6B79CD5FA070}" destId="{052B49D3-F236-3C4F-BC8E-1E959EE77FB6}" srcOrd="0" destOrd="0" presId="urn:microsoft.com/office/officeart/2005/8/layout/hierarchy4"/>
+    <dgm:cxn modelId="{E7E3AAFD-29D8-3B4D-A0FA-6FC2CF0F19E5}" type="presOf" srcId="{479D3DFB-DF30-1743-AAA4-B26AA2137512}" destId="{09193437-1DCF-CA4C-93C2-F9107888CAD5}" srcOrd="0" destOrd="0" presId="urn:microsoft.com/office/officeart/2005/8/layout/hierarchy4"/>
+    <dgm:cxn modelId="{79D89412-BBC6-524D-8E0D-7B5A603861F4}" srcId="{D63FB010-8AF2-884E-8BB5-F332D7255B96}" destId="{479D3DFB-DF30-1743-AAA4-B26AA2137512}" srcOrd="0" destOrd="0" parTransId="{3DB091E2-8A9A-7646-80D5-C987CCFDB822}" sibTransId="{BE90AFE8-D72C-9A45-A148-B73975B43E23}"/>
+    <dgm:cxn modelId="{60CEA2CA-74CA-BA44-8AE9-4B769331F56C}" srcId="{479D3DFB-DF30-1743-AAA4-B26AA2137512}" destId="{A232DC1F-5564-FC45-9D3D-D709C4B719BF}" srcOrd="0" destOrd="0" parTransId="{B96786E7-AE1B-5E41-8FF8-C6A89048057A}" sibTransId="{73303A73-21BB-CB49-AC6F-89326190355E}"/>
+    <dgm:cxn modelId="{A7E52AC1-7298-D54B-B938-7F45D9A8B639}" srcId="{479D3DFB-DF30-1743-AAA4-B26AA2137512}" destId="{81B4941A-2DF0-304A-A53B-6B79CD5FA070}" srcOrd="1" destOrd="0" parTransId="{2508B95A-1A70-6840-867B-282CC4DD9F60}" sibTransId="{0EC7AFD8-2E6A-854A-8069-E4706CA59EBF}"/>
+    <dgm:cxn modelId="{661765BA-44C8-2742-9F1B-616DD58FE2F1}" srcId="{479D3DFB-DF30-1743-AAA4-B26AA2137512}" destId="{3F91A7E7-94FD-BB46-85BB-D3C454F1724E}" srcOrd="2" destOrd="0" parTransId="{7F253ABB-3538-F44E-955C-6DBB97496505}" sibTransId="{1AB0D417-9A6D-EB46-85A0-CFEF79DB670A}"/>
+    <dgm:cxn modelId="{F5B2F5B7-85B7-0D41-AC92-C17E030D598D}" type="presOf" srcId="{D63FB010-8AF2-884E-8BB5-F332D7255B96}" destId="{AE3A2E38-0D34-A544-B227-7E29BC8637F4}" srcOrd="0" destOrd="0" presId="urn:microsoft.com/office/officeart/2005/8/layout/hierarchy4"/>
+    <dgm:cxn modelId="{9768B244-ABDD-B54E-97E0-4C99948B2FB5}" type="presOf" srcId="{3F91A7E7-94FD-BB46-85BB-D3C454F1724E}" destId="{E3CCF907-041C-A841-ABFA-9E7C836C3BC3}" srcOrd="0" destOrd="0" presId="urn:microsoft.com/office/officeart/2005/8/layout/hierarchy4"/>
+    <dgm:cxn modelId="{CFEFF693-68B1-E245-A6BF-9DC7CEC66BDD}" type="presParOf" srcId="{AE3A2E38-0D34-A544-B227-7E29BC8637F4}" destId="{1D230398-9A25-A147-AA37-AA33AB942C95}" srcOrd="0" destOrd="0" presId="urn:microsoft.com/office/officeart/2005/8/layout/hierarchy4"/>
+    <dgm:cxn modelId="{14D2544F-94AB-5C44-90D7-8CA239308FD3}" type="presParOf" srcId="{1D230398-9A25-A147-AA37-AA33AB942C95}" destId="{09193437-1DCF-CA4C-93C2-F9107888CAD5}" srcOrd="0" destOrd="0" presId="urn:microsoft.com/office/officeart/2005/8/layout/hierarchy4"/>
+    <dgm:cxn modelId="{A71C8E33-2DB5-2F4B-98CB-EE0BD4A1A2FA}" type="presParOf" srcId="{1D230398-9A25-A147-AA37-AA33AB942C95}" destId="{A471B142-F632-2F44-9FD8-46D1E7652EA2}" srcOrd="1" destOrd="0" presId="urn:microsoft.com/office/officeart/2005/8/layout/hierarchy4"/>
+    <dgm:cxn modelId="{CEC0261A-5D3A-9946-83F0-3D4C5E9CCD6E}" type="presParOf" srcId="{1D230398-9A25-A147-AA37-AA33AB942C95}" destId="{2EE1727E-53FA-2F40-B719-287264C382A3}" srcOrd="2" destOrd="0" presId="urn:microsoft.com/office/officeart/2005/8/layout/hierarchy4"/>
+    <dgm:cxn modelId="{E456A42C-4244-4F4B-B231-2EA7664E7157}" type="presParOf" srcId="{2EE1727E-53FA-2F40-B719-287264C382A3}" destId="{2AC5CF25-5066-F046-8DB1-F0CE818F7511}" srcOrd="0" destOrd="0" presId="urn:microsoft.com/office/officeart/2005/8/layout/hierarchy4"/>
+    <dgm:cxn modelId="{A27B9D67-A699-344D-9F89-7DBA51C433D2}" type="presParOf" srcId="{2AC5CF25-5066-F046-8DB1-F0CE818F7511}" destId="{6FF12C57-9742-114C-96D4-6C8A43F09A1C}" srcOrd="0" destOrd="0" presId="urn:microsoft.com/office/officeart/2005/8/layout/hierarchy4"/>
+    <dgm:cxn modelId="{767DD01C-6020-A346-8626-DA29EEAED304}" type="presParOf" srcId="{2AC5CF25-5066-F046-8DB1-F0CE818F7511}" destId="{59565D21-A636-4542-BC2E-C8AB5C98918F}" srcOrd="1" destOrd="0" presId="urn:microsoft.com/office/officeart/2005/8/layout/hierarchy4"/>
+    <dgm:cxn modelId="{5310BD6C-EDF3-5D45-ACF6-4C6EFE1E037B}" type="presParOf" srcId="{2EE1727E-53FA-2F40-B719-287264C382A3}" destId="{07468C34-601B-D34A-A32D-2B43D0D8AE6F}" srcOrd="1" destOrd="0" presId="urn:microsoft.com/office/officeart/2005/8/layout/hierarchy4"/>
+    <dgm:cxn modelId="{BF0E7049-88BE-F548-BDA1-2D99FBD686D8}" type="presParOf" srcId="{2EE1727E-53FA-2F40-B719-287264C382A3}" destId="{8543A953-E36F-2444-B2EF-779829F72C30}" srcOrd="2" destOrd="0" presId="urn:microsoft.com/office/officeart/2005/8/layout/hierarchy4"/>
+    <dgm:cxn modelId="{0FC471DB-95C5-CC42-95A0-A0B573F72961}" type="presParOf" srcId="{8543A953-E36F-2444-B2EF-779829F72C30}" destId="{052B49D3-F236-3C4F-BC8E-1E959EE77FB6}" srcOrd="0" destOrd="0" presId="urn:microsoft.com/office/officeart/2005/8/layout/hierarchy4"/>
+    <dgm:cxn modelId="{2FE7A394-9F21-EA42-93E4-EBA97489D80A}" type="presParOf" srcId="{8543A953-E36F-2444-B2EF-779829F72C30}" destId="{39846B99-3893-0C41-AADD-B0F1930466DE}" srcOrd="1" destOrd="0" presId="urn:microsoft.com/office/officeart/2005/8/layout/hierarchy4"/>
+    <dgm:cxn modelId="{D1E4B16A-C720-5045-9696-7CDC7141B374}" type="presParOf" srcId="{2EE1727E-53FA-2F40-B719-287264C382A3}" destId="{CA509640-0417-9848-80FC-A05F331E3A82}" srcOrd="3" destOrd="0" presId="urn:microsoft.com/office/officeart/2005/8/layout/hierarchy4"/>
+    <dgm:cxn modelId="{D9F34FD3-0CF2-4A4E-865E-49238CA0A548}" type="presParOf" srcId="{2EE1727E-53FA-2F40-B719-287264C382A3}" destId="{AFDA15F7-F7D4-1140-B255-283E48522AB1}" srcOrd="4" destOrd="0" presId="urn:microsoft.com/office/officeart/2005/8/layout/hierarchy4"/>
+    <dgm:cxn modelId="{41CAC340-4148-4B48-B907-0D9BBFD96A6E}" type="presParOf" srcId="{AFDA15F7-F7D4-1140-B255-283E48522AB1}" destId="{E3CCF907-041C-A841-ABFA-9E7C836C3BC3}" srcOrd="0" destOrd="0" presId="urn:microsoft.com/office/officeart/2005/8/layout/hierarchy4"/>
+    <dgm:cxn modelId="{2791F1E4-7CE6-644C-9BE9-3B5EB622541F}" type="presParOf" srcId="{AFDA15F7-F7D4-1140-B255-283E48522AB1}" destId="{B8395897-40E3-6D40-BA24-683407F3AFBC}" srcOrd="1" destOrd="0" presId="urn:microsoft.com/office/officeart/2005/8/layout/hierarchy4"/>
+  </dgm:cxnLst>
+  <dgm:bg/>
+  <dgm:whole/>
+  <dgm:extLst>
+    <a:ext uri="http://schemas.microsoft.com/office/drawing/2008/diagram">
+      <dsp:dataModelExt xmlns:dsp="http://schemas.microsoft.com/office/drawing/2008/diagram" relId="rId6" minVer="http://schemas.openxmlformats.org/drawingml/2006/diagram"/>
+    </a:ext>
+  </dgm:extLst>
+</dgm:dataModel>
+</file>
+
+<file path=ppt/diagrams/drawing1.xml><?xml version="1.0" encoding="utf-8"?>
+<dsp:drawing xmlns:dgm="http://schemas.openxmlformats.org/drawingml/2006/diagram" xmlns:dsp="http://schemas.microsoft.com/office/drawing/2008/diagram" xmlns:a="http://schemas.openxmlformats.org/drawingml/2006/main">
+  <dsp:spTree>
+    <dsp:nvGrpSpPr>
+      <dsp:cNvPr id="0" name=""/>
+      <dsp:cNvGrpSpPr/>
+    </dsp:nvGrpSpPr>
+    <dsp:grpSpPr/>
+    <dsp:sp modelId="{09193437-1DCF-CA4C-93C2-F9107888CAD5}">
+      <dsp:nvSpPr>
+        <dsp:cNvPr id="0" name=""/>
+        <dsp:cNvSpPr/>
+      </dsp:nvSpPr>
+      <dsp:spPr>
+        <a:xfrm>
+          <a:off x="372" y="2127055"/>
+          <a:ext cx="7307460" cy="1929006"/>
+        </a:xfrm>
+        <a:prstGeom prst="roundRect">
+          <a:avLst>
+            <a:gd name="adj" fmla="val 10000"/>
+          </a:avLst>
+        </a:prstGeom>
+        <a:solidFill>
+          <a:schemeClr val="accent3">
+            <a:alpha val="62000"/>
+          </a:schemeClr>
+        </a:solidFill>
+        <a:ln>
+          <a:noFill/>
+        </a:ln>
+        <a:effectLst>
+          <a:outerShdw blurRad="101600" dist="38100" dir="5400000" rotWithShape="0">
+            <a:srgbClr val="000000">
+              <a:alpha val="75000"/>
+            </a:srgbClr>
+          </a:outerShdw>
+        </a:effectLst>
+      </dsp:spPr>
+      <dsp:style>
+        <a:lnRef idx="0">
+          <a:scrgbClr r="0" g="0" b="0"/>
+        </a:lnRef>
+        <a:fillRef idx="3">
+          <a:scrgbClr r="0" g="0" b="0"/>
+        </a:fillRef>
+        <a:effectRef idx="2">
+          <a:scrgbClr r="0" g="0" b="0"/>
+        </a:effectRef>
+        <a:fontRef idx="minor">
+          <a:schemeClr val="lt1"/>
+        </a:fontRef>
+      </dsp:style>
+      <dsp:txBody>
+        <a:bodyPr spcFirstLastPara="0" vert="horz" wrap="square" lIns="247650" tIns="247650" rIns="247650" bIns="247650" numCol="1" spcCol="1270" anchor="ctr" anchorCtr="0">
+          <a:noAutofit/>
+        </a:bodyPr>
+        <a:lstStyle/>
+        <a:p>
+          <a:pPr lvl="0" algn="ctr" defTabSz="2889250">
+            <a:lnSpc>
+              <a:spcPct val="90000"/>
+            </a:lnSpc>
+            <a:spcBef>
+              <a:spcPct val="0"/>
+            </a:spcBef>
+            <a:spcAft>
+              <a:spcPct val="35000"/>
+            </a:spcAft>
+          </a:pPr>
+          <a:r>
+            <a:rPr lang="en-US" altLang="zh-CN" sz="6500" kern="1200" dirty="0" err="1" smtClean="0">
+              <a:latin typeface="Arial Rounded MT Bold"/>
+              <a:ea typeface="微软雅黑"/>
+              <a:cs typeface="Arial Rounded MT Bold"/>
+            </a:rPr>
+            <a:t>NodeJs</a:t>
+          </a:r>
+          <a:endParaRPr lang="zh-CN" altLang="en-US" sz="6500" kern="1200" dirty="0">
+            <a:latin typeface="Arial Rounded MT Bold"/>
+            <a:ea typeface="微软雅黑"/>
+            <a:cs typeface="Arial Rounded MT Bold"/>
+          </a:endParaRPr>
+        </a:p>
+      </dsp:txBody>
+      <dsp:txXfrm>
+        <a:off x="56871" y="2183554"/>
+        <a:ext cx="7194462" cy="1816008"/>
+      </dsp:txXfrm>
+    </dsp:sp>
+    <dsp:sp modelId="{6FF12C57-9742-114C-96D4-6C8A43F09A1C}">
+      <dsp:nvSpPr>
+        <dsp:cNvPr id="0" name=""/>
+        <dsp:cNvSpPr/>
+      </dsp:nvSpPr>
+      <dsp:spPr>
+        <a:xfrm>
+          <a:off x="1653" y="4"/>
+          <a:ext cx="2147009" cy="1929006"/>
+        </a:xfrm>
+        <a:prstGeom prst="roundRect">
+          <a:avLst>
+            <a:gd name="adj" fmla="val 10000"/>
+          </a:avLst>
+        </a:prstGeom>
+        <a:solidFill>
+          <a:schemeClr val="accent4">
+            <a:alpha val="62000"/>
+          </a:schemeClr>
+        </a:solidFill>
+        <a:ln>
+          <a:solidFill>
+            <a:schemeClr val="bg2"/>
+          </a:solidFill>
+        </a:ln>
+        <a:effectLst>
+          <a:outerShdw blurRad="101600" dist="38100" dir="5400000" rotWithShape="0">
+            <a:srgbClr val="000000">
+              <a:alpha val="75000"/>
+            </a:srgbClr>
+          </a:outerShdw>
+        </a:effectLst>
+      </dsp:spPr>
+      <dsp:style>
+        <a:lnRef idx="0">
+          <a:scrgbClr r="0" g="0" b="0"/>
+        </a:lnRef>
+        <a:fillRef idx="3">
+          <a:scrgbClr r="0" g="0" b="0"/>
+        </a:fillRef>
+        <a:effectRef idx="2">
+          <a:scrgbClr r="0" g="0" b="0"/>
+        </a:effectRef>
+        <a:fontRef idx="minor">
+          <a:schemeClr val="lt1"/>
+        </a:fontRef>
+      </dsp:style>
+      <dsp:txBody>
+        <a:bodyPr spcFirstLastPara="0" vert="horz" wrap="square" lIns="106680" tIns="106680" rIns="106680" bIns="106680" numCol="1" spcCol="1270" anchor="ctr" anchorCtr="0">
+          <a:noAutofit/>
+        </a:bodyPr>
+        <a:lstStyle/>
+        <a:p>
+          <a:pPr lvl="0" algn="ctr" defTabSz="1244600">
+            <a:lnSpc>
+              <a:spcPct val="90000"/>
+            </a:lnSpc>
+            <a:spcBef>
+              <a:spcPct val="0"/>
+            </a:spcBef>
+            <a:spcAft>
+              <a:spcPct val="35000"/>
+            </a:spcAft>
+          </a:pPr>
+          <a:r>
+            <a:rPr lang="en-US" altLang="zh-CN" sz="2800" kern="1200" dirty="0" err="1" smtClean="0">
+              <a:latin typeface="Arial Rounded MT Bold"/>
+              <a:cs typeface="Arial Rounded MT Bold"/>
+            </a:rPr>
+            <a:t>AngularJs</a:t>
+          </a:r>
+          <a:endParaRPr lang="zh-CN" altLang="en-US" sz="2800" kern="1200" dirty="0">
+            <a:latin typeface="Arial Rounded MT Bold"/>
+            <a:cs typeface="Arial Rounded MT Bold"/>
+          </a:endParaRPr>
+        </a:p>
+      </dsp:txBody>
+      <dsp:txXfrm>
+        <a:off x="58152" y="56503"/>
+        <a:ext cx="2034011" cy="1816008"/>
+      </dsp:txXfrm>
+    </dsp:sp>
+    <dsp:sp modelId="{052B49D3-F236-3C4F-BC8E-1E959EE77FB6}">
+      <dsp:nvSpPr>
+        <dsp:cNvPr id="0" name=""/>
+        <dsp:cNvSpPr/>
+      </dsp:nvSpPr>
+      <dsp:spPr>
+        <a:xfrm>
+          <a:off x="2680109" y="4"/>
+          <a:ext cx="2098318" cy="1929006"/>
+        </a:xfrm>
+        <a:prstGeom prst="roundRect">
+          <a:avLst>
+            <a:gd name="adj" fmla="val 10000"/>
+          </a:avLst>
+        </a:prstGeom>
+        <a:solidFill>
+          <a:schemeClr val="accent4">
+            <a:alpha val="62000"/>
+          </a:schemeClr>
+        </a:solidFill>
+        <a:ln>
+          <a:noFill/>
+        </a:ln>
+        <a:effectLst>
+          <a:outerShdw blurRad="101600" dist="38100" dir="5400000" rotWithShape="0">
+            <a:srgbClr val="000000">
+              <a:alpha val="75000"/>
+            </a:srgbClr>
+          </a:outerShdw>
+        </a:effectLst>
+      </dsp:spPr>
+      <dsp:style>
+        <a:lnRef idx="0">
+          <a:scrgbClr r="0" g="0" b="0"/>
+        </a:lnRef>
+        <a:fillRef idx="3">
+          <a:scrgbClr r="0" g="0" b="0"/>
+        </a:fillRef>
+        <a:effectRef idx="2">
+          <a:scrgbClr r="0" g="0" b="0"/>
+        </a:effectRef>
+        <a:fontRef idx="minor">
+          <a:schemeClr val="lt1"/>
+        </a:fontRef>
+      </dsp:style>
+      <dsp:txBody>
+        <a:bodyPr spcFirstLastPara="0" vert="horz" wrap="square" lIns="106680" tIns="106680" rIns="106680" bIns="106680" numCol="1" spcCol="1270" anchor="ctr" anchorCtr="0">
+          <a:noAutofit/>
+        </a:bodyPr>
+        <a:lstStyle/>
+        <a:p>
+          <a:pPr lvl="0" algn="ctr" defTabSz="1244600">
+            <a:lnSpc>
+              <a:spcPct val="90000"/>
+            </a:lnSpc>
+            <a:spcBef>
+              <a:spcPct val="0"/>
+            </a:spcBef>
+            <a:spcAft>
+              <a:spcPct val="35000"/>
+            </a:spcAft>
+          </a:pPr>
+          <a:r>
+            <a:rPr lang="en-US" altLang="zh-CN" sz="2800" kern="1200" dirty="0" smtClean="0">
+              <a:latin typeface="Arial Rounded MT Bold"/>
+              <a:cs typeface="Arial Rounded MT Bold"/>
+            </a:rPr>
+            <a:t>LESS</a:t>
+          </a:r>
+          <a:endParaRPr lang="zh-CN" altLang="en-US" sz="2800" kern="1200" dirty="0">
+            <a:latin typeface="Arial Rounded MT Bold"/>
+            <a:cs typeface="Arial Rounded MT Bold"/>
+          </a:endParaRPr>
+        </a:p>
+      </dsp:txBody>
+      <dsp:txXfrm>
+        <a:off x="2736608" y="56503"/>
+        <a:ext cx="1985320" cy="1816008"/>
+      </dsp:txXfrm>
+    </dsp:sp>
+    <dsp:sp modelId="{E3CCF907-041C-A841-ABFA-9E7C836C3BC3}">
+      <dsp:nvSpPr>
+        <dsp:cNvPr id="0" name=""/>
+        <dsp:cNvSpPr/>
+      </dsp:nvSpPr>
+      <dsp:spPr>
+        <a:xfrm>
+          <a:off x="5170596" y="4"/>
+          <a:ext cx="2143016" cy="1929006"/>
+        </a:xfrm>
+        <a:prstGeom prst="roundRect">
+          <a:avLst>
+            <a:gd name="adj" fmla="val 10000"/>
+          </a:avLst>
+        </a:prstGeom>
+        <a:solidFill>
+          <a:schemeClr val="accent4">
+            <a:alpha val="62000"/>
+          </a:schemeClr>
+        </a:solidFill>
+        <a:ln>
+          <a:noFill/>
+        </a:ln>
+        <a:effectLst>
+          <a:outerShdw blurRad="101600" dist="38100" dir="5400000" rotWithShape="0">
+            <a:srgbClr val="000000">
+              <a:alpha val="75000"/>
+            </a:srgbClr>
+          </a:outerShdw>
+        </a:effectLst>
+      </dsp:spPr>
+      <dsp:style>
+        <a:lnRef idx="0">
+          <a:scrgbClr r="0" g="0" b="0"/>
+        </a:lnRef>
+        <a:fillRef idx="3">
+          <a:scrgbClr r="0" g="0" b="0"/>
+        </a:fillRef>
+        <a:effectRef idx="2">
+          <a:scrgbClr r="0" g="0" b="0"/>
+        </a:effectRef>
+        <a:fontRef idx="minor">
+          <a:schemeClr val="lt1"/>
+        </a:fontRef>
+      </dsp:style>
+      <dsp:txBody>
+        <a:bodyPr spcFirstLastPara="0" vert="horz" wrap="square" lIns="106680" tIns="106680" rIns="106680" bIns="106680" numCol="1" spcCol="1270" anchor="ctr" anchorCtr="0">
+          <a:noAutofit/>
+        </a:bodyPr>
+        <a:lstStyle/>
+        <a:p>
+          <a:pPr lvl="0" algn="ctr" defTabSz="1244600">
+            <a:lnSpc>
+              <a:spcPct val="90000"/>
+            </a:lnSpc>
+            <a:spcBef>
+              <a:spcPct val="0"/>
+            </a:spcBef>
+            <a:spcAft>
+              <a:spcPct val="35000"/>
+            </a:spcAft>
+          </a:pPr>
+          <a:r>
+            <a:rPr lang="en-US" altLang="zh-CN" sz="2800" kern="1200" dirty="0" err="1" smtClean="0">
+              <a:latin typeface="Arial Rounded MT Bold"/>
+              <a:cs typeface="Arial Rounded MT Bold"/>
+            </a:rPr>
+            <a:t>jQuery</a:t>
+          </a:r>
+          <a:endParaRPr lang="zh-CN" altLang="en-US" sz="2800" kern="1200" dirty="0">
+            <a:latin typeface="Arial Rounded MT Bold"/>
+            <a:cs typeface="Arial Rounded MT Bold"/>
+          </a:endParaRPr>
+        </a:p>
+      </dsp:txBody>
+      <dsp:txXfrm>
+        <a:off x="5227095" y="56503"/>
+        <a:ext cx="2030018" cy="1816008"/>
+      </dsp:txXfrm>
+    </dsp:sp>
+  </dsp:spTree>
+</dsp:drawing>
+</file>
+
+<file path=ppt/diagrams/layout1.xml><?xml version="1.0" encoding="utf-8"?>
+<dgm:layoutDef xmlns:dgm="http://schemas.openxmlformats.org/drawingml/2006/diagram" xmlns:a="http://schemas.openxmlformats.org/drawingml/2006/main" uniqueId="urn:microsoft.com/office/officeart/2005/8/layout/hierarchy4">
+  <dgm:title val=""/>
+  <dgm:desc val=""/>
+  <dgm:catLst>
+    <dgm:cat type="hierarchy" pri="4000"/>
+    <dgm:cat type="list" pri="24000"/>
+    <dgm:cat type="relationship" pri="10000"/>
+  </dgm:catLst>
+  <dgm:sampData>
+    <dgm:dataModel>
+      <dgm:ptLst>
+        <dgm:pt modelId="0" type="doc"/>
+        <dgm:pt modelId="1">
+          <dgm:prSet phldr="1"/>
+        </dgm:pt>
+        <dgm:pt modelId="2">
+          <dgm:prSet phldr="1"/>
+        </dgm:pt>
+        <dgm:pt modelId="21">
+          <dgm:prSet phldr="1"/>
+        </dgm:pt>
+        <dgm:pt modelId="22">
+          <dgm:prSet phldr="1"/>
+        </dgm:pt>
+        <dgm:pt modelId="3">
+          <dgm:prSet phldr="1"/>
+        </dgm:pt>
+        <dgm:pt modelId="31">
+          <dgm:prSet phldr="1"/>
+        </dgm:pt>
+      </dgm:ptLst>
+      <dgm:cxnLst>
+        <dgm:cxn modelId="4" srcId="0" destId="1" srcOrd="0" destOrd="0"/>
+        <dgm:cxn modelId="5" srcId="1" destId="2" srcOrd="0" destOrd="0"/>
+        <dgm:cxn modelId="6" srcId="1" destId="3" srcOrd="1" destOrd="0"/>
+        <dgm:cxn modelId="23" srcId="2" destId="21" srcOrd="0" destOrd="0"/>
+        <dgm:cxn modelId="24" srcId="2" destId="22" srcOrd="1" destOrd="0"/>
+        <dgm:cxn modelId="33" srcId="3" destId="31" srcOrd="0" destOrd="0"/>
+      </dgm:cxnLst>
+      <dgm:bg/>
+      <dgm:whole/>
+    </dgm:dataModel>
+  </dgm:sampData>
+  <dgm:styleData>
+    <dgm:dataModel>
+      <dgm:ptLst>
+        <dgm:pt modelId="0" type="doc"/>
+        <dgm:pt modelId="1"/>
+        <dgm:pt modelId="11"/>
+        <dgm:pt modelId="12"/>
+      </dgm:ptLst>
+      <dgm:cxnLst>
+        <dgm:cxn modelId="2" srcId="0" destId="1" srcOrd="0" destOrd="0"/>
+        <dgm:cxn modelId="13" srcId="1" destId="11" srcOrd="0" destOrd="0"/>
+        <dgm:cxn modelId="14" srcId="1" destId="12" srcOrd="1" destOrd="0"/>
+      </dgm:cxnLst>
+      <dgm:bg/>
+      <dgm:whole/>
+    </dgm:dataModel>
+  </dgm:styleData>
+  <dgm:clrData>
+    <dgm:dataModel>
+      <dgm:ptLst>
+        <dgm:pt modelId="0" type="doc"/>
+        <dgm:pt modelId="1"/>
+        <dgm:pt modelId="2"/>
+        <dgm:pt modelId="21"/>
+        <dgm:pt modelId="211"/>
+        <dgm:pt modelId="3"/>
+        <dgm:pt modelId="31"/>
+        <dgm:pt modelId="311"/>
+      </dgm:ptLst>
+      <dgm:cxnLst>
+        <dgm:cxn modelId="4" srcId="0" destId="1" srcOrd="0" destOrd="0"/>
+        <dgm:cxn modelId="5" srcId="1" destId="2" srcOrd="0" destOrd="0"/>
+        <dgm:cxn modelId="6" srcId="1" destId="3" srcOrd="1" destOrd="0"/>
+        <dgm:cxn modelId="23" srcId="2" destId="21" srcOrd="0" destOrd="0"/>
+        <dgm:cxn modelId="24" srcId="21" destId="211" srcOrd="0" destOrd="0"/>
+        <dgm:cxn modelId="33" srcId="3" destId="31" srcOrd="0" destOrd="0"/>
+        <dgm:cxn modelId="34" srcId="31" destId="311" srcOrd="0" destOrd="0"/>
+      </dgm:cxnLst>
+      <dgm:bg/>
+      <dgm:whole/>
+    </dgm:dataModel>
+  </dgm:clrData>
+  <dgm:layoutNode name="Name0">
+    <dgm:varLst>
+      <dgm:chPref val="1"/>
+      <dgm:dir/>
+      <dgm:animOne val="branch"/>
+      <dgm:animLvl val="lvl"/>
+      <dgm:resizeHandles/>
+    </dgm:varLst>
+    <dgm:choose name="Name1">
+      <dgm:if name="Name2" func="var" arg="dir" op="equ" val="norm">
+        <dgm:alg type="lin">
+          <dgm:param type="linDir" val="fromL"/>
+          <dgm:param type="nodeVertAlign" val="t"/>
+        </dgm:alg>
+      </dgm:if>
+      <dgm:else name="Name3">
+        <dgm:alg type="lin">
+          <dgm:param type="linDir" val="fromR"/>
+          <dgm:param type="nodeVertAlign" val="t"/>
+        </dgm:alg>
+      </dgm:else>
+    </dgm:choose>
+    <dgm:shape xmlns:r="http://schemas.openxmlformats.org/officeDocument/2006/relationships" r:blip="">
+      <dgm:adjLst/>
+    </dgm:shape>
+    <dgm:presOf/>
+    <dgm:constrLst>
+      <dgm:constr type="w" for="ch" forName="vertOne" refType="w"/>
+      <dgm:constr type="w" for="des" forName="horzOne" refType="w"/>
+      <dgm:constr type="w" for="des" forName="txOne" refType="w"/>
+      <dgm:constr type="w" for="des" forName="vertTwo" refType="w"/>
+      <dgm:constr type="w" for="des" forName="horzTwo" refType="w"/>
+      <dgm:constr type="w" for="des" forName="txTwo" refType="w"/>
+      <dgm:constr type="w" for="des" forName="vertThree" refType="w"/>
+      <dgm:constr type="w" for="des" forName="horzThree" refType="w"/>
+      <dgm:constr type="w" for="des" forName="txThree" refType="w"/>
+      <dgm:constr type="w" for="des" forName="vertFour" refType="w"/>
+      <dgm:constr type="w" for="des" forName="horzFour" refType="w"/>
+      <dgm:constr type="w" for="des" forName="txFour" refType="w"/>
+      <dgm:constr type="h" for="des" ptType="node" op="equ"/>
+      <dgm:constr type="h" for="des" forName="txOne" refType="h"/>
+      <dgm:constr type="userH" for="des" ptType="node" refType="h" refFor="des" refForName="txOne"/>
+      <dgm:constr type="primFontSz" for="des" forName="txOne" val="65"/>
+      <dgm:constr type="primFontSz" for="des" forName="txTwo" val="65"/>
+      <dgm:constr type="primFontSz" for="des" forName="txTwo" refType="primFontSz" refFor="des" refForName="txOne" op="lte"/>
+      <dgm:constr type="primFontSz" for="des" forName="txThree" val="65"/>
+      <dgm:constr type="primFontSz" for="des" forName="txThree" refType="primFontSz" refFor="des" refForName="txOne" op="lte"/>
+      <dgm:constr type="primFontSz" for="des" forName="txThree" refType="primFontSz" refFor="des" refForName="txTwo" op="lte"/>
+      <dgm:constr type="primFontSz" for="des" forName="txFour" val="65"/>
+      <dgm:constr type="primFontSz" for="des" forName="txFour" refType="primFontSz" refFor="des" refForName="txOne" op="lte"/>
+      <dgm:constr type="primFontSz" for="des" forName="txFour" refType="primFontSz" refFor="des" refForName="txTwo" op="lte"/>
+      <dgm:constr type="primFontSz" for="des" forName="txFour" refType="primFontSz" refFor="des" refForName="txThree" op="lte"/>
+      <dgm:constr type="w" for="des" forName="sibSpaceOne" refType="w" fact="0.168"/>
+      <dgm:constr type="w" for="des" forName="sibSpaceTwo" refType="w" refFor="des" refForName="sibSpaceOne" op="equ" fact="0.5"/>
+      <dgm:constr type="w" for="des" forName="sibSpaceThree" refType="w" refFor="des" refForName="sibSpaceTwo" op="equ" fact="0.5"/>
+      <dgm:constr type="w" for="des" forName="sibSpaceFour" refType="w" refFor="des" refForName="sibSpaceThree" op="equ" fact="0.5"/>
+      <dgm:constr type="h" for="des" forName="parTransOne" refType="w" fact="0.056"/>
+      <dgm:constr type="h" for="des" forName="parTransTwo" refType="h" refFor="des" refForName="parTransOne" op="equ"/>
+      <dgm:constr type="h" for="des" forName="parTransThree" refType="h" refFor="des" refForName="parTransTwo" op="equ"/>
+      <dgm:constr type="h" for="des" forName="parTransFour" refType="h" refFor="des" refForName="parTransThree" op="equ"/>
+    </dgm:constrLst>
+    <dgm:ruleLst/>
+    <dgm:forEach name="Name4" axis="ch" ptType="node">
+      <dgm:layoutNode name="vertOne">
+        <dgm:alg type="lin">
+          <dgm:param type="linDir" val="fromT"/>
+        </dgm:alg>
+        <dgm:shape xmlns:r="http://schemas.openxmlformats.org/officeDocument/2006/relationships" r:blip="">
+          <dgm:adjLst/>
+        </dgm:shape>
+        <dgm:presOf/>
+        <dgm:constrLst>
+          <dgm:constr type="w" for="ch" forName="txOne" refType="w" refFor="ch" refForName="horzOne" op="gte"/>
+        </dgm:constrLst>
+        <dgm:ruleLst/>
+        <dgm:layoutNode name="txOne" styleLbl="node0">
+          <dgm:varLst>
+            <dgm:chPref val="3"/>
+          </dgm:varLst>
+          <dgm:alg type="tx"/>
+          <dgm:shape xmlns:r="http://schemas.openxmlformats.org/officeDocument/2006/relationships" type="roundRect" r:blip="">
+            <dgm:adjLst>
+              <dgm:adj idx="1" val="0.1"/>
+            </dgm:adjLst>
+          </dgm:shape>
+          <dgm:presOf axis="self"/>
+          <dgm:constrLst>
+            <dgm:constr type="tMarg" refType="primFontSz" fact="0.3"/>
+            <dgm:constr type="bMarg" refType="primFontSz" fact="0.3"/>
+            <dgm:constr type="lMarg" refType="primFontSz" fact="0.3"/>
+            <dgm:constr type="rMarg" refType="primFontSz" fact="0.3"/>
+          </dgm:constrLst>
+          <dgm:ruleLst>
+            <dgm:rule type="primFontSz" val="5" fact="NaN" max="NaN"/>
+          </dgm:ruleLst>
+        </dgm:layoutNode>
+        <dgm:choose name="Name5">
+          <dgm:if name="Name6" axis="des" ptType="node" func="cnt" op="gt" val="0">
+            <dgm:layoutNode name="parTransOne">
+              <dgm:alg type="sp"/>
+              <dgm:shape xmlns:r="http://schemas.openxmlformats.org/officeDocument/2006/relationships" r:blip="">
+                <dgm:adjLst/>
+              </dgm:shape>
+              <dgm:presOf/>
+              <dgm:constrLst/>
+              <dgm:ruleLst/>
+            </dgm:layoutNode>
+          </dgm:if>
+          <dgm:else name="Name7"/>
+        </dgm:choose>
+        <dgm:layoutNode name="horzOne">
+          <dgm:choose name="Name8">
+            <dgm:if name="Name9" func="var" arg="dir" op="equ" val="norm">
+              <dgm:alg type="lin">
+                <dgm:param type="linDir" val="fromL"/>
+                <dgm:param type="nodeVertAlign" val="t"/>
+              </dgm:alg>
+            </dgm:if>
+            <dgm:else name="Name10">
+              <dgm:alg type="lin">
+                <dgm:param type="linDir" val="fromR"/>
+                <dgm:param type="nodeVertAlign" val="t"/>
+              </dgm:alg>
+            </dgm:else>
+          </dgm:choose>
+          <dgm:shape xmlns:r="http://schemas.openxmlformats.org/officeDocument/2006/relationships" r:blip="">
+            <dgm:adjLst/>
+          </dgm:shape>
+          <dgm:presOf/>
+          <dgm:constrLst/>
+          <dgm:ruleLst>
+            <dgm:rule type="w" val="INF" fact="NaN" max="NaN"/>
+          </dgm:ruleLst>
+          <dgm:forEach name="Name11" axis="ch" ptType="node">
+            <dgm:layoutNode name="vertTwo">
+              <dgm:alg type="lin">
+                <dgm:param type="linDir" val="fromT"/>
+              </dgm:alg>
+              <dgm:shape xmlns:r="http://schemas.openxmlformats.org/officeDocument/2006/relationships" r:blip="">
+                <dgm:adjLst/>
+              </dgm:shape>
+              <dgm:presOf/>
+              <dgm:constrLst>
+                <dgm:constr type="w" for="ch" forName="txTwo" refType="w" refFor="ch" refForName="horzTwo" op="gte"/>
+              </dgm:constrLst>
+              <dgm:ruleLst/>
+              <dgm:layoutNode name="txTwo">
+                <dgm:varLst>
+                  <dgm:chPref val="3"/>
+                </dgm:varLst>
+                <dgm:alg type="tx"/>
+                <dgm:shape xmlns:r="http://schemas.openxmlformats.org/officeDocument/2006/relationships" type="roundRect" r:blip="">
+                  <dgm:adjLst>
+                    <dgm:adj idx="1" val="0.1"/>
+                  </dgm:adjLst>
+                </dgm:shape>
+                <dgm:presOf axis="self"/>
+                <dgm:constrLst>
+                  <dgm:constr type="userH"/>
+                  <dgm:constr type="h" refType="userH"/>
+                  <dgm:constr type="tMarg" refType="primFontSz" fact="0.3"/>
+                  <dgm:constr type="bMarg" refType="primFontSz" fact="0.3"/>
+                  <dgm:constr type="lMarg" refType="primFontSz" fact="0.3"/>
+                  <dgm:constr type="rMarg" refType="primFontSz" fact="0.3"/>
+                </dgm:constrLst>
+                <dgm:ruleLst>
+                  <dgm:rule type="primFontSz" val="5" fact="NaN" max="NaN"/>
+                </dgm:ruleLst>
+              </dgm:layoutNode>
+              <dgm:choose name="Name12">
+                <dgm:if name="Name13" axis="des" ptType="node" func="cnt" op="gt" val="0">
+                  <dgm:layoutNode name="parTransTwo">
+                    <dgm:alg type="sp"/>
+                    <dgm:shape xmlns:r="http://schemas.openxmlformats.org/officeDocument/2006/relationships" r:blip="">
+                      <dgm:adjLst/>
+                    </dgm:shape>
+                    <dgm:presOf/>
+                    <dgm:constrLst/>
+                    <dgm:ruleLst/>
+                  </dgm:layoutNode>
+                </dgm:if>
+                <dgm:else name="Name14"/>
+              </dgm:choose>
+              <dgm:layoutNode name="horzTwo">
+                <dgm:choose name="Name15">
+                  <dgm:if name="Name16" func="var" arg="dir" op="equ" val="norm">
+                    <dgm:alg type="lin">
+                      <dgm:param type="linDir" val="fromL"/>
+                      <dgm:param type="nodeVertAlign" val="t"/>
+                    </dgm:alg>
+                  </dgm:if>
+                  <dgm:else name="Name17">
+                    <dgm:alg type="lin">
+                      <dgm:param type="linDir" val="fromR"/>
+                      <dgm:param type="nodeVertAlign" val="t"/>
+                    </dgm:alg>
+                  </dgm:else>
+                </dgm:choose>
+                <dgm:shape xmlns:r="http://schemas.openxmlformats.org/officeDocument/2006/relationships" r:blip="">
+                  <dgm:adjLst/>
+                </dgm:shape>
+                <dgm:presOf/>
+                <dgm:constrLst/>
+                <dgm:ruleLst>
+                  <dgm:rule type="w" val="INF" fact="NaN" max="NaN"/>
+                </dgm:ruleLst>
+                <dgm:forEach name="Name18" axis="ch" ptType="node">
+                  <dgm:layoutNode name="vertThree">
+                    <dgm:alg type="lin">
+                      <dgm:param type="linDir" val="fromT"/>
+                    </dgm:alg>
+                    <dgm:shape xmlns:r="http://schemas.openxmlformats.org/officeDocument/2006/relationships" r:blip="">
+                      <dgm:adjLst/>
+                    </dgm:shape>
+                    <dgm:presOf/>
+                    <dgm:constrLst>
+                      <dgm:constr type="w" for="ch" forName="txThree" refType="w" refFor="ch" refForName="horzThree" op="gte"/>
+                    </dgm:constrLst>
+                    <dgm:ruleLst/>
+                    <dgm:layoutNode name="txThree">
+                      <dgm:varLst>
+                        <dgm:chPref val="3"/>
+                      </dgm:varLst>
+                      <dgm:alg type="tx"/>
+                      <dgm:shape xmlns:r="http://schemas.openxmlformats.org/officeDocument/2006/relationships" type="roundRect" r:blip="">
+                        <dgm:adjLst>
+                          <dgm:adj idx="1" val="0.1"/>
+                        </dgm:adjLst>
+                      </dgm:shape>
+                      <dgm:presOf axis="self"/>
+                      <dgm:constrLst>
+                        <dgm:constr type="userH"/>
+                        <dgm:constr type="h" refType="userH"/>
+                        <dgm:constr type="tMarg" refType="primFontSz" fact="0.3"/>
+                        <dgm:constr type="bMarg" refType="primFontSz" fact="0.3"/>
+                        <dgm:constr type="lMarg" refType="primFontSz" fact="0.3"/>
+                        <dgm:constr type="rMarg" refType="primFontSz" fact="0.3"/>
+                      </dgm:constrLst>
+                      <dgm:ruleLst>
+                        <dgm:rule type="primFontSz" val="5" fact="NaN" max="NaN"/>
+                      </dgm:ruleLst>
+                    </dgm:layoutNode>
+                    <dgm:choose name="Name19">
+                      <dgm:if name="Name20" axis="des" ptType="node" func="cnt" op="gt" val="0">
+                        <dgm:layoutNode name="parTransThree">
+                          <dgm:alg type="sp"/>
+                          <dgm:shape xmlns:r="http://schemas.openxmlformats.org/officeDocument/2006/relationships" r:blip="">
+                            <dgm:adjLst/>
+                          </dgm:shape>
+                          <dgm:presOf/>
+                          <dgm:constrLst/>
+                          <dgm:ruleLst/>
+                        </dgm:layoutNode>
+                      </dgm:if>
+                      <dgm:else name="Name21"/>
+                    </dgm:choose>
+                    <dgm:layoutNode name="horzThree">
+                      <dgm:choose name="Name22">
+                        <dgm:if name="Name23" func="var" arg="dir" op="equ" val="norm">
+                          <dgm:alg type="lin">
+                            <dgm:param type="linDir" val="fromL"/>
+                            <dgm:param type="nodeVertAlign" val="t"/>
+                          </dgm:alg>
+                        </dgm:if>
+                        <dgm:else name="Name24">
+                          <dgm:alg type="lin">
+                            <dgm:param type="linDir" val="fromR"/>
+                            <dgm:param type="nodeVertAlign" val="t"/>
+                          </dgm:alg>
+                        </dgm:else>
+                      </dgm:choose>
+                      <dgm:shape xmlns:r="http://schemas.openxmlformats.org/officeDocument/2006/relationships" r:blip="">
+                        <dgm:adjLst/>
+                      </dgm:shape>
+                      <dgm:presOf/>
+                      <dgm:constrLst/>
+                      <dgm:ruleLst>
+                        <dgm:rule type="w" val="INF" fact="NaN" max="NaN"/>
+                      </dgm:ruleLst>
+                      <dgm:forEach name="repeat" axis="ch" ptType="node">
+                        <dgm:layoutNode name="vertFour">
+                          <dgm:varLst>
+                            <dgm:chPref val="3"/>
+                          </dgm:varLst>
+                          <dgm:alg type="lin">
+                            <dgm:param type="linDir" val="fromT"/>
+                          </dgm:alg>
+                          <dgm:shape xmlns:r="http://schemas.openxmlformats.org/officeDocument/2006/relationships" r:blip="">
+                            <dgm:adjLst/>
+                          </dgm:shape>
+                          <dgm:presOf/>
+                          <dgm:constrLst>
+                            <dgm:constr type="w" for="ch" forName="txFour" refType="w" refFor="ch" refForName="horzFour" op="gte"/>
+                          </dgm:constrLst>
+                          <dgm:ruleLst/>
+                          <dgm:layoutNode name="txFour">
+                            <dgm:varLst>
+                              <dgm:chPref val="3"/>
+                            </dgm:varLst>
+                            <dgm:alg type="tx"/>
+                            <dgm:shape xmlns:r="http://schemas.openxmlformats.org/officeDocument/2006/relationships" type="roundRect" r:blip="">
+                              <dgm:adjLst>
+                                <dgm:adj idx="1" val="0.1"/>
+                              </dgm:adjLst>
+                            </dgm:shape>
+                            <dgm:presOf axis="self"/>
+                            <dgm:constrLst>
+                              <dgm:constr type="userH"/>
+                              <dgm:constr type="h" refType="userH"/>
+                              <dgm:constr type="tMarg" refType="primFontSz" fact="0.3"/>
+                              <dgm:constr type="bMarg" refType="primFontSz" fact="0.3"/>
+                              <dgm:constr type="lMarg" refType="primFontSz" fact="0.3"/>
+                              <dgm:constr type="rMarg" refType="primFontSz" fact="0.3"/>
+                            </dgm:constrLst>
+                            <dgm:ruleLst>
+                              <dgm:rule type="primFontSz" val="5" fact="NaN" max="NaN"/>
+                            </dgm:ruleLst>
+                          </dgm:layoutNode>
+                          <dgm:choose name="Name25">
+                            <dgm:if name="Name26" axis="des" ptType="node" func="cnt" op="gt" val="0">
+                              <dgm:layoutNode name="parTransFour">
+                                <dgm:alg type="sp"/>
+                                <dgm:shape xmlns:r="http://schemas.openxmlformats.org/officeDocument/2006/relationships" r:blip="">
+                                  <dgm:adjLst/>
+                                </dgm:shape>
+                                <dgm:presOf/>
+                                <dgm:constrLst/>
+                                <dgm:ruleLst/>
+                              </dgm:layoutNode>
+                            </dgm:if>
+                            <dgm:else name="Name27"/>
+                          </dgm:choose>
+                          <dgm:layoutNode name="horzFour">
+                            <dgm:choose name="Name28">
+                              <dgm:if name="Name29" func="var" arg="dir" op="equ" val="norm">
+                                <dgm:alg type="lin">
+                                  <dgm:param type="linDir" val="fromL"/>
+                                  <dgm:param type="nodeVertAlign" val="t"/>
+                                </dgm:alg>
+                              </dgm:if>
+                              <dgm:else name="Name30">
+                                <dgm:alg type="lin">
+                                  <dgm:param type="linDir" val="fromR"/>
+                                  <dgm:param type="nodeVertAlign" val="t"/>
+                                </dgm:alg>
+                              </dgm:else>
+                            </dgm:choose>
+                            <dgm:shape xmlns:r="http://schemas.openxmlformats.org/officeDocument/2006/relationships" r:blip="">
+                              <dgm:adjLst/>
+                            </dgm:shape>
+                            <dgm:presOf/>
+                            <dgm:constrLst/>
+                            <dgm:ruleLst>
+                              <dgm:rule type="w" val="INF" fact="NaN" max="NaN"/>
+                            </dgm:ruleLst>
+                            <dgm:forEach name="Name31" ref="repeat"/>
+                          </dgm:layoutNode>
+                        </dgm:layoutNode>
+                        <dgm:choose name="Name32">
+                          <dgm:if name="Name33" axis="self" ptType="node" func="revPos" op="gte" val="2">
+                            <dgm:forEach name="Name34" axis="followSib" ptType="sibTrans" cnt="1">
+                              <dgm:layoutNode name="sibSpaceFour">
+                                <dgm:alg type="sp"/>
+                                <dgm:shape xmlns:r="http://schemas.openxmlformats.org/officeDocument/2006/relationships" r:blip="">
+                                  <dgm:adjLst/>
+                                </dgm:shape>
+                                <dgm:presOf/>
+                                <dgm:constrLst/>
+                                <dgm:ruleLst/>
+                              </dgm:layoutNode>
+                            </dgm:forEach>
+                          </dgm:if>
+                          <dgm:else name="Name35"/>
+                        </dgm:choose>
+                      </dgm:forEach>
+                    </dgm:layoutNode>
+                  </dgm:layoutNode>
+                  <dgm:choose name="Name36">
+                    <dgm:if name="Name37" axis="self" ptType="node" func="revPos" op="gte" val="2">
+                      <dgm:forEach name="Name38" axis="followSib" ptType="sibTrans" cnt="1">
+                        <dgm:layoutNode name="sibSpaceThree">
+                          <dgm:alg type="sp"/>
+                          <dgm:shape xmlns:r="http://schemas.openxmlformats.org/officeDocument/2006/relationships" r:blip="">
+                            <dgm:adjLst/>
+                          </dgm:shape>
+                          <dgm:presOf/>
+                          <dgm:constrLst/>
+                          <dgm:ruleLst/>
+                        </dgm:layoutNode>
+                      </dgm:forEach>
+                    </dgm:if>
+                    <dgm:else name="Name39"/>
+                  </dgm:choose>
+                </dgm:forEach>
+              </dgm:layoutNode>
+            </dgm:layoutNode>
+            <dgm:choose name="Name40">
+              <dgm:if name="Name41" axis="self" ptType="node" func="revPos" op="gte" val="2">
+                <dgm:forEach name="Name42" axis="followSib" ptType="sibTrans" cnt="1">
+                  <dgm:layoutNode name="sibSpaceTwo">
+                    <dgm:alg type="sp"/>
+                    <dgm:shape xmlns:r="http://schemas.openxmlformats.org/officeDocument/2006/relationships" r:blip="">
+                      <dgm:adjLst/>
+                    </dgm:shape>
+                    <dgm:presOf/>
+                    <dgm:constrLst/>
+                    <dgm:ruleLst/>
+                  </dgm:layoutNode>
+                </dgm:forEach>
+              </dgm:if>
+              <dgm:else name="Name43"/>
+            </dgm:choose>
+          </dgm:forEach>
+        </dgm:layoutNode>
+      </dgm:layoutNode>
+      <dgm:choose name="Name44">
+        <dgm:if name="Name45" axis="self" ptType="node" func="revPos" op="gte" val="2">
+          <dgm:forEach name="Name46" axis="followSib" ptType="sibTrans" cnt="1">
+            <dgm:layoutNode name="sibSpaceOne">
+              <dgm:alg type="sp"/>
+              <dgm:shape xmlns:r="http://schemas.openxmlformats.org/officeDocument/2006/relationships" r:blip="">
+                <dgm:adjLst/>
+              </dgm:shape>
+              <dgm:presOf/>
+              <dgm:constrLst/>
+              <dgm:ruleLst/>
+            </dgm:layoutNode>
+          </dgm:forEach>
+        </dgm:if>
+        <dgm:else name="Name47"/>
+      </dgm:choose>
+    </dgm:forEach>
+  </dgm:layoutNode>
+</dgm:layoutDef>
+</file>
+
+<file path=ppt/diagrams/quickStyle1.xml><?xml version="1.0" encoding="utf-8"?>
+<dgm:styleDef xmlns:dgm="http://schemas.openxmlformats.org/drawingml/2006/diagram" xmlns:a="http://schemas.openxmlformats.org/drawingml/2006/main" uniqueId="urn:microsoft.com/office/officeart/2005/8/quickstyle/simple4">
+  <dgm:title val=""/>
+  <dgm:desc val=""/>
+  <dgm:catLst>
+    <dgm:cat type="simple" pri="10400"/>
+  </dgm:catLst>
+  <dgm:scene3d>
+    <a:camera prst="orthographicFront"/>
+    <a:lightRig rig="threePt" dir="t"/>
+  </dgm:scene3d>
+  <dgm:styleLbl name="node0">
+    <dgm:scene3d>
+      <a:camera prst="orthographicFront"/>
+      <a:lightRig rig="threePt" dir="t"/>
+    </dgm:scene3d>
+    <dgm:sp3d/>
+    <dgm:txPr/>
+    <dgm:style>
+      <a:lnRef idx="0">
+        <a:scrgbClr r="0" g="0" b="0"/>
+      </a:lnRef>
+      <a:fillRef idx="3">
+        <a:scrgbClr r="0" g="0" b="0"/>
+      </a:fillRef>
+      <a:effectRef idx="2">
+        <a:scrgbClr r="0" g="0" b="0"/>
+      </a:effectRef>
+      <a:fontRef idx="minor">
+        <a:schemeClr val="lt1"/>
+      </a:fontRef>
+    </dgm:style>
+  </dgm:styleLbl>
+  <dgm:styleLbl name="lnNode1">
+    <dgm:scene3d>
+      <a:camera prst="orthographicFront"/>
+      <a:lightRig rig="threePt" dir="t"/>
+    </dgm:scene3d>
+    <dgm:sp3d/>
+    <dgm:txPr/>
+    <dgm:style>
+      <a:lnRef idx="1">
+        <a:scrgbClr r="0" g="0" b="0"/>
+      </a:lnRef>
+      <a:fillRef idx="3">
+        <a:scrgbClr r="0" g="0" b="0"/>
+      </a:fillRef>
+      <a:effectRef idx="2">
+        <a:scrgbClr r="0" g="0" b="0"/>
+      </a:effectRef>
+      <a:fontRef idx="minor">
+        <a:schemeClr val="lt1"/>
+      </a:fontRef>
+    </dgm:style>
+  </dgm:styleLbl>
+  <dgm:styleLbl name="vennNode1">
+    <dgm:scene3d>
+      <a:camera prst="orthographicFront"/>
+      <a:lightRig rig="threePt" dir="t"/>
+    </dgm:scene3d>
+    <dgm:sp3d/>
+    <dgm:txPr/>
+    <dgm:style>
+      <a:lnRef idx="0">
+        <a:scrgbClr r="0" g="0" b="0"/>
+      </a:lnRef>
+      <a:fillRef idx="3">
+        <a:scrgbClr r="0" g="0" b="0"/>
+      </a:fillRef>
+      <a:effectRef idx="0">
+        <a:scrgbClr r="0" g="0" b="0"/>
+      </a:effectRef>
+      <a:fontRef idx="minor">
+        <a:schemeClr val="tx1"/>
+      </a:fontRef>
+    </dgm:style>
+  </dgm:styleLbl>
+  <dgm:styleLbl name="alignNode1">
+    <dgm:scene3d>
+      <a:camera prst="orthographicFront"/>
+      <a:lightRig rig="threePt" dir="t"/>
+    </dgm:scene3d>
+    <dgm:sp3d/>
+    <dgm:txPr/>
+    <dgm:style>
+      <a:lnRef idx="1">
+        <a:scrgbClr r="0" g="0" b="0"/>
+      </a:lnRef>
+      <a:fillRef idx="3">
+        <a:scrgbClr r="0" g="0" b="0"/>
+      </a:fillRef>
+      <a:effectRef idx="2">
+        <a:scrgbClr r="0" g="0" b="0"/>
+      </a:effectRef>
+      <a:fontRef idx="minor">
+        <a:schemeClr val="lt1"/>
+      </a:fontRef>
+    </dgm:style>
+  </dgm:styleLbl>
+  <dgm:styleLbl name="node1">
+    <dgm:scene3d>
+      <a:camera prst="orthographicFront"/>
+      <a:lightRig rig="threePt" dir="t"/>
+    </dgm:scene3d>
+    <dgm:sp3d/>
+    <dgm:txPr/>
+    <dgm:style>
+      <a:lnRef idx="0">
+        <a:scrgbClr r="0" g="0" b="0"/>
+      </a:lnRef>
+      <a:fillRef idx="3">
+        <a:scrgbClr r="0" g="0" b="0"/>
+      </a:fillRef>
+      <a:effectRef idx="2">
+        <a:scrgbClr r="0" g="0" b="0"/>
+      </a:effectRef>
+      <a:fontRef idx="minor">
+        <a:schemeClr val="lt1"/>
+      </a:fontRef>
+    </dgm:style>
+  </dgm:styleLbl>
+  <dgm:styleLbl name="node2">
+    <dgm:scene3d>
+      <a:camera prst="orthographicFront"/>
+      <a:lightRig rig="threePt" dir="t"/>
+    </dgm:scene3d>
+    <dgm:sp3d/>
+    <dgm:txPr/>
+    <dgm:style>
+      <a:lnRef idx="0">
+        <a:scrgbClr r="0" g="0" b="0"/>
+      </a:lnRef>
+      <a:fillRef idx="3">
+        <a:scrgbClr r="0" g="0" b="0"/>
+      </a:fillRef>
+      <a:effectRef idx="2">
+        <a:scrgbClr r="0" g="0" b="0"/>
+      </a:effectRef>
+      <a:fontRef idx="minor">
+        <a:schemeClr val="lt1"/>
+      </a:fontRef>
+    </dgm:style>
+  </dgm:styleLbl>
+  <dgm:styleLbl name="node3">
+    <dgm:scene3d>
+      <a:camera prst="orthographicFront"/>
+      <a:lightRig rig="threePt" dir="t"/>
+    </dgm:scene3d>
+    <dgm:sp3d/>
+    <dgm:txPr/>
+    <dgm:style>
+      <a:lnRef idx="0">
+        <a:scrgbClr r="0" g="0" b="0"/>
+      </a:lnRef>
+      <a:fillRef idx="3">
+        <a:scrgbClr r="0" g="0" b="0"/>
+      </a:fillRef>
+      <a:effectRef idx="2">
+        <a:scrgbClr r="0" g="0" b="0"/>
+      </a:effectRef>
+      <a:fontRef idx="minor">
+        <a:schemeClr val="lt1"/>
+      </a:fontRef>
+    </dgm:style>
+  </dgm:styleLbl>
+  <dgm:styleLbl name="node4">
+    <dgm:scene3d>
+      <a:camera prst="orthographicFront"/>
+      <a:lightRig rig="threePt" dir="t"/>
+    </dgm:scene3d>
+    <dgm:sp3d/>
+    <dgm:txPr/>
+    <dgm:style>
+      <a:lnRef idx="0">
+        <a:scrgbClr r="0" g="0" b="0"/>
+      </a:lnRef>
+      <a:fillRef idx="3">
+        <a:scrgbClr r="0" g="0" b="0"/>
+      </a:fillRef>
+      <a:effectRef idx="2">
+        <a:scrgbClr r="0" g="0" b="0"/>
+      </a:effectRef>
+      <a:fontRef idx="minor">
+        <a:schemeClr val="lt1"/>
+      </a:fontRef>
+    </dgm:style>
+  </dgm:styleLbl>
+  <dgm:styleLbl name="fgImgPlace1">
+    <dgm:scene3d>
+      <a:camera prst="orthographicFront"/>
+      <a:lightRig rig="threePt" dir="t"/>
+    </dgm:scene3d>
+    <dgm:sp3d/>
+    <dgm:txPr/>
+    <dgm:style>
+      <a:lnRef idx="0">
+        <a:scrgbClr r="0" g="0" b="0"/>
+      </a:lnRef>
+      <a:fillRef idx="1">
+        <a:scrgbClr r="0" g="0" b="0"/>
+      </a:fillRef>
+      <a:effectRef idx="2">
+        <a:scrgbClr r="0" g="0" b="0"/>
+      </a:effectRef>
+      <a:fontRef idx="minor"/>
+    </dgm:style>
+  </dgm:styleLbl>
+  <dgm:styleLbl name="alignImgPlace1">
+    <dgm:scene3d>
+      <a:camera prst="orthographicFront"/>
+      <a:lightRig rig="threePt" dir="t"/>
+    </dgm:scene3d>
+    <dgm:sp3d/>
+    <dgm:txPr/>
+    <dgm:style>
+      <a:lnRef idx="0">
+        <a:scrgbClr r="0" g="0" b="0"/>
+      </a:lnRef>
+      <a:fillRef idx="1">
+        <a:scrgbClr r="0" g="0" b="0"/>
+      </a:fillRef>
+      <a:effectRef idx="2">
+        <a:scrgbClr r="0" g="0" b="0"/>
+      </a:effectRef>
+      <a:fontRef idx="minor"/>
+    </dgm:style>
+  </dgm:styleLbl>
+  <dgm:styleLbl name="bgImgPlace1">
+    <dgm:scene3d>
+      <a:camera prst="orthographicFront"/>
+      <a:lightRig rig="threePt" dir="t"/>
+    </dgm:scene3d>
+    <dgm:sp3d/>
+    <dgm:txPr/>
+    <dgm:style>
+      <a:lnRef idx="0">
+        <a:scrgbClr r="0" g="0" b="0"/>
+      </a:lnRef>
+      <a:fillRef idx="1">
+        <a:scrgbClr r="0" g="0" b="0"/>
+      </a:fillRef>
+      <a:effectRef idx="2">
+        <a:scrgbClr r="0" g="0" b="0"/>
+      </a:effectRef>
+      <a:fontRef idx="minor"/>
+    </dgm:style>
+  </dgm:styleLbl>
+  <dgm:styleLbl name="sibTrans2D1">
+    <dgm:scene3d>
+      <a:camera prst="orthographicFront"/>
+      <a:lightRig rig="threePt" dir="t"/>
+    </dgm:scene3d>
+    <dgm:sp3d/>
+    <dgm:txPr/>
+    <dgm:style>
+      <a:lnRef idx="0">
+        <a:scrgbClr r="0" g="0" b="0"/>
+      </a:lnRef>
+      <a:fillRef idx="3">
+        <a:scrgbClr r="0" g="0" b="0"/>
+      </a:fillRef>
+      <a:effectRef idx="2">
+        <a:scrgbClr r="0" g="0" b="0"/>
+      </a:effectRef>
+      <a:fontRef idx="minor">
+        <a:schemeClr val="lt1"/>
+      </a:fontRef>
+    </dgm:style>
+  </dgm:styleLbl>
+  <dgm:styleLbl name="fgSibTrans2D1">
+    <dgm:scene3d>
+      <a:camera prst="orthographicFront"/>
+      <a:lightRig rig="threePt" dir="t"/>
+    </dgm:scene3d>
+    <dgm:sp3d/>
+    <dgm:txPr/>
+    <dgm:style>
+      <a:lnRef idx="0">
+        <a:scrgbClr r="0" g="0" b="0"/>
+      </a:lnRef>
+      <a:fillRef idx="3">
+        <a:scrgbClr r="0" g="0" b="0"/>
+      </a:fillRef>
+      <a:effectRef idx="2">
+        <a:scrgbClr r="0" g="0" b="0"/>
+      </a:effectRef>
+      <a:fontRef idx="minor">
+        <a:schemeClr val="lt1"/>
+      </a:fontRef>
+    </dgm:style>
+  </dgm:styleLbl>
+  <dgm:styleLbl name="bgSibTrans2D1">
+    <dgm:scene3d>
+      <a:camera prst="orthographicFront"/>
+      <a:lightRig rig="threePt" dir="t"/>
+    </dgm:scene3d>
+    <dgm:sp3d/>
+    <dgm:txPr/>
+    <dgm:style>
+      <a:lnRef idx="0">
+        <a:scrgbClr r="0" g="0" b="0"/>
+      </a:lnRef>
+      <a:fillRef idx="3">
+        <a:scrgbClr r="0" g="0" b="0"/>
+      </a:fillRef>
+      <a:effectRef idx="2">
+        <a:scrgbClr r="0" g="0" b="0"/>
+      </a:effectRef>
+      <a:fontRef idx="minor">
+        <a:schemeClr val="lt1"/>
+      </a:fontRef>
+    </dgm:style>
+  </dgm:styleLbl>
+  <dgm:styleLbl name="sibTrans1D1">
+    <dgm:scene3d>
+      <a:camera prst="orthographicFront"/>
+      <a:lightRig rig="threePt" dir="t"/>
+    </dgm:scene3d>
+    <dgm:sp3d/>
+    <dgm:txPr/>
+    <dgm:style>
+      <a:lnRef idx="1">
+        <a:scrgbClr r="0" g="0" b="0"/>
+      </a:lnRef>
+      <a:fillRef idx="0">
+        <a:scrgbClr r="0" g="0" b="0"/>
+      </a:fillRef>
+      <a:effectRef idx="0">
+        <a:scrgbClr r="0" g="0" b="0"/>
+      </a:effectRef>
+      <a:fontRef idx="minor"/>
+    </dgm:style>
+  </dgm:styleLbl>
+  <dgm:styleLbl name="callout">
+    <dgm:scene3d>
+      <a:camera prst="orthographicFront"/>
+      <a:lightRig rig="threePt" dir="t"/>
+    </dgm:scene3d>
+    <dgm:sp3d/>
+    <dgm:txPr/>
+    <dgm:style>
+      <a:lnRef idx="2">
+        <a:scrgbClr r="0" g="0" b="0"/>
+      </a:lnRef>
+      <a:fillRef idx="1">
+        <a:scrgbClr r="0" g="0" b="0"/>
+      </a:fillRef>
+      <a:effectRef idx="1">
+        <a:scrgbClr r="0" g="0" b="0"/>
+      </a:effectRef>
+      <a:fontRef idx="minor"/>
+    </dgm:style>
+  </dgm:styleLbl>
+  <dgm:styleLbl name="asst0">
+    <dgm:scene3d>
+      <a:camera prst="orthographicFront"/>
+      <a:lightRig rig="threePt" dir="t"/>
+    </dgm:scene3d>
+    <dgm:sp3d/>
+    <dgm:txPr/>
+    <dgm:style>
+      <a:lnRef idx="0">
+        <a:scrgbClr r="0" g="0" b="0"/>
+      </a:lnRef>
+      <a:fillRef idx="3">
+        <a:scrgbClr r="0" g="0" b="0"/>
+      </a:fillRef>
+      <a:effectRef idx="2">
+        <a:scrgbClr r="0" g="0" b="0"/>
+      </a:effectRef>
+      <a:fontRef idx="minor">
+        <a:schemeClr val="lt1"/>
+      </a:fontRef>
+    </dgm:style>
+  </dgm:styleLbl>
+  <dgm:styleLbl name="asst1">
+    <dgm:scene3d>
+      <a:camera prst="orthographicFront"/>
+      <a:lightRig rig="threePt" dir="t"/>
+    </dgm:scene3d>
+    <dgm:sp3d/>
+    <dgm:txPr/>
+    <dgm:style>
+      <a:lnRef idx="0">
+        <a:scrgbClr r="0" g="0" b="0"/>
+      </a:lnRef>
+      <a:fillRef idx="3">
+        <a:scrgbClr r="0" g="0" b="0"/>
+      </a:fillRef>
+      <a:effectRef idx="2">
+        <a:scrgbClr r="0" g="0" b="0"/>
+      </a:effectRef>
+      <a:fontRef idx="minor">
+        <a:schemeClr val="lt1"/>
+      </a:fontRef>
+    </dgm:style>
+  </dgm:styleLbl>
+  <dgm:styleLbl name="asst2">
+    <dgm:scene3d>
+      <a:camera prst="orthographicFront"/>
+      <a:lightRig rig="threePt" dir="t"/>
+    </dgm:scene3d>
+    <dgm:sp3d/>
+    <dgm:txPr/>
+    <dgm:style>
+      <a:lnRef idx="0">
+        <a:scrgbClr r="0" g="0" b="0"/>
+      </a:lnRef>
+      <a:fillRef idx="3">
+        <a:scrgbClr r="0" g="0" b="0"/>
+      </a:fillRef>
+      <a:effectRef idx="2">
+        <a:scrgbClr r="0" g="0" b="0"/>
+      </a:effectRef>
+      <a:fontRef idx="minor">
+        <a:schemeClr val="lt1"/>
+      </a:fontRef>
+    </dgm:style>
+  </dgm:styleLbl>
+  <dgm:styleLbl name="asst3">
+    <dgm:scene3d>
+      <a:camera prst="orthographicFront"/>
+      <a:lightRig rig="threePt" dir="t"/>
+    </dgm:scene3d>
+    <dgm:sp3d/>
+    <dgm:txPr/>
+    <dgm:style>
+      <a:lnRef idx="0">
+        <a:scrgbClr r="0" g="0" b="0"/>
+      </a:lnRef>
+      <a:fillRef idx="3">
+        <a:scrgbClr r="0" g="0" b="0"/>
+      </a:fillRef>
+      <a:effectRef idx="2">
+        <a:scrgbClr r="0" g="0" b="0"/>
+      </a:effectRef>
+      <a:fontRef idx="minor">
+        <a:schemeClr val="lt1"/>
+      </a:fontRef>
+    </dgm:style>
+  </dgm:styleLbl>
+  <dgm:styleLbl name="asst4">
+    <dgm:scene3d>
+      <a:camera prst="orthographicFront"/>
+      <a:lightRig rig="threePt" dir="t"/>
+    </dgm:scene3d>
+    <dgm:sp3d/>
+    <dgm:txPr/>
+    <dgm:style>
+      <a:lnRef idx="0">
+        <a:scrgbClr r="0" g="0" b="0"/>
+      </a:lnRef>
+      <a:fillRef idx="3">
+        <a:scrgbClr r="0" g="0" b="0"/>
+      </a:fillRef>
+      <a:effectRef idx="2">
+        <a:scrgbClr r="0" g="0" b="0"/>
+      </a:effectRef>
+      <a:fontRef idx="minor">
+        <a:schemeClr val="lt1"/>
+      </a:fontRef>
+    </dgm:style>
+  </dgm:styleLbl>
+  <dgm:styleLbl name="parChTrans2D1">
+    <dgm:scene3d>
+      <a:camera prst="orthographicFront"/>
+      <a:lightRig rig="threePt" dir="t"/>
+    </dgm:scene3d>
+    <dgm:sp3d/>
+    <dgm:txPr/>
+    <dgm:style>
+      <a:lnRef idx="0">
+        <a:scrgbClr r="0" g="0" b="0"/>
+      </a:lnRef>
+      <a:fillRef idx="3">
+        <a:scrgbClr r="0" g="0" b="0"/>
+      </a:fillRef>
+      <a:effectRef idx="2">
+        <a:scrgbClr r="0" g="0" b="0"/>
+      </a:effectRef>
+      <a:fontRef idx="minor">
+        <a:schemeClr val="lt1"/>
+      </a:fontRef>
+    </dgm:style>
+  </dgm:styleLbl>
+  <dgm:styleLbl name="parChTrans2D2">
+    <dgm:scene3d>
+      <a:camera prst="orthographicFront"/>
+      <a:lightRig rig="threePt" dir="t"/>
+    </dgm:scene3d>
+    <dgm:sp3d/>
+    <dgm:txPr/>
+    <dgm:style>
+      <a:lnRef idx="0">
+        <a:scrgbClr r="0" g="0" b="0"/>
+      </a:lnRef>
+      <a:fillRef idx="3">
+        <a:scrgbClr r="0" g="0" b="0"/>
+      </a:fillRef>
+      <a:effectRef idx="2">
+        <a:scrgbClr r="0" g="0" b="0"/>
+      </a:effectRef>
+      <a:fontRef idx="minor">
+        <a:schemeClr val="lt1"/>
+      </a:fontRef>
+    </dgm:style>
+  </dgm:styleLbl>
+  <dgm:styleLbl name="parChTrans2D3">
+    <dgm:scene3d>
+      <a:camera prst="orthographicFront"/>
+      <a:lightRig rig="threePt" dir="t"/>
+    </dgm:scene3d>
+    <dgm:sp3d/>
+    <dgm:txPr/>
+    <dgm:style>
+      <a:lnRef idx="1">
+        <a:scrgbClr r="0" g="0" b="0"/>
+      </a:lnRef>
+      <a:fillRef idx="3">
+        <a:scrgbClr r="0" g="0" b="0"/>
+      </a:fillRef>
+      <a:effectRef idx="2">
+        <a:scrgbClr r="0" g="0" b="0"/>
+      </a:effectRef>
+      <a:fontRef idx="minor">
+        <a:schemeClr val="lt1"/>
+      </a:fontRef>
+    </dgm:style>
+  </dgm:styleLbl>
+  <dgm:styleLbl name="parChTrans2D4">
+    <dgm:scene3d>
+      <a:camera prst="orthographicFront"/>
+      <a:lightRig rig="threePt" dir="t"/>
+    </dgm:scene3d>
+    <dgm:sp3d/>
+    <dgm:txPr/>
+    <dgm:style>
+      <a:lnRef idx="1">
+        <a:scrgbClr r="0" g="0" b="0"/>
+      </a:lnRef>
+      <a:fillRef idx="3">
+        <a:scrgbClr r="0" g="0" b="0"/>
+      </a:fillRef>
+      <a:effectRef idx="2">
+        <a:scrgbClr r="0" g="0" b="0"/>
+      </a:effectRef>
+      <a:fontRef idx="minor">
+        <a:schemeClr val="lt1"/>
+      </a:fontRef>
+    </dgm:style>
+  </dgm:styleLbl>
+  <dgm:styleLbl name="parChTrans1D1">
+    <dgm:scene3d>
+      <a:camera prst="orthographicFront"/>
+      <a:lightRig rig="threePt" dir="t"/>
+    </dgm:scene3d>
+    <dgm:sp3d/>
+    <dgm:txPr/>
+    <dgm:style>
+      <a:lnRef idx="1">
+        <a:scrgbClr r="0" g="0" b="0"/>
+      </a:lnRef>
+      <a:fillRef idx="0">
+        <a:scrgbClr r="0" g="0" b="0"/>
+      </a:fillRef>
+      <a:effectRef idx="0">
+        <a:scrgbClr r="0" g="0" b="0"/>
+      </a:effectRef>
+      <a:fontRef idx="minor"/>
+    </dgm:style>
+  </dgm:styleLbl>
+  <dgm:styleLbl name="parChTrans1D2">
+    <dgm:scene3d>
+      <a:camera prst="orthographicFront"/>
+      <a:lightRig rig="threePt" dir="t"/>
+    </dgm:scene3d>
+    <dgm:sp3d/>
+    <dgm:txPr/>
+    <dgm:style>
+      <a:lnRef idx="1">
+        <a:scrgbClr r="0" g="0" b="0"/>
+      </a:lnRef>
+      <a:fillRef idx="0">
+        <a:scrgbClr r="0" g="0" b="0"/>
+      </a:fillRef>
+      <a:effectRef idx="0">
+        <a:scrgbClr r="0" g="0" b="0"/>
+      </a:effectRef>
+      <a:fontRef idx="minor"/>
+    </dgm:style>
+  </dgm:styleLbl>
+  <dgm:styleLbl name="parChTrans1D3">
+    <dgm:scene3d>
+      <a:camera prst="orthographicFront"/>
+      <a:lightRig rig="threePt" dir="t"/>
+    </dgm:scene3d>
+    <dgm:sp3d/>
+    <dgm:txPr/>
+    <dgm:style>
+      <a:lnRef idx="1">
+        <a:scrgbClr r="0" g="0" b="0"/>
+      </a:lnRef>
+      <a:fillRef idx="0">
+        <a:scrgbClr r="0" g="0" b="0"/>
+      </a:fillRef>
+      <a:effectRef idx="0">
+        <a:scrgbClr r="0" g="0" b="0"/>
+      </a:effectRef>
+      <a:fontRef idx="minor"/>
+    </dgm:style>
+  </dgm:styleLbl>
+  <dgm:styleLbl name="parChTrans1D4">
+    <dgm:scene3d>
+      <a:camera prst="orthographicFront"/>
+      <a:lightRig rig="threePt" dir="t"/>
+    </dgm:scene3d>
+    <dgm:sp3d/>
+    <dgm:txPr/>
+    <dgm:style>
+      <a:lnRef idx="1">
+        <a:scrgbClr r="0" g="0" b="0"/>
+      </a:lnRef>
+      <a:fillRef idx="0">
+        <a:scrgbClr r="0" g="0" b="0"/>
+      </a:fillRef>
+      <a:effectRef idx="0">
+        <a:scrgbClr r="0" g="0" b="0"/>
+      </a:effectRef>
+      <a:fontRef idx="minor"/>
+    </dgm:style>
+  </dgm:styleLbl>
+  <dgm:styleLbl name="fgAcc1">
+    <dgm:scene3d>
+      <a:camera prst="orthographicFront"/>
+      <a:lightRig rig="threePt" dir="t"/>
+    </dgm:scene3d>
+    <dgm:sp3d/>
+    <dgm:txPr/>
+    <dgm:style>
+      <a:lnRef idx="1">
+        <a:scrgbClr r="0" g="0" b="0"/>
+      </a:lnRef>
+      <a:fillRef idx="1">
+        <a:scrgbClr r="0" g="0" b="0"/>
+      </a:fillRef>
+      <a:effectRef idx="0">
+        <a:scrgbClr r="0" g="0" b="0"/>
+      </a:effectRef>
+      <a:fontRef idx="minor"/>
+    </dgm:style>
+  </dgm:styleLbl>
+  <dgm:styleLbl name="conFgAcc1">
+    <dgm:scene3d>
+      <a:camera prst="orthographicFront"/>
+      <a:lightRig rig="threePt" dir="t"/>
+    </dgm:scene3d>
+    <dgm:sp3d/>
+    <dgm:txPr/>
+    <dgm:style>
+      <a:lnRef idx="1">
+        <a:scrgbClr r="0" g="0" b="0"/>
+      </a:lnRef>
+      <a:fillRef idx="1">
+        <a:scrgbClr r="0" g="0" b="0"/>
+      </a:fillRef>
+      <a:effectRef idx="0">
+        <a:scrgbClr r="0" g="0" b="0"/>
+      </a:effectRef>
+      <a:fontRef idx="minor"/>
+    </dgm:style>
+  </dgm:styleLbl>
+  <dgm:styleLbl name="alignAcc1">
+    <dgm:scene3d>
+      <a:camera prst="orthographicFront"/>
+      <a:lightRig rig="threePt" dir="t"/>
+    </dgm:scene3d>
+    <dgm:sp3d/>
+    <dgm:txPr/>
+    <dgm:style>
+      <a:lnRef idx="1">
+        <a:scrgbClr r="0" g="0" b="0"/>
+      </a:lnRef>
+      <a:fillRef idx="1">
+        <a:scrgbClr r="0" g="0" b="0"/>
+      </a:fillRef>
+      <a:effectRef idx="0">
+        <a:scrgbClr r="0" g="0" b="0"/>
+      </a:effectRef>
+      <a:fontRef idx="minor"/>
+    </dgm:style>
+  </dgm:styleLbl>
+  <dgm:styleLbl name="trAlignAcc1">
+    <dgm:scene3d>
+      <a:camera prst="orthographicFront"/>
+      <a:lightRig rig="threePt" dir="t"/>
+    </dgm:scene3d>
+    <dgm:sp3d/>
+    <dgm:txPr/>
+    <dgm:style>
+      <a:lnRef idx="1">
+        <a:scrgbClr r="0" g="0" b="0"/>
+      </a:lnRef>
+      <a:fillRef idx="1">
+        <a:scrgbClr r="0" g="0" b="0"/>
+      </a:fillRef>
+      <a:effectRef idx="0">
+        <a:scrgbClr r="0" g="0" b="0"/>
+      </a:effectRef>
+      <a:fontRef idx="minor"/>
+    </dgm:style>
+  </dgm:styleLbl>
+  <dgm:styleLbl name="bgAcc1">
+    <dgm:scene3d>
+      <a:camera prst="orthographicFront"/>
+      <a:lightRig rig="threePt" dir="t"/>
+    </dgm:scene3d>
+    <dgm:sp3d/>
+    <dgm:txPr/>
+    <dgm:style>
+      <a:lnRef idx="1">
+        <a:scrgbClr r="0" g="0" b="0"/>
+      </a:lnRef>
+      <a:fillRef idx="1">
+        <a:scrgbClr r="0" g="0" b="0"/>
+      </a:fillRef>
+      <a:effectRef idx="0">
+        <a:scrgbClr r="0" g="0" b="0"/>
+      </a:effectRef>
+      <a:fontRef idx="minor"/>
+    </dgm:style>
+  </dgm:styleLbl>
+  <dgm:styleLbl name="solidFgAcc1">
+    <dgm:scene3d>
+      <a:camera prst="orthographicFront"/>
+      <a:lightRig rig="threePt" dir="t"/>
+    </dgm:scene3d>
+    <dgm:sp3d/>
+    <dgm:txPr/>
+    <dgm:style>
+      <a:lnRef idx="1">
+        <a:scrgbClr r="0" g="0" b="0"/>
+      </a:lnRef>
+      <a:fillRef idx="1">
+        <a:scrgbClr r="0" g="0" b="0"/>
+      </a:fillRef>
+      <a:effectRef idx="0">
+        <a:scrgbClr r="0" g="0" b="0"/>
+      </a:effectRef>
+      <a:fontRef idx="minor"/>
+    </dgm:style>
+  </dgm:styleLbl>
+  <dgm:styleLbl name="solidAlignAcc1">
+    <dgm:scene3d>
+      <a:camera prst="orthographicFront"/>
+      <a:lightRig rig="threePt" dir="t"/>
+    </dgm:scene3d>
+    <dgm:sp3d/>
+    <dgm:txPr/>
+    <dgm:style>
+      <a:lnRef idx="1">
+        <a:scrgbClr r="0" g="0" b="0"/>
+      </a:lnRef>
+      <a:fillRef idx="1">
+        <a:scrgbClr r="0" g="0" b="0"/>
+      </a:fillRef>
+      <a:effectRef idx="0">
+        <a:scrgbClr r="0" g="0" b="0"/>
+      </a:effectRef>
+      <a:fontRef idx="minor"/>
+    </dgm:style>
+  </dgm:styleLbl>
+  <dgm:styleLbl name="solidBgAcc1">
+    <dgm:scene3d>
+      <a:camera prst="orthographicFront"/>
+      <a:lightRig rig="threePt" dir="t"/>
+    </dgm:scene3d>
+    <dgm:sp3d/>
+    <dgm:txPr/>
+    <dgm:style>
+      <a:lnRef idx="1">
+        <a:scrgbClr r="0" g="0" b="0"/>
+      </a:lnRef>
+      <a:fillRef idx="1">
+        <a:scrgbClr r="0" g="0" b="0"/>
+      </a:fillRef>
+      <a:effectRef idx="0">
+        <a:scrgbClr r="0" g="0" b="0"/>
+      </a:effectRef>
+      <a:fontRef idx="minor"/>
+    </dgm:style>
+  </dgm:styleLbl>
+  <dgm:styleLbl name="fgAccFollowNode1">
+    <dgm:scene3d>
+      <a:camera prst="orthographicFront"/>
+      <a:lightRig rig="threePt" dir="t"/>
+    </dgm:scene3d>
+    <dgm:sp3d/>
+    <dgm:txPr/>
+    <dgm:style>
+      <a:lnRef idx="1">
+        <a:scrgbClr r="0" g="0" b="0"/>
+      </a:lnRef>
+      <a:fillRef idx="1">
+        <a:scrgbClr r="0" g="0" b="0"/>
+      </a:fillRef>
+      <a:effectRef idx="0">
+        <a:scrgbClr r="0" g="0" b="0"/>
+      </a:effectRef>
+      <a:fontRef idx="minor"/>
+    </dgm:style>
+  </dgm:styleLbl>
+  <dgm:styleLbl name="alignAccFollowNode1">
+    <dgm:scene3d>
+      <a:camera prst="orthographicFront"/>
+      <a:lightRig rig="threePt" dir="t"/>
+    </dgm:scene3d>
+    <dgm:sp3d/>
+    <dgm:txPr/>
+    <dgm:style>
+      <a:lnRef idx="1">
+        <a:scrgbClr r="0" g="0" b="0"/>
+      </a:lnRef>
+      <a:fillRef idx="1">
+        <a:scrgbClr r="0" g="0" b="0"/>
+      </a:fillRef>
+      <a:effectRef idx="0">
+        <a:scrgbClr r="0" g="0" b="0"/>
+      </a:effectRef>
+      <a:fontRef idx="minor"/>
+    </dgm:style>
+  </dgm:styleLbl>
+  <dgm:styleLbl name="bgAccFollowNode1">
+    <dgm:scene3d>
+      <a:camera prst="orthographicFront"/>
+      <a:lightRig rig="threePt" dir="t"/>
+    </dgm:scene3d>
+    <dgm:sp3d/>
+    <dgm:txPr/>
+    <dgm:style>
+      <a:lnRef idx="1">
+        <a:scrgbClr r="0" g="0" b="0"/>
+      </a:lnRef>
+      <a:fillRef idx="1">
+        <a:scrgbClr r="0" g="0" b="0"/>
+      </a:fillRef>
+      <a:effectRef idx="0">
+        <a:scrgbClr r="0" g="0" b="0"/>
+      </a:effectRef>
+      <a:fontRef idx="minor"/>
+    </dgm:style>
+  </dgm:styleLbl>
+  <dgm:styleLbl name="fgAcc0">
+    <dgm:scene3d>
+      <a:camera prst="orthographicFront"/>
+      <a:lightRig rig="threePt" dir="t"/>
+    </dgm:scene3d>
+    <dgm:sp3d/>
+    <dgm:txPr/>
+    <dgm:style>
+      <a:lnRef idx="1">
+        <a:scrgbClr r="0" g="0" b="0"/>
+      </a:lnRef>
+      <a:fillRef idx="1">
+        <a:scrgbClr r="0" g="0" b="0"/>
+      </a:fillRef>
+      <a:effectRef idx="0">
+        <a:scrgbClr r="0" g="0" b="0"/>
+      </a:effectRef>
+      <a:fontRef idx="minor"/>
+    </dgm:style>
+  </dgm:styleLbl>
+  <dgm:styleLbl name="fgAcc2">
+    <dgm:scene3d>
+      <a:camera prst="orthographicFront"/>
+      <a:lightRig rig="threePt" dir="t"/>
+    </dgm:scene3d>
+    <dgm:sp3d/>
+    <dgm:txPr/>
+    <dgm:style>
+      <a:lnRef idx="1">
+        <a:scrgbClr r="0" g="0" b="0"/>
+      </a:lnRef>
+      <a:fillRef idx="1">
+        <a:scrgbClr r="0" g="0" b="0"/>
+      </a:fillRef>
+      <a:effectRef idx="0">
+        <a:scrgbClr r="0" g="0" b="0"/>
+      </a:effectRef>
+      <a:fontRef idx="minor"/>
+    </dgm:style>
+  </dgm:styleLbl>
+  <dgm:styleLbl name="fgAcc3">
+    <dgm:scene3d>
+      <a:camera prst="orthographicFront"/>
+      <a:lightRig rig="threePt" dir="t"/>
+    </dgm:scene3d>
+    <dgm:sp3d/>
+    <dgm:txPr/>
+    <dgm:style>
+      <a:lnRef idx="1">
+        <a:scrgbClr r="0" g="0" b="0"/>
+      </a:lnRef>
+      <a:fillRef idx="1">
+        <a:scrgbClr r="0" g="0" b="0"/>
+      </a:fillRef>
+      <a:effectRef idx="0">
+        <a:scrgbClr r="0" g="0" b="0"/>
+      </a:effectRef>
+      <a:fontRef idx="minor"/>
+    </dgm:style>
+  </dgm:styleLbl>
+  <dgm:styleLbl name="fgAcc4">
+    <dgm:scene3d>
+      <a:camera prst="orthographicFront"/>
+      <a:lightRig rig="threePt" dir="t"/>
+    </dgm:scene3d>
+    <dgm:sp3d/>
+    <dgm:txPr/>
+    <dgm:style>
+      <a:lnRef idx="1">
+        <a:scrgbClr r="0" g="0" b="0"/>
+      </a:lnRef>
+      <a:fillRef idx="1">
+        <a:scrgbClr r="0" g="0" b="0"/>
+      </a:fillRef>
+      <a:effectRef idx="0">
+        <a:scrgbClr r="0" g="0" b="0"/>
+      </a:effectRef>
+      <a:fontRef idx="minor"/>
+    </dgm:style>
+  </dgm:styleLbl>
+  <dgm:styleLbl name="bgShp">
+    <dgm:scene3d>
+      <a:camera prst="orthographicFront"/>
+      <a:lightRig rig="threePt" dir="t"/>
+    </dgm:scene3d>
+    <dgm:sp3d/>
+    <dgm:txPr/>
+    <dgm:style>
+      <a:lnRef idx="0">
+        <a:scrgbClr r="0" g="0" b="0"/>
+      </a:lnRef>
+      <a:fillRef idx="1">
+        <a:scrgbClr r="0" g="0" b="0"/>
+      </a:fillRef>
+      <a:effectRef idx="2">
+        <a:scrgbClr r="0" g="0" b="0"/>
+      </a:effectRef>
+      <a:fontRef idx="minor"/>
+    </dgm:style>
+  </dgm:styleLbl>
+  <dgm:styleLbl name="dkBgShp">
+    <dgm:scene3d>
+      <a:camera prst="orthographicFront"/>
+      <a:lightRig rig="threePt" dir="t"/>
+    </dgm:scene3d>
+    <dgm:sp3d/>
+    <dgm:txPr/>
+    <dgm:style>
+      <a:lnRef idx="0">
+        <a:scrgbClr r="0" g="0" b="0"/>
+      </a:lnRef>
+      <a:fillRef idx="1">
+        <a:scrgbClr r="0" g="0" b="0"/>
+      </a:fillRef>
+      <a:effectRef idx="2">
+        <a:scrgbClr r="0" g="0" b="0"/>
+      </a:effectRef>
+      <a:fontRef idx="minor"/>
+    </dgm:style>
+  </dgm:styleLbl>
+  <dgm:styleLbl name="trBgShp">
+    <dgm:scene3d>
+      <a:camera prst="orthographicFront"/>
+      <a:lightRig rig="threePt" dir="t"/>
+    </dgm:scene3d>
+    <dgm:sp3d/>
+    <dgm:txPr/>
+    <dgm:style>
+      <a:lnRef idx="0">
+        <a:scrgbClr r="0" g="0" b="0"/>
+      </a:lnRef>
+      <a:fillRef idx="1">
+        <a:scrgbClr r="0" g="0" b="0"/>
+      </a:fillRef>
+      <a:effectRef idx="0">
+        <a:scrgbClr r="0" g="0" b="0"/>
+      </a:effectRef>
+      <a:fontRef idx="minor"/>
+    </dgm:style>
+  </dgm:styleLbl>
+  <dgm:styleLbl name="fgShp">
+    <dgm:scene3d>
+      <a:camera prst="orthographicFront"/>
+      <a:lightRig rig="threePt" dir="t"/>
+    </dgm:scene3d>
+    <dgm:sp3d/>
+    <dgm:txPr/>
+    <dgm:style>
+      <a:lnRef idx="0">
+        <a:scrgbClr r="0" g="0" b="0"/>
+      </a:lnRef>
+      <a:fillRef idx="3">
+        <a:scrgbClr r="0" g="0" b="0"/>
+      </a:fillRef>
+      <a:effectRef idx="2">
+        <a:scrgbClr r="0" g="0" b="0"/>
+      </a:effectRef>
+      <a:fontRef idx="minor"/>
+    </dgm:style>
+  </dgm:styleLbl>
+  <dgm:styleLbl name="revTx">
+    <dgm:scene3d>
+      <a:camera prst="orthographicFront"/>
+      <a:lightRig rig="threePt" dir="t"/>
+    </dgm:scene3d>
+    <dgm:sp3d/>
+    <dgm:txPr/>
+    <dgm:style>
+      <a:lnRef idx="0">
+        <a:scrgbClr r="0" g="0" b="0"/>
+      </a:lnRef>
+      <a:fillRef idx="0">
+        <a:scrgbClr r="0" g="0" b="0"/>
+      </a:fillRef>
+      <a:effectRef idx="0">
+        <a:scrgbClr r="0" g="0" b="0"/>
+      </a:effectRef>
+      <a:fontRef idx="minor"/>
+    </dgm:style>
+  </dgm:styleLbl>
+</dgm:styleDef>
+</file>
+
 <file path=ppt/slideLayouts/slideLayout1.xml><?xml version="1.0" encoding="utf-8"?>
 <p:sldLayout xmlns:a="http://schemas.openxmlformats.org/drawingml/2006/main" xmlns:r="http://schemas.openxmlformats.org/officeDocument/2006/relationships" xmlns:p="http://schemas.openxmlformats.org/presentationml/2006/main" type="title" preserve="1">
   <p:cSld name="标题幻灯片">
@@ -342,7 +3340,7 @@
             <a:fld id="{B7C3F878-F5E8-489B-AC8A-64F2A7E22C28}" type="datetimeFigureOut">
               <a:rPr lang="en-US" smtClean="0"/>
               <a:pPr/>
-              <a:t>13-5-5</a:t>
+              <a:t>13-5-7</a:t>
             </a:fld>
             <a:endParaRPr lang="en-US"/>
           </a:p>
@@ -489,7 +3487,7 @@
             <a:fld id="{B7C3F878-F5E8-489B-AC8A-64F2A7E22C28}" type="datetimeFigureOut">
               <a:rPr lang="en-US" smtClean="0"/>
               <a:pPr/>
-              <a:t>13-5-5</a:t>
+              <a:t>13-5-7</a:t>
             </a:fld>
             <a:endParaRPr lang="en-US" dirty="0"/>
           </a:p>
@@ -948,7 +3946,7 @@
             <a:fld id="{B7C3F878-F5E8-489B-AC8A-64F2A7E22C28}" type="datetimeFigureOut">
               <a:rPr lang="en-US" smtClean="0"/>
               <a:pPr/>
-              <a:t>13-5-5</a:t>
+              <a:t>13-5-7</a:t>
             </a:fld>
             <a:endParaRPr lang="en-US" dirty="0"/>
           </a:p>
@@ -1318,7 +4316,7 @@
             <a:fld id="{B7C3F878-F5E8-489B-AC8A-64F2A7E22C28}" type="datetimeFigureOut">
               <a:rPr lang="en-US" smtClean="0"/>
               <a:pPr/>
-              <a:t>13-5-5</a:t>
+              <a:t>13-5-7</a:t>
             </a:fld>
             <a:endParaRPr lang="en-US"/>
           </a:p>
@@ -1410,7 +4408,7 @@
             <a:fld id="{B7C3F878-F5E8-489B-AC8A-64F2A7E22C28}" type="datetimeFigureOut">
               <a:rPr lang="en-US" smtClean="0"/>
               <a:pPr/>
-              <a:t>13-5-5</a:t>
+              <a:t>13-5-7</a:t>
             </a:fld>
             <a:endParaRPr lang="en-US"/>
           </a:p>
@@ -1690,7 +4688,7 @@
             <a:fld id="{B7C3F878-F5E8-489B-AC8A-64F2A7E22C28}" type="datetimeFigureOut">
               <a:rPr lang="en-US" smtClean="0"/>
               <a:pPr/>
-              <a:t>13-5-5</a:t>
+              <a:t>13-5-7</a:t>
             </a:fld>
             <a:endParaRPr lang="en-US"/>
           </a:p>
@@ -1885,7 +4883,7 @@
             <a:fld id="{B7C3F878-F5E8-489B-AC8A-64F2A7E22C28}" type="datetimeFigureOut">
               <a:rPr lang="en-US" smtClean="0"/>
               <a:pPr/>
-              <a:t>13-5-5</a:t>
+              <a:t>13-5-7</a:t>
             </a:fld>
             <a:endParaRPr lang="en-US"/>
           </a:p>
@@ -2629,7 +5627,7 @@
             <a:fld id="{B7C3F878-F5E8-489B-AC8A-64F2A7E22C28}" type="datetimeFigureOut">
               <a:rPr lang="en-US" smtClean="0"/>
               <a:pPr/>
-              <a:t>13-5-5</a:t>
+              <a:t>13-5-7</a:t>
             </a:fld>
             <a:endParaRPr lang="en-US" dirty="0"/>
           </a:p>
@@ -2969,7 +5967,7 @@
             <a:fld id="{B7C3F878-F5E8-489B-AC8A-64F2A7E22C28}" type="datetimeFigureOut">
               <a:rPr lang="en-US" smtClean="0"/>
               <a:pPr/>
-              <a:t>13-5-5</a:t>
+              <a:t>13-5-7</a:t>
             </a:fld>
             <a:endParaRPr lang="en-US" dirty="0"/>
           </a:p>
@@ -3568,7 +6566,7 @@
             <a:fld id="{B7C3F878-F5E8-489B-AC8A-64F2A7E22C28}" type="datetimeFigureOut">
               <a:rPr lang="en-US" smtClean="0"/>
               <a:pPr/>
-              <a:t>13-5-5</a:t>
+              <a:t>13-5-7</a:t>
             </a:fld>
             <a:endParaRPr lang="en-US" dirty="0"/>
           </a:p>
@@ -3753,7 +6751,7 @@
             <a:fld id="{B7C3F878-F5E8-489B-AC8A-64F2A7E22C28}" type="datetimeFigureOut">
               <a:rPr lang="en-US" smtClean="0"/>
               <a:pPr/>
-              <a:t>13-5-5</a:t>
+              <a:t>13-5-7</a:t>
             </a:fld>
             <a:endParaRPr lang="en-US"/>
           </a:p>
@@ -3924,7 +6922,7 @@
             <a:fld id="{B7C3F878-F5E8-489B-AC8A-64F2A7E22C28}" type="datetimeFigureOut">
               <a:rPr lang="en-US" smtClean="0"/>
               <a:pPr/>
-              <a:t>13-5-5</a:t>
+              <a:t>13-5-7</a:t>
             </a:fld>
             <a:endParaRPr lang="en-US"/>
           </a:p>
@@ -4119,7 +7117,7 @@
             <a:fld id="{B7C3F878-F5E8-489B-AC8A-64F2A7E22C28}" type="datetimeFigureOut">
               <a:rPr lang="en-US" smtClean="0"/>
               <a:pPr/>
-              <a:t>13-5-5</a:t>
+              <a:t>13-5-7</a:t>
             </a:fld>
             <a:endParaRPr lang="en-US"/>
           </a:p>
@@ -4540,7 +7538,7 @@
             <a:fld id="{B7C3F878-F5E8-489B-AC8A-64F2A7E22C28}" type="datetimeFigureOut">
               <a:rPr lang="en-US" smtClean="0"/>
               <a:pPr/>
-              <a:t>13-5-5</a:t>
+              <a:t>13-5-7</a:t>
             </a:fld>
             <a:endParaRPr lang="en-US" dirty="0"/>
           </a:p>
@@ -4840,7 +7838,7 @@
             <a:fld id="{B7C3F878-F5E8-489B-AC8A-64F2A7E22C28}" type="datetimeFigureOut">
               <a:rPr lang="en-US" smtClean="0"/>
               <a:pPr/>
-              <a:t>13-5-5</a:t>
+              <a:t>13-5-7</a:t>
             </a:fld>
             <a:endParaRPr lang="en-US"/>
           </a:p>
@@ -5243,7 +8241,7 @@
             <a:fld id="{B7C3F878-F5E8-489B-AC8A-64F2A7E22C28}" type="datetimeFigureOut">
               <a:rPr lang="en-US" smtClean="0"/>
               <a:pPr/>
-              <a:t>13-5-5</a:t>
+              <a:t>13-5-7</a:t>
             </a:fld>
             <a:endParaRPr lang="en-US" dirty="0"/>
           </a:p>
@@ -5635,7 +8633,7 @@
             <a:fld id="{B7C3F878-F5E8-489B-AC8A-64F2A7E22C28}" type="datetimeFigureOut">
               <a:rPr lang="en-US" smtClean="0"/>
               <a:pPr/>
-              <a:t>13-5-5</a:t>
+              <a:t>13-5-7</a:t>
             </a:fld>
             <a:endParaRPr lang="en-US" dirty="0"/>
           </a:p>
@@ -5920,7 +8918,7 @@
             <a:fld id="{B7C3F878-F5E8-489B-AC8A-64F2A7E22C28}" type="datetimeFigureOut">
               <a:rPr lang="en-US" smtClean="0"/>
               <a:pPr/>
-              <a:t>13-5-5</a:t>
+              <a:t>13-5-7</a:t>
             </a:fld>
             <a:endParaRPr lang="en-US"/>
           </a:p>
@@ -6361,7 +9359,7 @@
             <a:fld id="{B7C3F878-F5E8-489B-AC8A-64F2A7E22C28}" type="datetimeFigureOut">
               <a:rPr lang="en-US" smtClean="0"/>
               <a:pPr/>
-              <a:t>13-5-5</a:t>
+              <a:t>13-5-7</a:t>
             </a:fld>
             <a:endParaRPr lang="en-US"/>
           </a:p>
@@ -6657,7 +9655,7 @@
             <a:fld id="{B7C3F878-F5E8-489B-AC8A-64F2A7E22C28}" type="datetimeFigureOut">
               <a:rPr lang="en-US" smtClean="0"/>
               <a:pPr/>
-              <a:t>13-5-5</a:t>
+              <a:t>13-5-7</a:t>
             </a:fld>
             <a:endParaRPr lang="en-US" dirty="0"/>
           </a:p>
@@ -6951,7 +9949,7 @@
             <a:fld id="{B7C3F878-F5E8-489B-AC8A-64F2A7E22C28}" type="datetimeFigureOut">
               <a:rPr lang="en-US" smtClean="0"/>
               <a:pPr/>
-              <a:t>13-5-5</a:t>
+              <a:t>13-5-7</a:t>
             </a:fld>
             <a:endParaRPr lang="en-US" dirty="0"/>
           </a:p>
@@ -7533,7 +10531,37 @@
           <a:bodyPr/>
           <a:lstStyle/>
           <a:p>
-            <a:endParaRPr kumimoji="1" lang="zh-CN" altLang="en-US" dirty="0"/>
+            <a:pPr>
+              <a:lnSpc>
+                <a:spcPct val="150000"/>
+              </a:lnSpc>
+            </a:pPr>
+            <a:r>
+              <a:rPr kumimoji="1" lang="zh-CN" altLang="en-US" dirty="0" smtClean="0">
+                <a:latin typeface="微软雅黑"/>
+                <a:ea typeface="微软雅黑"/>
+                <a:cs typeface="微软雅黑"/>
+              </a:rPr>
+              <a:t>欲先善其事，必先利其器！</a:t>
+            </a:r>
+            <a:endParaRPr kumimoji="1" lang="en-US" altLang="zh-CN" dirty="0" smtClean="0">
+              <a:latin typeface="微软雅黑"/>
+              <a:ea typeface="微软雅黑"/>
+              <a:cs typeface="微软雅黑"/>
+            </a:endParaRPr>
+          </a:p>
+          <a:p>
+            <a:pPr marL="0" indent="0">
+              <a:lnSpc>
+                <a:spcPct val="150000"/>
+              </a:lnSpc>
+              <a:buNone/>
+            </a:pPr>
+            <a:endParaRPr kumimoji="1" lang="zh-CN" altLang="en-US" dirty="0">
+              <a:latin typeface="微软雅黑"/>
+              <a:ea typeface="微软雅黑"/>
+              <a:cs typeface="微软雅黑"/>
+            </a:endParaRPr>
           </a:p>
         </p:txBody>
       </p:sp>
@@ -7553,6 +10581,1830 @@
         <p:cTn xmlns:p14="http://schemas.microsoft.com/office/powerpoint/2010/main" id="1" dur="indefinite" restart="never" nodeType="tmRoot"/>
       </p:par>
     </p:tnLst>
+  </p:timing>
+</p:sld>
+</file>
+
+<file path=ppt/slides/slide3.xml><?xml version="1.0" encoding="utf-8"?>
+<p:sld xmlns:a="http://schemas.openxmlformats.org/drawingml/2006/main" xmlns:r="http://schemas.openxmlformats.org/officeDocument/2006/relationships" xmlns:p="http://schemas.openxmlformats.org/presentationml/2006/main">
+  <p:cSld>
+    <p:spTree>
+      <p:nvGrpSpPr>
+        <p:cNvPr id="1" name=""/>
+        <p:cNvGrpSpPr/>
+        <p:nvPr/>
+      </p:nvGrpSpPr>
+      <p:grpSpPr>
+        <a:xfrm>
+          <a:off x="0" y="0"/>
+          <a:ext cx="0" cy="0"/>
+          <a:chOff x="0" y="0"/>
+          <a:chExt cx="0" cy="0"/>
+        </a:xfrm>
+      </p:grpSpPr>
+      <p:sp>
+        <p:nvSpPr>
+          <p:cNvPr id="2" name="标题 1"/>
+          <p:cNvSpPr>
+            <a:spLocks noGrp="1"/>
+          </p:cNvSpPr>
+          <p:nvPr>
+            <p:ph type="title"/>
+          </p:nvPr>
+        </p:nvSpPr>
+        <p:spPr>
+          <a:effectLst>
+            <a:outerShdw blurRad="50800" dist="38100" dir="2700000" algn="tl" rotWithShape="0">
+              <a:prstClr val="black">
+                <a:alpha val="40000"/>
+              </a:prstClr>
+            </a:outerShdw>
+          </a:effectLst>
+        </p:spPr>
+        <p:txBody>
+          <a:bodyPr/>
+          <a:lstStyle/>
+          <a:p>
+            <a:pPr marL="685800" indent="-685800" algn="l">
+              <a:buFont typeface="Arial"/>
+              <a:buChar char="•"/>
+            </a:pPr>
+            <a:r>
+              <a:rPr kumimoji="1" lang="zh-CN" altLang="en-US" dirty="0" smtClean="0">
+                <a:latin typeface="微软雅黑"/>
+                <a:ea typeface="微软雅黑"/>
+                <a:cs typeface="微软雅黑"/>
+              </a:rPr>
+              <a:t>现状</a:t>
+            </a:r>
+            <a:endParaRPr kumimoji="1" lang="zh-CN" altLang="en-US" dirty="0">
+              <a:latin typeface="微软雅黑"/>
+              <a:ea typeface="微软雅黑"/>
+              <a:cs typeface="微软雅黑"/>
+            </a:endParaRPr>
+          </a:p>
+        </p:txBody>
+      </p:sp>
+      <p:pic>
+        <p:nvPicPr>
+          <p:cNvPr id="6" name="图片 5" descr="QQ20130507-2.jpg"/>
+          <p:cNvPicPr>
+            <a:picLocks noChangeAspect="1"/>
+          </p:cNvPicPr>
+          <p:nvPr/>
+        </p:nvPicPr>
+        <p:blipFill>
+          <a:blip r:embed="rId2">
+            <a:extLst>
+              <a:ext uri="{28A0092B-C50C-407E-A947-70E740481C1C}">
+                <a14:useLocalDpi xmlns:a14="http://schemas.microsoft.com/office/drawing/2010/main" val="0"/>
+              </a:ext>
+            </a:extLst>
+          </a:blip>
+          <a:stretch>
+            <a:fillRect/>
+          </a:stretch>
+        </p:blipFill>
+        <p:spPr>
+          <a:xfrm>
+            <a:off x="4760953" y="2015375"/>
+            <a:ext cx="3721100" cy="1270000"/>
+          </a:xfrm>
+          <a:prstGeom prst="rect">
+            <a:avLst/>
+          </a:prstGeom>
+        </p:spPr>
+      </p:pic>
+      <p:pic>
+        <p:nvPicPr>
+          <p:cNvPr id="8" name="内容占位符 7" descr="QQ20130507-1.jpg"/>
+          <p:cNvPicPr>
+            <a:picLocks noGrp="1" noChangeAspect="1"/>
+          </p:cNvPicPr>
+          <p:nvPr>
+            <p:ph idx="1"/>
+          </p:nvPr>
+        </p:nvPicPr>
+        <p:blipFill>
+          <a:blip r:embed="rId3">
+            <a:extLst>
+              <a:ext uri="{28A0092B-C50C-407E-A947-70E740481C1C}">
+                <a14:useLocalDpi xmlns:a14="http://schemas.microsoft.com/office/drawing/2010/main" val="0"/>
+              </a:ext>
+            </a:extLst>
+          </a:blip>
+          <a:srcRect t="-33214" b="-33214"/>
+          <a:stretch>
+            <a:fillRect/>
+          </a:stretch>
+        </p:blipFill>
+        <p:spPr>
+          <a:xfrm>
+            <a:off x="914401" y="1625014"/>
+            <a:ext cx="3517116" cy="1956450"/>
+          </a:xfrm>
+        </p:spPr>
+      </p:pic>
+      <p:pic>
+        <p:nvPicPr>
+          <p:cNvPr id="9" name="图片 8" descr="QQ20130507-3.jpg"/>
+          <p:cNvPicPr>
+            <a:picLocks noChangeAspect="1"/>
+          </p:cNvPicPr>
+          <p:nvPr/>
+        </p:nvPicPr>
+        <p:blipFill>
+          <a:blip r:embed="rId4">
+            <a:extLst>
+              <a:ext uri="{28A0092B-C50C-407E-A947-70E740481C1C}">
+                <a14:useLocalDpi xmlns:a14="http://schemas.microsoft.com/office/drawing/2010/main" val="0"/>
+              </a:ext>
+            </a:extLst>
+          </a:blip>
+          <a:stretch>
+            <a:fillRect/>
+          </a:stretch>
+        </p:blipFill>
+        <p:spPr>
+          <a:xfrm>
+            <a:off x="559260" y="3448489"/>
+            <a:ext cx="8153400" cy="1714500"/>
+          </a:xfrm>
+          <a:prstGeom prst="rect">
+            <a:avLst/>
+          </a:prstGeom>
+        </p:spPr>
+      </p:pic>
+      <p:sp>
+        <p:nvSpPr>
+          <p:cNvPr id="10" name="文本框 9"/>
+          <p:cNvSpPr txBox="1"/>
+          <p:nvPr/>
+        </p:nvSpPr>
+        <p:spPr>
+          <a:xfrm>
+            <a:off x="3745290" y="5589530"/>
+            <a:ext cx="2031325" cy="369332"/>
+          </a:xfrm>
+          <a:prstGeom prst="rect">
+            <a:avLst/>
+          </a:prstGeom>
+          <a:noFill/>
+        </p:spPr>
+        <p:txBody>
+          <a:bodyPr wrap="none" rtlCol="0">
+            <a:spAutoFit/>
+          </a:bodyPr>
+          <a:lstStyle/>
+          <a:p>
+            <a:r>
+              <a:rPr kumimoji="1" lang="zh-CN" altLang="zh-CN" dirty="0" smtClean="0"/>
+              <a:t>。</a:t>
+            </a:r>
+            <a:r>
+              <a:rPr kumimoji="1" lang="zh-CN" altLang="en-US" dirty="0" smtClean="0"/>
+              <a:t>。。。。。。。</a:t>
+            </a:r>
+            <a:endParaRPr kumimoji="1" lang="en-US" altLang="zh-CN" dirty="0" smtClean="0"/>
+          </a:p>
+        </p:txBody>
+      </p:sp>
+    </p:spTree>
+    <p:extLst>
+      <p:ext uri="{BB962C8B-B14F-4D97-AF65-F5344CB8AC3E}">
+        <p14:creationId xmlns:p14="http://schemas.microsoft.com/office/powerpoint/2010/main" val="3344314422"/>
+      </p:ext>
+    </p:extLst>
+  </p:cSld>
+  <p:clrMapOvr>
+    <a:masterClrMapping/>
+  </p:clrMapOvr>
+  <p:timing>
+    <p:tnLst>
+      <p:par>
+        <p:cTn xmlns:p14="http://schemas.microsoft.com/office/powerpoint/2010/main" id="1" dur="indefinite" restart="never" nodeType="tmRoot">
+          <p:childTnLst>
+            <p:seq concurrent="1" nextAc="seek">
+              <p:cTn id="2" dur="indefinite" nodeType="mainSeq">
+                <p:childTnLst>
+                  <p:par>
+                    <p:cTn id="3" fill="hold">
+                      <p:stCondLst>
+                        <p:cond delay="indefinite"/>
+                      </p:stCondLst>
+                      <p:childTnLst>
+                        <p:par>
+                          <p:cTn id="4" fill="hold">
+                            <p:stCondLst>
+                              <p:cond delay="0"/>
+                            </p:stCondLst>
+                            <p:childTnLst>
+                              <p:par>
+                                <p:cTn id="5" presetID="26" presetClass="entr" presetSubtype="0" fill="hold" nodeType="clickEffect">
+                                  <p:stCondLst>
+                                    <p:cond delay="0"/>
+                                  </p:stCondLst>
+                                  <p:childTnLst>
+                                    <p:set>
+                                      <p:cBhvr>
+                                        <p:cTn id="6" dur="1" fill="hold">
+                                          <p:stCondLst>
+                                            <p:cond delay="0"/>
+                                          </p:stCondLst>
+                                        </p:cTn>
+                                        <p:tgtEl>
+                                          <p:spTgt spid="8"/>
+                                        </p:tgtEl>
+                                        <p:attrNameLst>
+                                          <p:attrName>style.visibility</p:attrName>
+                                        </p:attrNameLst>
+                                      </p:cBhvr>
+                                      <p:to>
+                                        <p:strVal val="visible"/>
+                                      </p:to>
+                                    </p:set>
+                                    <p:animEffect transition="in" filter="wipe(down)">
+                                      <p:cBhvr>
+                                        <p:cTn id="7" dur="580">
+                                          <p:stCondLst>
+                                            <p:cond delay="0"/>
+                                          </p:stCondLst>
+                                        </p:cTn>
+                                        <p:tgtEl>
+                                          <p:spTgt spid="8"/>
+                                        </p:tgtEl>
+                                      </p:cBhvr>
+                                    </p:animEffect>
+                                    <p:anim calcmode="lin" valueType="num">
+                                      <p:cBhvr>
+                                        <p:cTn id="8" dur="1822" tmFilter="0,0; 0.14,0.36; 0.43,0.73; 0.71,0.91; 1.0,1.0">
+                                          <p:stCondLst>
+                                            <p:cond delay="0"/>
+                                          </p:stCondLst>
+                                        </p:cTn>
+                                        <p:tgtEl>
+                                          <p:spTgt spid="8"/>
+                                        </p:tgtEl>
+                                        <p:attrNameLst>
+                                          <p:attrName>ppt_x</p:attrName>
+                                        </p:attrNameLst>
+                                      </p:cBhvr>
+                                      <p:tavLst>
+                                        <p:tav tm="0">
+                                          <p:val>
+                                            <p:strVal val="#ppt_x-0.25"/>
+                                          </p:val>
+                                        </p:tav>
+                                        <p:tav tm="100000">
+                                          <p:val>
+                                            <p:strVal val="#ppt_x"/>
+                                          </p:val>
+                                        </p:tav>
+                                      </p:tavLst>
+                                    </p:anim>
+                                    <p:anim calcmode="lin" valueType="num">
+                                      <p:cBhvr>
+                                        <p:cTn id="9" dur="664" tmFilter="0.0,0.0; 0.25,0.07; 0.50,0.2; 0.75,0.467; 1.0,1.0">
+                                          <p:stCondLst>
+                                            <p:cond delay="0"/>
+                                          </p:stCondLst>
+                                        </p:cTn>
+                                        <p:tgtEl>
+                                          <p:spTgt spid="8"/>
+                                        </p:tgtEl>
+                                        <p:attrNameLst>
+                                          <p:attrName>ppt_y</p:attrName>
+                                        </p:attrNameLst>
+                                      </p:cBhvr>
+                                      <p:tavLst>
+                                        <p:tav tm="0" fmla="#ppt_y-sin(pi*$)/3">
+                                          <p:val>
+                                            <p:fltVal val="0.5"/>
+                                          </p:val>
+                                        </p:tav>
+                                        <p:tav tm="100000">
+                                          <p:val>
+                                            <p:fltVal val="1"/>
+                                          </p:val>
+                                        </p:tav>
+                                      </p:tavLst>
+                                    </p:anim>
+                                    <p:anim calcmode="lin" valueType="num">
+                                      <p:cBhvr>
+                                        <p:cTn id="10" dur="664" tmFilter="0, 0; 0.125,0.2665; 0.25,0.4; 0.375,0.465; 0.5,0.5;  0.625,0.535; 0.75,0.6; 0.875,0.7335; 1,1">
+                                          <p:stCondLst>
+                                            <p:cond delay="664"/>
+                                          </p:stCondLst>
+                                        </p:cTn>
+                                        <p:tgtEl>
+                                          <p:spTgt spid="8"/>
+                                        </p:tgtEl>
+                                        <p:attrNameLst>
+                                          <p:attrName>ppt_y</p:attrName>
+                                        </p:attrNameLst>
+                                      </p:cBhvr>
+                                      <p:tavLst>
+                                        <p:tav tm="0" fmla="#ppt_y-sin(pi*$)/9">
+                                          <p:val>
+                                            <p:fltVal val="0"/>
+                                          </p:val>
+                                        </p:tav>
+                                        <p:tav tm="100000">
+                                          <p:val>
+                                            <p:fltVal val="1"/>
+                                          </p:val>
+                                        </p:tav>
+                                      </p:tavLst>
+                                    </p:anim>
+                                    <p:anim calcmode="lin" valueType="num">
+                                      <p:cBhvr>
+                                        <p:cTn id="11" dur="332" tmFilter="0, 0; 0.125,0.2665; 0.25,0.4; 0.375,0.465; 0.5,0.5;  0.625,0.535; 0.75,0.6; 0.875,0.7335; 1,1">
+                                          <p:stCondLst>
+                                            <p:cond delay="1324"/>
+                                          </p:stCondLst>
+                                        </p:cTn>
+                                        <p:tgtEl>
+                                          <p:spTgt spid="8"/>
+                                        </p:tgtEl>
+                                        <p:attrNameLst>
+                                          <p:attrName>ppt_y</p:attrName>
+                                        </p:attrNameLst>
+                                      </p:cBhvr>
+                                      <p:tavLst>
+                                        <p:tav tm="0" fmla="#ppt_y-sin(pi*$)/27">
+                                          <p:val>
+                                            <p:fltVal val="0"/>
+                                          </p:val>
+                                        </p:tav>
+                                        <p:tav tm="100000">
+                                          <p:val>
+                                            <p:fltVal val="1"/>
+                                          </p:val>
+                                        </p:tav>
+                                      </p:tavLst>
+                                    </p:anim>
+                                    <p:anim calcmode="lin" valueType="num">
+                                      <p:cBhvr>
+                                        <p:cTn id="12" dur="164" tmFilter="0, 0; 0.125,0.2665; 0.25,0.4; 0.375,0.465; 0.5,0.5;  0.625,0.535; 0.75,0.6; 0.875,0.7335; 1,1">
+                                          <p:stCondLst>
+                                            <p:cond delay="1656"/>
+                                          </p:stCondLst>
+                                        </p:cTn>
+                                        <p:tgtEl>
+                                          <p:spTgt spid="8"/>
+                                        </p:tgtEl>
+                                        <p:attrNameLst>
+                                          <p:attrName>ppt_y</p:attrName>
+                                        </p:attrNameLst>
+                                      </p:cBhvr>
+                                      <p:tavLst>
+                                        <p:tav tm="0" fmla="#ppt_y-sin(pi*$)/81">
+                                          <p:val>
+                                            <p:fltVal val="0"/>
+                                          </p:val>
+                                        </p:tav>
+                                        <p:tav tm="100000">
+                                          <p:val>
+                                            <p:fltVal val="1"/>
+                                          </p:val>
+                                        </p:tav>
+                                      </p:tavLst>
+                                    </p:anim>
+                                    <p:animScale>
+                                      <p:cBhvr>
+                                        <p:cTn id="13" dur="26">
+                                          <p:stCondLst>
+                                            <p:cond delay="650"/>
+                                          </p:stCondLst>
+                                        </p:cTn>
+                                        <p:tgtEl>
+                                          <p:spTgt spid="8"/>
+                                        </p:tgtEl>
+                                      </p:cBhvr>
+                                      <p:to x="100000" y="60000"/>
+                                    </p:animScale>
+                                    <p:animScale>
+                                      <p:cBhvr>
+                                        <p:cTn id="14" dur="166" decel="50000">
+                                          <p:stCondLst>
+                                            <p:cond delay="676"/>
+                                          </p:stCondLst>
+                                        </p:cTn>
+                                        <p:tgtEl>
+                                          <p:spTgt spid="8"/>
+                                        </p:tgtEl>
+                                      </p:cBhvr>
+                                      <p:to x="100000" y="100000"/>
+                                    </p:animScale>
+                                    <p:animScale>
+                                      <p:cBhvr>
+                                        <p:cTn id="15" dur="26">
+                                          <p:stCondLst>
+                                            <p:cond delay="1312"/>
+                                          </p:stCondLst>
+                                        </p:cTn>
+                                        <p:tgtEl>
+                                          <p:spTgt spid="8"/>
+                                        </p:tgtEl>
+                                      </p:cBhvr>
+                                      <p:to x="100000" y="80000"/>
+                                    </p:animScale>
+                                    <p:animScale>
+                                      <p:cBhvr>
+                                        <p:cTn id="16" dur="166" decel="50000">
+                                          <p:stCondLst>
+                                            <p:cond delay="1338"/>
+                                          </p:stCondLst>
+                                        </p:cTn>
+                                        <p:tgtEl>
+                                          <p:spTgt spid="8"/>
+                                        </p:tgtEl>
+                                      </p:cBhvr>
+                                      <p:to x="100000" y="100000"/>
+                                    </p:animScale>
+                                    <p:animScale>
+                                      <p:cBhvr>
+                                        <p:cTn id="17" dur="26">
+                                          <p:stCondLst>
+                                            <p:cond delay="1642"/>
+                                          </p:stCondLst>
+                                        </p:cTn>
+                                        <p:tgtEl>
+                                          <p:spTgt spid="8"/>
+                                        </p:tgtEl>
+                                      </p:cBhvr>
+                                      <p:to x="100000" y="90000"/>
+                                    </p:animScale>
+                                    <p:animScale>
+                                      <p:cBhvr>
+                                        <p:cTn id="18" dur="166" decel="50000">
+                                          <p:stCondLst>
+                                            <p:cond delay="1668"/>
+                                          </p:stCondLst>
+                                        </p:cTn>
+                                        <p:tgtEl>
+                                          <p:spTgt spid="8"/>
+                                        </p:tgtEl>
+                                      </p:cBhvr>
+                                      <p:to x="100000" y="100000"/>
+                                    </p:animScale>
+                                    <p:animScale>
+                                      <p:cBhvr>
+                                        <p:cTn id="19" dur="26">
+                                          <p:stCondLst>
+                                            <p:cond delay="1808"/>
+                                          </p:stCondLst>
+                                        </p:cTn>
+                                        <p:tgtEl>
+                                          <p:spTgt spid="8"/>
+                                        </p:tgtEl>
+                                      </p:cBhvr>
+                                      <p:to x="100000" y="95000"/>
+                                    </p:animScale>
+                                    <p:animScale>
+                                      <p:cBhvr>
+                                        <p:cTn id="20" dur="166" decel="50000">
+                                          <p:stCondLst>
+                                            <p:cond delay="1834"/>
+                                          </p:stCondLst>
+                                        </p:cTn>
+                                        <p:tgtEl>
+                                          <p:spTgt spid="8"/>
+                                        </p:tgtEl>
+                                      </p:cBhvr>
+                                      <p:to x="100000" y="100000"/>
+                                    </p:animScale>
+                                  </p:childTnLst>
+                                </p:cTn>
+                              </p:par>
+                            </p:childTnLst>
+                          </p:cTn>
+                        </p:par>
+                      </p:childTnLst>
+                    </p:cTn>
+                  </p:par>
+                  <p:par>
+                    <p:cTn id="21" fill="hold">
+                      <p:stCondLst>
+                        <p:cond delay="indefinite"/>
+                      </p:stCondLst>
+                      <p:childTnLst>
+                        <p:par>
+                          <p:cTn id="22" fill="hold">
+                            <p:stCondLst>
+                              <p:cond delay="0"/>
+                            </p:stCondLst>
+                            <p:childTnLst>
+                              <p:par>
+                                <p:cTn id="23" presetID="26" presetClass="entr" presetSubtype="0" fill="hold" nodeType="clickEffect">
+                                  <p:stCondLst>
+                                    <p:cond delay="0"/>
+                                  </p:stCondLst>
+                                  <p:childTnLst>
+                                    <p:set>
+                                      <p:cBhvr>
+                                        <p:cTn id="24" dur="1" fill="hold">
+                                          <p:stCondLst>
+                                            <p:cond delay="0"/>
+                                          </p:stCondLst>
+                                        </p:cTn>
+                                        <p:tgtEl>
+                                          <p:spTgt spid="6"/>
+                                        </p:tgtEl>
+                                        <p:attrNameLst>
+                                          <p:attrName>style.visibility</p:attrName>
+                                        </p:attrNameLst>
+                                      </p:cBhvr>
+                                      <p:to>
+                                        <p:strVal val="visible"/>
+                                      </p:to>
+                                    </p:set>
+                                    <p:animEffect transition="in" filter="wipe(down)">
+                                      <p:cBhvr>
+                                        <p:cTn id="25" dur="580">
+                                          <p:stCondLst>
+                                            <p:cond delay="0"/>
+                                          </p:stCondLst>
+                                        </p:cTn>
+                                        <p:tgtEl>
+                                          <p:spTgt spid="6"/>
+                                        </p:tgtEl>
+                                      </p:cBhvr>
+                                    </p:animEffect>
+                                    <p:anim calcmode="lin" valueType="num">
+                                      <p:cBhvr>
+                                        <p:cTn id="26" dur="1822" tmFilter="0,0; 0.14,0.36; 0.43,0.73; 0.71,0.91; 1.0,1.0">
+                                          <p:stCondLst>
+                                            <p:cond delay="0"/>
+                                          </p:stCondLst>
+                                        </p:cTn>
+                                        <p:tgtEl>
+                                          <p:spTgt spid="6"/>
+                                        </p:tgtEl>
+                                        <p:attrNameLst>
+                                          <p:attrName>ppt_x</p:attrName>
+                                        </p:attrNameLst>
+                                      </p:cBhvr>
+                                      <p:tavLst>
+                                        <p:tav tm="0">
+                                          <p:val>
+                                            <p:strVal val="#ppt_x-0.25"/>
+                                          </p:val>
+                                        </p:tav>
+                                        <p:tav tm="100000">
+                                          <p:val>
+                                            <p:strVal val="#ppt_x"/>
+                                          </p:val>
+                                        </p:tav>
+                                      </p:tavLst>
+                                    </p:anim>
+                                    <p:anim calcmode="lin" valueType="num">
+                                      <p:cBhvr>
+                                        <p:cTn id="27" dur="664" tmFilter="0.0,0.0; 0.25,0.07; 0.50,0.2; 0.75,0.467; 1.0,1.0">
+                                          <p:stCondLst>
+                                            <p:cond delay="0"/>
+                                          </p:stCondLst>
+                                        </p:cTn>
+                                        <p:tgtEl>
+                                          <p:spTgt spid="6"/>
+                                        </p:tgtEl>
+                                        <p:attrNameLst>
+                                          <p:attrName>ppt_y</p:attrName>
+                                        </p:attrNameLst>
+                                      </p:cBhvr>
+                                      <p:tavLst>
+                                        <p:tav tm="0" fmla="#ppt_y-sin(pi*$)/3">
+                                          <p:val>
+                                            <p:fltVal val="0.5"/>
+                                          </p:val>
+                                        </p:tav>
+                                        <p:tav tm="100000">
+                                          <p:val>
+                                            <p:fltVal val="1"/>
+                                          </p:val>
+                                        </p:tav>
+                                      </p:tavLst>
+                                    </p:anim>
+                                    <p:anim calcmode="lin" valueType="num">
+                                      <p:cBhvr>
+                                        <p:cTn id="28" dur="664" tmFilter="0, 0; 0.125,0.2665; 0.25,0.4; 0.375,0.465; 0.5,0.5;  0.625,0.535; 0.75,0.6; 0.875,0.7335; 1,1">
+                                          <p:stCondLst>
+                                            <p:cond delay="664"/>
+                                          </p:stCondLst>
+                                        </p:cTn>
+                                        <p:tgtEl>
+                                          <p:spTgt spid="6"/>
+                                        </p:tgtEl>
+                                        <p:attrNameLst>
+                                          <p:attrName>ppt_y</p:attrName>
+                                        </p:attrNameLst>
+                                      </p:cBhvr>
+                                      <p:tavLst>
+                                        <p:tav tm="0" fmla="#ppt_y-sin(pi*$)/9">
+                                          <p:val>
+                                            <p:fltVal val="0"/>
+                                          </p:val>
+                                        </p:tav>
+                                        <p:tav tm="100000">
+                                          <p:val>
+                                            <p:fltVal val="1"/>
+                                          </p:val>
+                                        </p:tav>
+                                      </p:tavLst>
+                                    </p:anim>
+                                    <p:anim calcmode="lin" valueType="num">
+                                      <p:cBhvr>
+                                        <p:cTn id="29" dur="332" tmFilter="0, 0; 0.125,0.2665; 0.25,0.4; 0.375,0.465; 0.5,0.5;  0.625,0.535; 0.75,0.6; 0.875,0.7335; 1,1">
+                                          <p:stCondLst>
+                                            <p:cond delay="1324"/>
+                                          </p:stCondLst>
+                                        </p:cTn>
+                                        <p:tgtEl>
+                                          <p:spTgt spid="6"/>
+                                        </p:tgtEl>
+                                        <p:attrNameLst>
+                                          <p:attrName>ppt_y</p:attrName>
+                                        </p:attrNameLst>
+                                      </p:cBhvr>
+                                      <p:tavLst>
+                                        <p:tav tm="0" fmla="#ppt_y-sin(pi*$)/27">
+                                          <p:val>
+                                            <p:fltVal val="0"/>
+                                          </p:val>
+                                        </p:tav>
+                                        <p:tav tm="100000">
+                                          <p:val>
+                                            <p:fltVal val="1"/>
+                                          </p:val>
+                                        </p:tav>
+                                      </p:tavLst>
+                                    </p:anim>
+                                    <p:anim calcmode="lin" valueType="num">
+                                      <p:cBhvr>
+                                        <p:cTn id="30" dur="164" tmFilter="0, 0; 0.125,0.2665; 0.25,0.4; 0.375,0.465; 0.5,0.5;  0.625,0.535; 0.75,0.6; 0.875,0.7335; 1,1">
+                                          <p:stCondLst>
+                                            <p:cond delay="1656"/>
+                                          </p:stCondLst>
+                                        </p:cTn>
+                                        <p:tgtEl>
+                                          <p:spTgt spid="6"/>
+                                        </p:tgtEl>
+                                        <p:attrNameLst>
+                                          <p:attrName>ppt_y</p:attrName>
+                                        </p:attrNameLst>
+                                      </p:cBhvr>
+                                      <p:tavLst>
+                                        <p:tav tm="0" fmla="#ppt_y-sin(pi*$)/81">
+                                          <p:val>
+                                            <p:fltVal val="0"/>
+                                          </p:val>
+                                        </p:tav>
+                                        <p:tav tm="100000">
+                                          <p:val>
+                                            <p:fltVal val="1"/>
+                                          </p:val>
+                                        </p:tav>
+                                      </p:tavLst>
+                                    </p:anim>
+                                    <p:animScale>
+                                      <p:cBhvr>
+                                        <p:cTn id="31" dur="26">
+                                          <p:stCondLst>
+                                            <p:cond delay="650"/>
+                                          </p:stCondLst>
+                                        </p:cTn>
+                                        <p:tgtEl>
+                                          <p:spTgt spid="6"/>
+                                        </p:tgtEl>
+                                      </p:cBhvr>
+                                      <p:to x="100000" y="60000"/>
+                                    </p:animScale>
+                                    <p:animScale>
+                                      <p:cBhvr>
+                                        <p:cTn id="32" dur="166" decel="50000">
+                                          <p:stCondLst>
+                                            <p:cond delay="676"/>
+                                          </p:stCondLst>
+                                        </p:cTn>
+                                        <p:tgtEl>
+                                          <p:spTgt spid="6"/>
+                                        </p:tgtEl>
+                                      </p:cBhvr>
+                                      <p:to x="100000" y="100000"/>
+                                    </p:animScale>
+                                    <p:animScale>
+                                      <p:cBhvr>
+                                        <p:cTn id="33" dur="26">
+                                          <p:stCondLst>
+                                            <p:cond delay="1312"/>
+                                          </p:stCondLst>
+                                        </p:cTn>
+                                        <p:tgtEl>
+                                          <p:spTgt spid="6"/>
+                                        </p:tgtEl>
+                                      </p:cBhvr>
+                                      <p:to x="100000" y="80000"/>
+                                    </p:animScale>
+                                    <p:animScale>
+                                      <p:cBhvr>
+                                        <p:cTn id="34" dur="166" decel="50000">
+                                          <p:stCondLst>
+                                            <p:cond delay="1338"/>
+                                          </p:stCondLst>
+                                        </p:cTn>
+                                        <p:tgtEl>
+                                          <p:spTgt spid="6"/>
+                                        </p:tgtEl>
+                                      </p:cBhvr>
+                                      <p:to x="100000" y="100000"/>
+                                    </p:animScale>
+                                    <p:animScale>
+                                      <p:cBhvr>
+                                        <p:cTn id="35" dur="26">
+                                          <p:stCondLst>
+                                            <p:cond delay="1642"/>
+                                          </p:stCondLst>
+                                        </p:cTn>
+                                        <p:tgtEl>
+                                          <p:spTgt spid="6"/>
+                                        </p:tgtEl>
+                                      </p:cBhvr>
+                                      <p:to x="100000" y="90000"/>
+                                    </p:animScale>
+                                    <p:animScale>
+                                      <p:cBhvr>
+                                        <p:cTn id="36" dur="166" decel="50000">
+                                          <p:stCondLst>
+                                            <p:cond delay="1668"/>
+                                          </p:stCondLst>
+                                        </p:cTn>
+                                        <p:tgtEl>
+                                          <p:spTgt spid="6"/>
+                                        </p:tgtEl>
+                                      </p:cBhvr>
+                                      <p:to x="100000" y="100000"/>
+                                    </p:animScale>
+                                    <p:animScale>
+                                      <p:cBhvr>
+                                        <p:cTn id="37" dur="26">
+                                          <p:stCondLst>
+                                            <p:cond delay="1808"/>
+                                          </p:stCondLst>
+                                        </p:cTn>
+                                        <p:tgtEl>
+                                          <p:spTgt spid="6"/>
+                                        </p:tgtEl>
+                                      </p:cBhvr>
+                                      <p:to x="100000" y="95000"/>
+                                    </p:animScale>
+                                    <p:animScale>
+                                      <p:cBhvr>
+                                        <p:cTn id="38" dur="166" decel="50000">
+                                          <p:stCondLst>
+                                            <p:cond delay="1834"/>
+                                          </p:stCondLst>
+                                        </p:cTn>
+                                        <p:tgtEl>
+                                          <p:spTgt spid="6"/>
+                                        </p:tgtEl>
+                                      </p:cBhvr>
+                                      <p:to x="100000" y="100000"/>
+                                    </p:animScale>
+                                  </p:childTnLst>
+                                </p:cTn>
+                              </p:par>
+                            </p:childTnLst>
+                          </p:cTn>
+                        </p:par>
+                      </p:childTnLst>
+                    </p:cTn>
+                  </p:par>
+                  <p:par>
+                    <p:cTn id="39" fill="hold">
+                      <p:stCondLst>
+                        <p:cond delay="indefinite"/>
+                      </p:stCondLst>
+                      <p:childTnLst>
+                        <p:par>
+                          <p:cTn id="40" fill="hold">
+                            <p:stCondLst>
+                              <p:cond delay="0"/>
+                            </p:stCondLst>
+                            <p:childTnLst>
+                              <p:par>
+                                <p:cTn id="41" presetID="26" presetClass="entr" presetSubtype="0" fill="hold" nodeType="clickEffect">
+                                  <p:stCondLst>
+                                    <p:cond delay="0"/>
+                                  </p:stCondLst>
+                                  <p:childTnLst>
+                                    <p:set>
+                                      <p:cBhvr>
+                                        <p:cTn id="42" dur="1" fill="hold">
+                                          <p:stCondLst>
+                                            <p:cond delay="0"/>
+                                          </p:stCondLst>
+                                        </p:cTn>
+                                        <p:tgtEl>
+                                          <p:spTgt spid="9"/>
+                                        </p:tgtEl>
+                                        <p:attrNameLst>
+                                          <p:attrName>style.visibility</p:attrName>
+                                        </p:attrNameLst>
+                                      </p:cBhvr>
+                                      <p:to>
+                                        <p:strVal val="visible"/>
+                                      </p:to>
+                                    </p:set>
+                                    <p:animEffect transition="in" filter="wipe(down)">
+                                      <p:cBhvr>
+                                        <p:cTn id="43" dur="580">
+                                          <p:stCondLst>
+                                            <p:cond delay="0"/>
+                                          </p:stCondLst>
+                                        </p:cTn>
+                                        <p:tgtEl>
+                                          <p:spTgt spid="9"/>
+                                        </p:tgtEl>
+                                      </p:cBhvr>
+                                    </p:animEffect>
+                                    <p:anim calcmode="lin" valueType="num">
+                                      <p:cBhvr>
+                                        <p:cTn id="44" dur="1822" tmFilter="0,0; 0.14,0.36; 0.43,0.73; 0.71,0.91; 1.0,1.0">
+                                          <p:stCondLst>
+                                            <p:cond delay="0"/>
+                                          </p:stCondLst>
+                                        </p:cTn>
+                                        <p:tgtEl>
+                                          <p:spTgt spid="9"/>
+                                        </p:tgtEl>
+                                        <p:attrNameLst>
+                                          <p:attrName>ppt_x</p:attrName>
+                                        </p:attrNameLst>
+                                      </p:cBhvr>
+                                      <p:tavLst>
+                                        <p:tav tm="0">
+                                          <p:val>
+                                            <p:strVal val="#ppt_x-0.25"/>
+                                          </p:val>
+                                        </p:tav>
+                                        <p:tav tm="100000">
+                                          <p:val>
+                                            <p:strVal val="#ppt_x"/>
+                                          </p:val>
+                                        </p:tav>
+                                      </p:tavLst>
+                                    </p:anim>
+                                    <p:anim calcmode="lin" valueType="num">
+                                      <p:cBhvr>
+                                        <p:cTn id="45" dur="664" tmFilter="0.0,0.0; 0.25,0.07; 0.50,0.2; 0.75,0.467; 1.0,1.0">
+                                          <p:stCondLst>
+                                            <p:cond delay="0"/>
+                                          </p:stCondLst>
+                                        </p:cTn>
+                                        <p:tgtEl>
+                                          <p:spTgt spid="9"/>
+                                        </p:tgtEl>
+                                        <p:attrNameLst>
+                                          <p:attrName>ppt_y</p:attrName>
+                                        </p:attrNameLst>
+                                      </p:cBhvr>
+                                      <p:tavLst>
+                                        <p:tav tm="0" fmla="#ppt_y-sin(pi*$)/3">
+                                          <p:val>
+                                            <p:fltVal val="0.5"/>
+                                          </p:val>
+                                        </p:tav>
+                                        <p:tav tm="100000">
+                                          <p:val>
+                                            <p:fltVal val="1"/>
+                                          </p:val>
+                                        </p:tav>
+                                      </p:tavLst>
+                                    </p:anim>
+                                    <p:anim calcmode="lin" valueType="num">
+                                      <p:cBhvr>
+                                        <p:cTn id="46" dur="664" tmFilter="0, 0; 0.125,0.2665; 0.25,0.4; 0.375,0.465; 0.5,0.5;  0.625,0.535; 0.75,0.6; 0.875,0.7335; 1,1">
+                                          <p:stCondLst>
+                                            <p:cond delay="664"/>
+                                          </p:stCondLst>
+                                        </p:cTn>
+                                        <p:tgtEl>
+                                          <p:spTgt spid="9"/>
+                                        </p:tgtEl>
+                                        <p:attrNameLst>
+                                          <p:attrName>ppt_y</p:attrName>
+                                        </p:attrNameLst>
+                                      </p:cBhvr>
+                                      <p:tavLst>
+                                        <p:tav tm="0" fmla="#ppt_y-sin(pi*$)/9">
+                                          <p:val>
+                                            <p:fltVal val="0"/>
+                                          </p:val>
+                                        </p:tav>
+                                        <p:tav tm="100000">
+                                          <p:val>
+                                            <p:fltVal val="1"/>
+                                          </p:val>
+                                        </p:tav>
+                                      </p:tavLst>
+                                    </p:anim>
+                                    <p:anim calcmode="lin" valueType="num">
+                                      <p:cBhvr>
+                                        <p:cTn id="47" dur="332" tmFilter="0, 0; 0.125,0.2665; 0.25,0.4; 0.375,0.465; 0.5,0.5;  0.625,0.535; 0.75,0.6; 0.875,0.7335; 1,1">
+                                          <p:stCondLst>
+                                            <p:cond delay="1324"/>
+                                          </p:stCondLst>
+                                        </p:cTn>
+                                        <p:tgtEl>
+                                          <p:spTgt spid="9"/>
+                                        </p:tgtEl>
+                                        <p:attrNameLst>
+                                          <p:attrName>ppt_y</p:attrName>
+                                        </p:attrNameLst>
+                                      </p:cBhvr>
+                                      <p:tavLst>
+                                        <p:tav tm="0" fmla="#ppt_y-sin(pi*$)/27">
+                                          <p:val>
+                                            <p:fltVal val="0"/>
+                                          </p:val>
+                                        </p:tav>
+                                        <p:tav tm="100000">
+                                          <p:val>
+                                            <p:fltVal val="1"/>
+                                          </p:val>
+                                        </p:tav>
+                                      </p:tavLst>
+                                    </p:anim>
+                                    <p:anim calcmode="lin" valueType="num">
+                                      <p:cBhvr>
+                                        <p:cTn id="48" dur="164" tmFilter="0, 0; 0.125,0.2665; 0.25,0.4; 0.375,0.465; 0.5,0.5;  0.625,0.535; 0.75,0.6; 0.875,0.7335; 1,1">
+                                          <p:stCondLst>
+                                            <p:cond delay="1656"/>
+                                          </p:stCondLst>
+                                        </p:cTn>
+                                        <p:tgtEl>
+                                          <p:spTgt spid="9"/>
+                                        </p:tgtEl>
+                                        <p:attrNameLst>
+                                          <p:attrName>ppt_y</p:attrName>
+                                        </p:attrNameLst>
+                                      </p:cBhvr>
+                                      <p:tavLst>
+                                        <p:tav tm="0" fmla="#ppt_y-sin(pi*$)/81">
+                                          <p:val>
+                                            <p:fltVal val="0"/>
+                                          </p:val>
+                                        </p:tav>
+                                        <p:tav tm="100000">
+                                          <p:val>
+                                            <p:fltVal val="1"/>
+                                          </p:val>
+                                        </p:tav>
+                                      </p:tavLst>
+                                    </p:anim>
+                                    <p:animScale>
+                                      <p:cBhvr>
+                                        <p:cTn id="49" dur="26">
+                                          <p:stCondLst>
+                                            <p:cond delay="650"/>
+                                          </p:stCondLst>
+                                        </p:cTn>
+                                        <p:tgtEl>
+                                          <p:spTgt spid="9"/>
+                                        </p:tgtEl>
+                                      </p:cBhvr>
+                                      <p:to x="100000" y="60000"/>
+                                    </p:animScale>
+                                    <p:animScale>
+                                      <p:cBhvr>
+                                        <p:cTn id="50" dur="166" decel="50000">
+                                          <p:stCondLst>
+                                            <p:cond delay="676"/>
+                                          </p:stCondLst>
+                                        </p:cTn>
+                                        <p:tgtEl>
+                                          <p:spTgt spid="9"/>
+                                        </p:tgtEl>
+                                      </p:cBhvr>
+                                      <p:to x="100000" y="100000"/>
+                                    </p:animScale>
+                                    <p:animScale>
+                                      <p:cBhvr>
+                                        <p:cTn id="51" dur="26">
+                                          <p:stCondLst>
+                                            <p:cond delay="1312"/>
+                                          </p:stCondLst>
+                                        </p:cTn>
+                                        <p:tgtEl>
+                                          <p:spTgt spid="9"/>
+                                        </p:tgtEl>
+                                      </p:cBhvr>
+                                      <p:to x="100000" y="80000"/>
+                                    </p:animScale>
+                                    <p:animScale>
+                                      <p:cBhvr>
+                                        <p:cTn id="52" dur="166" decel="50000">
+                                          <p:stCondLst>
+                                            <p:cond delay="1338"/>
+                                          </p:stCondLst>
+                                        </p:cTn>
+                                        <p:tgtEl>
+                                          <p:spTgt spid="9"/>
+                                        </p:tgtEl>
+                                      </p:cBhvr>
+                                      <p:to x="100000" y="100000"/>
+                                    </p:animScale>
+                                    <p:animScale>
+                                      <p:cBhvr>
+                                        <p:cTn id="53" dur="26">
+                                          <p:stCondLst>
+                                            <p:cond delay="1642"/>
+                                          </p:stCondLst>
+                                        </p:cTn>
+                                        <p:tgtEl>
+                                          <p:spTgt spid="9"/>
+                                        </p:tgtEl>
+                                      </p:cBhvr>
+                                      <p:to x="100000" y="90000"/>
+                                    </p:animScale>
+                                    <p:animScale>
+                                      <p:cBhvr>
+                                        <p:cTn id="54" dur="166" decel="50000">
+                                          <p:stCondLst>
+                                            <p:cond delay="1668"/>
+                                          </p:stCondLst>
+                                        </p:cTn>
+                                        <p:tgtEl>
+                                          <p:spTgt spid="9"/>
+                                        </p:tgtEl>
+                                      </p:cBhvr>
+                                      <p:to x="100000" y="100000"/>
+                                    </p:animScale>
+                                    <p:animScale>
+                                      <p:cBhvr>
+                                        <p:cTn id="55" dur="26">
+                                          <p:stCondLst>
+                                            <p:cond delay="1808"/>
+                                          </p:stCondLst>
+                                        </p:cTn>
+                                        <p:tgtEl>
+                                          <p:spTgt spid="9"/>
+                                        </p:tgtEl>
+                                      </p:cBhvr>
+                                      <p:to x="100000" y="95000"/>
+                                    </p:animScale>
+                                    <p:animScale>
+                                      <p:cBhvr>
+                                        <p:cTn id="56" dur="166" decel="50000">
+                                          <p:stCondLst>
+                                            <p:cond delay="1834"/>
+                                          </p:stCondLst>
+                                        </p:cTn>
+                                        <p:tgtEl>
+                                          <p:spTgt spid="9"/>
+                                        </p:tgtEl>
+                                      </p:cBhvr>
+                                      <p:to x="100000" y="100000"/>
+                                    </p:animScale>
+                                  </p:childTnLst>
+                                </p:cTn>
+                              </p:par>
+                            </p:childTnLst>
+                          </p:cTn>
+                        </p:par>
+                      </p:childTnLst>
+                    </p:cTn>
+                  </p:par>
+                  <p:par>
+                    <p:cTn id="57" fill="hold">
+                      <p:stCondLst>
+                        <p:cond delay="indefinite"/>
+                      </p:stCondLst>
+                      <p:childTnLst>
+                        <p:par>
+                          <p:cTn id="58" fill="hold">
+                            <p:stCondLst>
+                              <p:cond delay="0"/>
+                            </p:stCondLst>
+                            <p:childTnLst>
+                              <p:par>
+                                <p:cTn id="59" presetID="9" presetClass="entr" presetSubtype="0" fill="hold" grpId="0" nodeType="clickEffect">
+                                  <p:stCondLst>
+                                    <p:cond delay="0"/>
+                                  </p:stCondLst>
+                                  <p:childTnLst>
+                                    <p:set>
+                                      <p:cBhvr>
+                                        <p:cTn id="60" dur="1" fill="hold">
+                                          <p:stCondLst>
+                                            <p:cond delay="0"/>
+                                          </p:stCondLst>
+                                        </p:cTn>
+                                        <p:tgtEl>
+                                          <p:spTgt spid="10"/>
+                                        </p:tgtEl>
+                                        <p:attrNameLst>
+                                          <p:attrName>style.visibility</p:attrName>
+                                        </p:attrNameLst>
+                                      </p:cBhvr>
+                                      <p:to>
+                                        <p:strVal val="visible"/>
+                                      </p:to>
+                                    </p:set>
+                                    <p:animEffect transition="in" filter="dissolve">
+                                      <p:cBhvr>
+                                        <p:cTn id="61" dur="500"/>
+                                        <p:tgtEl>
+                                          <p:spTgt spid="10"/>
+                                        </p:tgtEl>
+                                      </p:cBhvr>
+                                    </p:animEffect>
+                                  </p:childTnLst>
+                                </p:cTn>
+                              </p:par>
+                            </p:childTnLst>
+                          </p:cTn>
+                        </p:par>
+                      </p:childTnLst>
+                    </p:cTn>
+                  </p:par>
+                </p:childTnLst>
+              </p:cTn>
+              <p:prevCondLst>
+                <p:cond evt="onPrev" delay="0">
+                  <p:tgtEl>
+                    <p:sldTgt/>
+                  </p:tgtEl>
+                </p:cond>
+              </p:prevCondLst>
+              <p:nextCondLst>
+                <p:cond evt="onNext" delay="0">
+                  <p:tgtEl>
+                    <p:sldTgt/>
+                  </p:tgtEl>
+                </p:cond>
+              </p:nextCondLst>
+            </p:seq>
+          </p:childTnLst>
+        </p:cTn>
+      </p:par>
+    </p:tnLst>
+    <p:bldLst>
+      <p:bldP spid="10" grpId="0"/>
+    </p:bldLst>
+  </p:timing>
+</p:sld>
+</file>
+
+<file path=ppt/slides/slide4.xml><?xml version="1.0" encoding="utf-8"?>
+<p:sld xmlns:a="http://schemas.openxmlformats.org/drawingml/2006/main" xmlns:r="http://schemas.openxmlformats.org/officeDocument/2006/relationships" xmlns:p="http://schemas.openxmlformats.org/presentationml/2006/main">
+  <p:cSld>
+    <p:spTree>
+      <p:nvGrpSpPr>
+        <p:cNvPr id="1" name=""/>
+        <p:cNvGrpSpPr/>
+        <p:nvPr/>
+      </p:nvGrpSpPr>
+      <p:grpSpPr>
+        <a:xfrm>
+          <a:off x="0" y="0"/>
+          <a:ext cx="0" cy="0"/>
+          <a:chOff x="0" y="0"/>
+          <a:chExt cx="0" cy="0"/>
+        </a:xfrm>
+      </p:grpSpPr>
+      <p:sp>
+        <p:nvSpPr>
+          <p:cNvPr id="2" name="标题 1"/>
+          <p:cNvSpPr>
+            <a:spLocks noGrp="1"/>
+          </p:cNvSpPr>
+          <p:nvPr>
+            <p:ph type="title"/>
+          </p:nvPr>
+        </p:nvSpPr>
+        <p:spPr>
+          <a:effectLst>
+            <a:outerShdw blurRad="50800" dist="38100" dir="2700000" algn="tl" rotWithShape="0">
+              <a:prstClr val="black">
+                <a:alpha val="40000"/>
+              </a:prstClr>
+            </a:outerShdw>
+          </a:effectLst>
+        </p:spPr>
+        <p:txBody>
+          <a:bodyPr/>
+          <a:lstStyle/>
+          <a:p>
+            <a:pPr marL="685800" indent="-685800" algn="l">
+              <a:buFont typeface="Arial"/>
+              <a:buChar char="•"/>
+            </a:pPr>
+            <a:r>
+              <a:rPr kumimoji="1" lang="en-US" altLang="zh-CN" dirty="0" smtClean="0">
+                <a:latin typeface="微软雅黑"/>
+                <a:ea typeface="微软雅黑"/>
+                <a:cs typeface="微软雅黑"/>
+              </a:rPr>
+              <a:t>CSDN</a:t>
+            </a:r>
+            <a:r>
+              <a:rPr kumimoji="1" lang="zh-CN" altLang="en-US" dirty="0" smtClean="0">
+                <a:latin typeface="微软雅黑"/>
+                <a:ea typeface="微软雅黑"/>
+                <a:cs typeface="微软雅黑"/>
+              </a:rPr>
+              <a:t>前端组件库</a:t>
+            </a:r>
+            <a:endParaRPr kumimoji="1" lang="zh-CN" altLang="en-US" dirty="0">
+              <a:latin typeface="微软雅黑"/>
+              <a:ea typeface="微软雅黑"/>
+              <a:cs typeface="微软雅黑"/>
+            </a:endParaRPr>
+          </a:p>
+        </p:txBody>
+      </p:sp>
+      <p:pic>
+        <p:nvPicPr>
+          <p:cNvPr id="4" name="内容占位符 3" descr="前端组件库.jpg"/>
+          <p:cNvPicPr>
+            <a:picLocks noGrp="1" noChangeAspect="1"/>
+          </p:cNvPicPr>
+          <p:nvPr>
+            <p:ph idx="1"/>
+          </p:nvPr>
+        </p:nvPicPr>
+        <p:blipFill>
+          <a:blip r:embed="rId2">
+            <a:extLst>
+              <a:ext uri="{28A0092B-C50C-407E-A947-70E740481C1C}">
+                <a14:useLocalDpi xmlns:a14="http://schemas.microsoft.com/office/drawing/2010/main" val="0"/>
+              </a:ext>
+            </a:extLst>
+          </a:blip>
+          <a:srcRect t="-12565" b="-12565"/>
+          <a:stretch>
+            <a:fillRect/>
+          </a:stretch>
+        </p:blipFill>
+        <p:spPr>
+          <a:xfrm>
+            <a:off x="640290" y="1789954"/>
+            <a:ext cx="8040762" cy="4459332"/>
+          </a:xfrm>
+        </p:spPr>
+      </p:pic>
+      <p:sp>
+        <p:nvSpPr>
+          <p:cNvPr id="5" name="文本框 4"/>
+          <p:cNvSpPr txBox="1"/>
+          <p:nvPr/>
+        </p:nvSpPr>
+        <p:spPr>
+          <a:xfrm>
+            <a:off x="640290" y="1479348"/>
+            <a:ext cx="2339102" cy="461665"/>
+          </a:xfrm>
+          <a:prstGeom prst="rect">
+            <a:avLst/>
+          </a:prstGeom>
+          <a:noFill/>
+        </p:spPr>
+        <p:txBody>
+          <a:bodyPr wrap="none" rtlCol="0">
+            <a:spAutoFit/>
+          </a:bodyPr>
+          <a:lstStyle/>
+          <a:p>
+            <a:r>
+              <a:rPr kumimoji="1" lang="zh-CN" altLang="en-US" sz="2400" dirty="0" smtClean="0">
+                <a:latin typeface="微软雅黑"/>
+                <a:ea typeface="微软雅黑"/>
+                <a:cs typeface="微软雅黑"/>
+              </a:rPr>
+              <a:t>～文件存储结构</a:t>
+            </a:r>
+            <a:endParaRPr kumimoji="1" lang="zh-CN" altLang="en-US" sz="2400" dirty="0">
+              <a:latin typeface="微软雅黑"/>
+              <a:ea typeface="微软雅黑"/>
+              <a:cs typeface="微软雅黑"/>
+            </a:endParaRPr>
+          </a:p>
+        </p:txBody>
+      </p:sp>
+    </p:spTree>
+    <p:extLst>
+      <p:ext uri="{BB962C8B-B14F-4D97-AF65-F5344CB8AC3E}">
+        <p14:creationId xmlns:p14="http://schemas.microsoft.com/office/powerpoint/2010/main" val="1930677188"/>
+      </p:ext>
+    </p:extLst>
+  </p:cSld>
+  <p:clrMapOvr>
+    <a:masterClrMapping/>
+  </p:clrMapOvr>
+  <p:timing>
+    <p:tnLst>
+      <p:par>
+        <p:cTn xmlns:p14="http://schemas.microsoft.com/office/powerpoint/2010/main" id="1" dur="indefinite" restart="never" nodeType="tmRoot">
+          <p:childTnLst>
+            <p:seq concurrent="1" nextAc="seek">
+              <p:cTn id="2" dur="indefinite" nodeType="mainSeq">
+                <p:childTnLst>
+                  <p:par>
+                    <p:cTn id="3" fill="hold">
+                      <p:stCondLst>
+                        <p:cond delay="indefinite"/>
+                      </p:stCondLst>
+                      <p:childTnLst>
+                        <p:par>
+                          <p:cTn id="4" fill="hold">
+                            <p:stCondLst>
+                              <p:cond delay="0"/>
+                            </p:stCondLst>
+                            <p:childTnLst>
+                              <p:par>
+                                <p:cTn id="5" presetID="3" presetClass="entr" presetSubtype="10" fill="hold" nodeType="clickEffect">
+                                  <p:stCondLst>
+                                    <p:cond delay="0"/>
+                                  </p:stCondLst>
+                                  <p:childTnLst>
+                                    <p:set>
+                                      <p:cBhvr>
+                                        <p:cTn id="6" dur="1" fill="hold">
+                                          <p:stCondLst>
+                                            <p:cond delay="0"/>
+                                          </p:stCondLst>
+                                        </p:cTn>
+                                        <p:tgtEl>
+                                          <p:spTgt spid="4"/>
+                                        </p:tgtEl>
+                                        <p:attrNameLst>
+                                          <p:attrName>style.visibility</p:attrName>
+                                        </p:attrNameLst>
+                                      </p:cBhvr>
+                                      <p:to>
+                                        <p:strVal val="visible"/>
+                                      </p:to>
+                                    </p:set>
+                                    <p:animEffect transition="in" filter="blinds(horizontal)">
+                                      <p:cBhvr>
+                                        <p:cTn id="7" dur="500"/>
+                                        <p:tgtEl>
+                                          <p:spTgt spid="4"/>
+                                        </p:tgtEl>
+                                      </p:cBhvr>
+                                    </p:animEffect>
+                                  </p:childTnLst>
+                                </p:cTn>
+                              </p:par>
+                            </p:childTnLst>
+                          </p:cTn>
+                        </p:par>
+                      </p:childTnLst>
+                    </p:cTn>
+                  </p:par>
+                </p:childTnLst>
+              </p:cTn>
+              <p:prevCondLst>
+                <p:cond evt="onPrev" delay="0">
+                  <p:tgtEl>
+                    <p:sldTgt/>
+                  </p:tgtEl>
+                </p:cond>
+              </p:prevCondLst>
+              <p:nextCondLst>
+                <p:cond evt="onNext" delay="0">
+                  <p:tgtEl>
+                    <p:sldTgt/>
+                  </p:tgtEl>
+                </p:cond>
+              </p:nextCondLst>
+            </p:seq>
+          </p:childTnLst>
+        </p:cTn>
+      </p:par>
+    </p:tnLst>
+  </p:timing>
+</p:sld>
+</file>
+
+<file path=ppt/slides/slide5.xml><?xml version="1.0" encoding="utf-8"?>
+<p:sld xmlns:a="http://schemas.openxmlformats.org/drawingml/2006/main" xmlns:r="http://schemas.openxmlformats.org/officeDocument/2006/relationships" xmlns:p="http://schemas.openxmlformats.org/presentationml/2006/main">
+  <p:cSld>
+    <p:spTree>
+      <p:nvGrpSpPr>
+        <p:cNvPr id="1" name=""/>
+        <p:cNvGrpSpPr/>
+        <p:nvPr/>
+      </p:nvGrpSpPr>
+      <p:grpSpPr>
+        <a:xfrm>
+          <a:off x="0" y="0"/>
+          <a:ext cx="0" cy="0"/>
+          <a:chOff x="0" y="0"/>
+          <a:chExt cx="0" cy="0"/>
+        </a:xfrm>
+      </p:grpSpPr>
+      <p:sp>
+        <p:nvSpPr>
+          <p:cNvPr id="2" name="标题 1"/>
+          <p:cNvSpPr>
+            <a:spLocks noGrp="1"/>
+          </p:cNvSpPr>
+          <p:nvPr>
+            <p:ph type="title"/>
+          </p:nvPr>
+        </p:nvSpPr>
+        <p:spPr>
+          <a:effectLst>
+            <a:outerShdw blurRad="50800" dist="38100" dir="2700000" algn="tl" rotWithShape="0">
+              <a:prstClr val="black">
+                <a:alpha val="40000"/>
+              </a:prstClr>
+            </a:outerShdw>
+          </a:effectLst>
+        </p:spPr>
+        <p:txBody>
+          <a:bodyPr/>
+          <a:lstStyle/>
+          <a:p>
+            <a:pPr marL="685800" indent="-685800" algn="l">
+              <a:buFont typeface="Arial"/>
+              <a:buChar char="•"/>
+            </a:pPr>
+            <a:r>
+              <a:rPr kumimoji="1" lang="en-US" altLang="zh-CN" dirty="0">
+                <a:latin typeface="微软雅黑"/>
+                <a:ea typeface="微软雅黑"/>
+                <a:cs typeface="微软雅黑"/>
+              </a:rPr>
+              <a:t>CSDN</a:t>
+            </a:r>
+            <a:r>
+              <a:rPr kumimoji="1" lang="zh-CN" altLang="en-US" dirty="0">
+                <a:latin typeface="微软雅黑"/>
+                <a:ea typeface="微软雅黑"/>
+                <a:cs typeface="微软雅黑"/>
+              </a:rPr>
+              <a:t>前端组件库</a:t>
+            </a:r>
+            <a:endParaRPr kumimoji="1" lang="zh-CN" altLang="en-US" dirty="0"/>
+          </a:p>
+        </p:txBody>
+      </p:sp>
+      <p:graphicFrame>
+        <p:nvGraphicFramePr>
+          <p:cNvPr id="6" name="内容占位符 5"/>
+          <p:cNvGraphicFramePr>
+            <a:graphicFrameLocks noGrp="1"/>
+          </p:cNvGraphicFramePr>
+          <p:nvPr>
+            <p:ph idx="1"/>
+            <p:extLst>
+              <p:ext uri="{D42A27DB-BD31-4B8C-83A1-F6EECF244321}">
+                <p14:modId xmlns:p14="http://schemas.microsoft.com/office/powerpoint/2010/main" val="29149588"/>
+              </p:ext>
+            </p:extLst>
+          </p:nvPr>
+        </p:nvGraphicFramePr>
+        <p:xfrm>
+          <a:off x="914400" y="2246754"/>
+          <a:ext cx="7313613" cy="4056062"/>
+        </p:xfrm>
+        <a:graphic>
+          <a:graphicData uri="http://schemas.openxmlformats.org/drawingml/2006/diagram">
+            <dgm:relIds xmlns:dgm="http://schemas.openxmlformats.org/drawingml/2006/diagram" xmlns:r="http://schemas.openxmlformats.org/officeDocument/2006/relationships" r:dm="rId2" r:lo="rId3" r:qs="rId4" r:cs="rId5"/>
+          </a:graphicData>
+        </a:graphic>
+      </p:graphicFrame>
+      <p:sp>
+        <p:nvSpPr>
+          <p:cNvPr id="7" name="文本框 6"/>
+          <p:cNvSpPr txBox="1"/>
+          <p:nvPr/>
+        </p:nvSpPr>
+        <p:spPr>
+          <a:xfrm>
+            <a:off x="914400" y="1534914"/>
+            <a:ext cx="1723549" cy="461665"/>
+          </a:xfrm>
+          <a:prstGeom prst="rect">
+            <a:avLst/>
+          </a:prstGeom>
+          <a:noFill/>
+        </p:spPr>
+        <p:txBody>
+          <a:bodyPr wrap="none" rtlCol="0">
+            <a:spAutoFit/>
+          </a:bodyPr>
+          <a:lstStyle/>
+          <a:p>
+            <a:r>
+              <a:rPr kumimoji="1" lang="zh-CN" altLang="en-US" sz="2400" dirty="0" smtClean="0">
+                <a:latin typeface="微软雅黑"/>
+                <a:ea typeface="微软雅黑"/>
+                <a:cs typeface="微软雅黑"/>
+              </a:rPr>
+              <a:t>～整体结构</a:t>
+            </a:r>
+            <a:endParaRPr kumimoji="1" lang="zh-CN" altLang="en-US" sz="2400" dirty="0">
+              <a:latin typeface="微软雅黑"/>
+              <a:ea typeface="微软雅黑"/>
+              <a:cs typeface="微软雅黑"/>
+            </a:endParaRPr>
+          </a:p>
+        </p:txBody>
+      </p:sp>
+    </p:spTree>
+    <p:extLst>
+      <p:ext uri="{BB962C8B-B14F-4D97-AF65-F5344CB8AC3E}">
+        <p14:creationId xmlns:p14="http://schemas.microsoft.com/office/powerpoint/2010/main" val="1542192608"/>
+      </p:ext>
+    </p:extLst>
+  </p:cSld>
+  <p:clrMapOvr>
+    <a:masterClrMapping/>
+  </p:clrMapOvr>
+  <p:timing>
+    <p:tnLst>
+      <p:par>
+        <p:cTn xmlns:p14="http://schemas.microsoft.com/office/powerpoint/2010/main" id="1" dur="indefinite" restart="never" nodeType="tmRoot">
+          <p:childTnLst>
+            <p:seq concurrent="1" nextAc="seek">
+              <p:cTn id="2" dur="indefinite" nodeType="mainSeq">
+                <p:childTnLst>
+                  <p:par>
+                    <p:cTn id="3" fill="hold">
+                      <p:stCondLst>
+                        <p:cond delay="indefinite"/>
+                      </p:stCondLst>
+                      <p:childTnLst>
+                        <p:par>
+                          <p:cTn id="4" fill="hold">
+                            <p:stCondLst>
+                              <p:cond delay="0"/>
+                            </p:stCondLst>
+                            <p:childTnLst>
+                              <p:par>
+                                <p:cTn id="5" presetID="9" presetClass="entr" presetSubtype="0" fill="hold" grpId="0" nodeType="clickEffect">
+                                  <p:stCondLst>
+                                    <p:cond delay="0"/>
+                                  </p:stCondLst>
+                                  <p:childTnLst>
+                                    <p:set>
+                                      <p:cBhvr>
+                                        <p:cTn id="6" dur="1" fill="hold">
+                                          <p:stCondLst>
+                                            <p:cond delay="0"/>
+                                          </p:stCondLst>
+                                        </p:cTn>
+                                        <p:tgtEl>
+                                          <p:spTgt spid="6">
+                                            <p:graphicEl>
+                                              <a:dgm id="{09193437-1DCF-CA4C-93C2-F9107888CAD5}"/>
+                                            </p:graphicEl>
+                                          </p:spTgt>
+                                        </p:tgtEl>
+                                        <p:attrNameLst>
+                                          <p:attrName>style.visibility</p:attrName>
+                                        </p:attrNameLst>
+                                      </p:cBhvr>
+                                      <p:to>
+                                        <p:strVal val="visible"/>
+                                      </p:to>
+                                    </p:set>
+                                    <p:animEffect transition="in" filter="dissolve">
+                                      <p:cBhvr>
+                                        <p:cTn id="7" dur="500"/>
+                                        <p:tgtEl>
+                                          <p:spTgt spid="6">
+                                            <p:graphicEl>
+                                              <a:dgm id="{09193437-1DCF-CA4C-93C2-F9107888CAD5}"/>
+                                            </p:graphicEl>
+                                          </p:spTgt>
+                                        </p:tgtEl>
+                                      </p:cBhvr>
+                                    </p:animEffect>
+                                  </p:childTnLst>
+                                </p:cTn>
+                              </p:par>
+                            </p:childTnLst>
+                          </p:cTn>
+                        </p:par>
+                      </p:childTnLst>
+                    </p:cTn>
+                  </p:par>
+                  <p:par>
+                    <p:cTn id="8" fill="hold">
+                      <p:stCondLst>
+                        <p:cond delay="indefinite"/>
+                      </p:stCondLst>
+                      <p:childTnLst>
+                        <p:par>
+                          <p:cTn id="9" fill="hold">
+                            <p:stCondLst>
+                              <p:cond delay="0"/>
+                            </p:stCondLst>
+                            <p:childTnLst>
+                              <p:par>
+                                <p:cTn id="10" presetID="9" presetClass="entr" presetSubtype="0" fill="hold" grpId="0" nodeType="clickEffect">
+                                  <p:stCondLst>
+                                    <p:cond delay="0"/>
+                                  </p:stCondLst>
+                                  <p:childTnLst>
+                                    <p:set>
+                                      <p:cBhvr>
+                                        <p:cTn id="11" dur="1" fill="hold">
+                                          <p:stCondLst>
+                                            <p:cond delay="0"/>
+                                          </p:stCondLst>
+                                        </p:cTn>
+                                        <p:tgtEl>
+                                          <p:spTgt spid="6">
+                                            <p:graphicEl>
+                                              <a:dgm id="{6FF12C57-9742-114C-96D4-6C8A43F09A1C}"/>
+                                            </p:graphicEl>
+                                          </p:spTgt>
+                                        </p:tgtEl>
+                                        <p:attrNameLst>
+                                          <p:attrName>style.visibility</p:attrName>
+                                        </p:attrNameLst>
+                                      </p:cBhvr>
+                                      <p:to>
+                                        <p:strVal val="visible"/>
+                                      </p:to>
+                                    </p:set>
+                                    <p:animEffect transition="in" filter="dissolve">
+                                      <p:cBhvr>
+                                        <p:cTn id="12" dur="500"/>
+                                        <p:tgtEl>
+                                          <p:spTgt spid="6">
+                                            <p:graphicEl>
+                                              <a:dgm id="{6FF12C57-9742-114C-96D4-6C8A43F09A1C}"/>
+                                            </p:graphicEl>
+                                          </p:spTgt>
+                                        </p:tgtEl>
+                                      </p:cBhvr>
+                                    </p:animEffect>
+                                  </p:childTnLst>
+                                </p:cTn>
+                              </p:par>
+                            </p:childTnLst>
+                          </p:cTn>
+                        </p:par>
+                      </p:childTnLst>
+                    </p:cTn>
+                  </p:par>
+                  <p:par>
+                    <p:cTn id="13" fill="hold">
+                      <p:stCondLst>
+                        <p:cond delay="indefinite"/>
+                      </p:stCondLst>
+                      <p:childTnLst>
+                        <p:par>
+                          <p:cTn id="14" fill="hold">
+                            <p:stCondLst>
+                              <p:cond delay="0"/>
+                            </p:stCondLst>
+                            <p:childTnLst>
+                              <p:par>
+                                <p:cTn id="15" presetID="9" presetClass="entr" presetSubtype="0" fill="hold" grpId="0" nodeType="clickEffect">
+                                  <p:stCondLst>
+                                    <p:cond delay="0"/>
+                                  </p:stCondLst>
+                                  <p:childTnLst>
+                                    <p:set>
+                                      <p:cBhvr>
+                                        <p:cTn id="16" dur="1" fill="hold">
+                                          <p:stCondLst>
+                                            <p:cond delay="0"/>
+                                          </p:stCondLst>
+                                        </p:cTn>
+                                        <p:tgtEl>
+                                          <p:spTgt spid="6">
+                                            <p:graphicEl>
+                                              <a:dgm id="{052B49D3-F236-3C4F-BC8E-1E959EE77FB6}"/>
+                                            </p:graphicEl>
+                                          </p:spTgt>
+                                        </p:tgtEl>
+                                        <p:attrNameLst>
+                                          <p:attrName>style.visibility</p:attrName>
+                                        </p:attrNameLst>
+                                      </p:cBhvr>
+                                      <p:to>
+                                        <p:strVal val="visible"/>
+                                      </p:to>
+                                    </p:set>
+                                    <p:animEffect transition="in" filter="dissolve">
+                                      <p:cBhvr>
+                                        <p:cTn id="17" dur="500"/>
+                                        <p:tgtEl>
+                                          <p:spTgt spid="6">
+                                            <p:graphicEl>
+                                              <a:dgm id="{052B49D3-F236-3C4F-BC8E-1E959EE77FB6}"/>
+                                            </p:graphicEl>
+                                          </p:spTgt>
+                                        </p:tgtEl>
+                                      </p:cBhvr>
+                                    </p:animEffect>
+                                  </p:childTnLst>
+                                </p:cTn>
+                              </p:par>
+                            </p:childTnLst>
+                          </p:cTn>
+                        </p:par>
+                      </p:childTnLst>
+                    </p:cTn>
+                  </p:par>
+                  <p:par>
+                    <p:cTn id="18" fill="hold">
+                      <p:stCondLst>
+                        <p:cond delay="indefinite"/>
+                      </p:stCondLst>
+                      <p:childTnLst>
+                        <p:par>
+                          <p:cTn id="19" fill="hold">
+                            <p:stCondLst>
+                              <p:cond delay="0"/>
+                            </p:stCondLst>
+                            <p:childTnLst>
+                              <p:par>
+                                <p:cTn id="20" presetID="9" presetClass="entr" presetSubtype="0" fill="hold" grpId="0" nodeType="clickEffect">
+                                  <p:stCondLst>
+                                    <p:cond delay="0"/>
+                                  </p:stCondLst>
+                                  <p:childTnLst>
+                                    <p:set>
+                                      <p:cBhvr>
+                                        <p:cTn id="21" dur="1" fill="hold">
+                                          <p:stCondLst>
+                                            <p:cond delay="0"/>
+                                          </p:stCondLst>
+                                        </p:cTn>
+                                        <p:tgtEl>
+                                          <p:spTgt spid="6">
+                                            <p:graphicEl>
+                                              <a:dgm id="{E3CCF907-041C-A841-ABFA-9E7C836C3BC3}"/>
+                                            </p:graphicEl>
+                                          </p:spTgt>
+                                        </p:tgtEl>
+                                        <p:attrNameLst>
+                                          <p:attrName>style.visibility</p:attrName>
+                                        </p:attrNameLst>
+                                      </p:cBhvr>
+                                      <p:to>
+                                        <p:strVal val="visible"/>
+                                      </p:to>
+                                    </p:set>
+                                    <p:animEffect transition="in" filter="dissolve">
+                                      <p:cBhvr>
+                                        <p:cTn id="22" dur="500"/>
+                                        <p:tgtEl>
+                                          <p:spTgt spid="6">
+                                            <p:graphicEl>
+                                              <a:dgm id="{E3CCF907-041C-A841-ABFA-9E7C836C3BC3}"/>
+                                            </p:graphicEl>
+                                          </p:spTgt>
+                                        </p:tgtEl>
+                                      </p:cBhvr>
+                                    </p:animEffect>
+                                  </p:childTnLst>
+                                </p:cTn>
+                              </p:par>
+                            </p:childTnLst>
+                          </p:cTn>
+                        </p:par>
+                      </p:childTnLst>
+                    </p:cTn>
+                  </p:par>
+                </p:childTnLst>
+              </p:cTn>
+              <p:prevCondLst>
+                <p:cond evt="onPrev" delay="0">
+                  <p:tgtEl>
+                    <p:sldTgt/>
+                  </p:tgtEl>
+                </p:cond>
+              </p:prevCondLst>
+              <p:nextCondLst>
+                <p:cond evt="onNext" delay="0">
+                  <p:tgtEl>
+                    <p:sldTgt/>
+                  </p:tgtEl>
+                </p:cond>
+              </p:nextCondLst>
+            </p:seq>
+          </p:childTnLst>
+        </p:cTn>
+      </p:par>
+    </p:tnLst>
+    <p:bldLst>
+      <p:bldGraphic spid="6" grpId="0" uiExpand="1">
+        <p:bldSub>
+          <a:bldDgm bld="one"/>
+        </p:bldSub>
+      </p:bldGraphic>
+    </p:bldLst>
   </p:timing>
 </p:sld>
 </file>

--- a/doc/前端组件库.pptx
+++ b/doc/前端组件库.pptx
@@ -4,12 +4,17 @@
   <p:sldMasterIdLst>
     <p:sldMasterId id="2147483942" r:id="rId1"/>
   </p:sldMasterIdLst>
+  <p:notesMasterIdLst>
+    <p:notesMasterId r:id="rId9"/>
+  </p:notesMasterIdLst>
   <p:sldIdLst>
     <p:sldId id="256" r:id="rId2"/>
     <p:sldId id="257" r:id="rId3"/>
     <p:sldId id="258" r:id="rId4"/>
     <p:sldId id="259" r:id="rId5"/>
     <p:sldId id="260" r:id="rId6"/>
+    <p:sldId id="261" r:id="rId7"/>
+    <p:sldId id="262" r:id="rId8"/>
   </p:sldIdLst>
   <p:sldSz cx="9144000" cy="6858000" type="screen4x3"/>
   <p:notesSz cx="6858000" cy="9144000"/>
@@ -1086,6 +1091,13 @@
         </dgm:presLayoutVars>
       </dgm:prSet>
       <dgm:spPr/>
+      <dgm:t>
+        <a:bodyPr/>
+        <a:lstStyle/>
+        <a:p>
+          <a:endParaRPr lang="zh-CN" altLang="en-US"/>
+        </a:p>
+      </dgm:t>
     </dgm:pt>
     <dgm:pt modelId="{1D230398-9A25-A147-AA37-AA33AB942C95}" type="pres">
       <dgm:prSet presAssocID="{479D3DFB-DF30-1743-AAA4-B26AA2137512}" presName="vertOne" presStyleCnt="0"/>
@@ -1152,6 +1164,13 @@
         </dgm:presLayoutVars>
       </dgm:prSet>
       <dgm:spPr/>
+      <dgm:t>
+        <a:bodyPr/>
+        <a:lstStyle/>
+        <a:p>
+          <a:endParaRPr lang="zh-CN" altLang="en-US"/>
+        </a:p>
+      </dgm:t>
     </dgm:pt>
     <dgm:pt modelId="{39846B99-3893-0C41-AADD-B0F1930466DE}" type="pres">
       <dgm:prSet presAssocID="{81B4941A-2DF0-304A-A53B-6B79CD5FA070}" presName="horzTwo" presStyleCnt="0"/>
@@ -1172,6 +1191,13 @@
         </dgm:presLayoutVars>
       </dgm:prSet>
       <dgm:spPr/>
+      <dgm:t>
+        <a:bodyPr/>
+        <a:lstStyle/>
+        <a:p>
+          <a:endParaRPr lang="zh-CN" altLang="en-US"/>
+        </a:p>
+      </dgm:t>
     </dgm:pt>
     <dgm:pt modelId="{B8395897-40E3-6D40-BA24-683407F3AFBC}" type="pres">
       <dgm:prSet presAssocID="{3F91A7E7-94FD-BB46-85BB-D3C454F1724E}" presName="horzTwo" presStyleCnt="0"/>
@@ -1179,15 +1205,15 @@
     </dgm:pt>
   </dgm:ptLst>
   <dgm:cxnLst>
+    <dgm:cxn modelId="{79D89412-BBC6-524D-8E0D-7B5A603861F4}" srcId="{D63FB010-8AF2-884E-8BB5-F332D7255B96}" destId="{479D3DFB-DF30-1743-AAA4-B26AA2137512}" srcOrd="0" destOrd="0" parTransId="{3DB091E2-8A9A-7646-80D5-C987CCFDB822}" sibTransId="{BE90AFE8-D72C-9A45-A148-B73975B43E23}"/>
+    <dgm:cxn modelId="{9768B244-ABDD-B54E-97E0-4C99948B2FB5}" type="presOf" srcId="{3F91A7E7-94FD-BB46-85BB-D3C454F1724E}" destId="{E3CCF907-041C-A841-ABFA-9E7C836C3BC3}" srcOrd="0" destOrd="0" presId="urn:microsoft.com/office/officeart/2005/8/layout/hierarchy4"/>
     <dgm:cxn modelId="{E803C04E-72DC-824E-B3D3-D90CFEDD3525}" type="presOf" srcId="{A232DC1F-5564-FC45-9D3D-D709C4B719BF}" destId="{6FF12C57-9742-114C-96D4-6C8A43F09A1C}" srcOrd="0" destOrd="0" presId="urn:microsoft.com/office/officeart/2005/8/layout/hierarchy4"/>
+    <dgm:cxn modelId="{A7E52AC1-7298-D54B-B938-7F45D9A8B639}" srcId="{479D3DFB-DF30-1743-AAA4-B26AA2137512}" destId="{81B4941A-2DF0-304A-A53B-6B79CD5FA070}" srcOrd="1" destOrd="0" parTransId="{2508B95A-1A70-6840-867B-282CC4DD9F60}" sibTransId="{0EC7AFD8-2E6A-854A-8069-E4706CA59EBF}"/>
+    <dgm:cxn modelId="{E7E3AAFD-29D8-3B4D-A0FA-6FC2CF0F19E5}" type="presOf" srcId="{479D3DFB-DF30-1743-AAA4-B26AA2137512}" destId="{09193437-1DCF-CA4C-93C2-F9107888CAD5}" srcOrd="0" destOrd="0" presId="urn:microsoft.com/office/officeart/2005/8/layout/hierarchy4"/>
+    <dgm:cxn modelId="{661765BA-44C8-2742-9F1B-616DD58FE2F1}" srcId="{479D3DFB-DF30-1743-AAA4-B26AA2137512}" destId="{3F91A7E7-94FD-BB46-85BB-D3C454F1724E}" srcOrd="2" destOrd="0" parTransId="{7F253ABB-3538-F44E-955C-6DBB97496505}" sibTransId="{1AB0D417-9A6D-EB46-85A0-CFEF79DB670A}"/>
+    <dgm:cxn modelId="{60CEA2CA-74CA-BA44-8AE9-4B769331F56C}" srcId="{479D3DFB-DF30-1743-AAA4-B26AA2137512}" destId="{A232DC1F-5564-FC45-9D3D-D709C4B719BF}" srcOrd="0" destOrd="0" parTransId="{B96786E7-AE1B-5E41-8FF8-C6A89048057A}" sibTransId="{73303A73-21BB-CB49-AC6F-89326190355E}"/>
     <dgm:cxn modelId="{A4E8A672-15D9-CD40-A184-423EBB878550}" type="presOf" srcId="{81B4941A-2DF0-304A-A53B-6B79CD5FA070}" destId="{052B49D3-F236-3C4F-BC8E-1E959EE77FB6}" srcOrd="0" destOrd="0" presId="urn:microsoft.com/office/officeart/2005/8/layout/hierarchy4"/>
-    <dgm:cxn modelId="{E7E3AAFD-29D8-3B4D-A0FA-6FC2CF0F19E5}" type="presOf" srcId="{479D3DFB-DF30-1743-AAA4-B26AA2137512}" destId="{09193437-1DCF-CA4C-93C2-F9107888CAD5}" srcOrd="0" destOrd="0" presId="urn:microsoft.com/office/officeart/2005/8/layout/hierarchy4"/>
-    <dgm:cxn modelId="{79D89412-BBC6-524D-8E0D-7B5A603861F4}" srcId="{D63FB010-8AF2-884E-8BB5-F332D7255B96}" destId="{479D3DFB-DF30-1743-AAA4-B26AA2137512}" srcOrd="0" destOrd="0" parTransId="{3DB091E2-8A9A-7646-80D5-C987CCFDB822}" sibTransId="{BE90AFE8-D72C-9A45-A148-B73975B43E23}"/>
-    <dgm:cxn modelId="{60CEA2CA-74CA-BA44-8AE9-4B769331F56C}" srcId="{479D3DFB-DF30-1743-AAA4-B26AA2137512}" destId="{A232DC1F-5564-FC45-9D3D-D709C4B719BF}" srcOrd="0" destOrd="0" parTransId="{B96786E7-AE1B-5E41-8FF8-C6A89048057A}" sibTransId="{73303A73-21BB-CB49-AC6F-89326190355E}"/>
-    <dgm:cxn modelId="{A7E52AC1-7298-D54B-B938-7F45D9A8B639}" srcId="{479D3DFB-DF30-1743-AAA4-B26AA2137512}" destId="{81B4941A-2DF0-304A-A53B-6B79CD5FA070}" srcOrd="1" destOrd="0" parTransId="{2508B95A-1A70-6840-867B-282CC4DD9F60}" sibTransId="{0EC7AFD8-2E6A-854A-8069-E4706CA59EBF}"/>
-    <dgm:cxn modelId="{661765BA-44C8-2742-9F1B-616DD58FE2F1}" srcId="{479D3DFB-DF30-1743-AAA4-B26AA2137512}" destId="{3F91A7E7-94FD-BB46-85BB-D3C454F1724E}" srcOrd="2" destOrd="0" parTransId="{7F253ABB-3538-F44E-955C-6DBB97496505}" sibTransId="{1AB0D417-9A6D-EB46-85A0-CFEF79DB670A}"/>
     <dgm:cxn modelId="{F5B2F5B7-85B7-0D41-AC92-C17E030D598D}" type="presOf" srcId="{D63FB010-8AF2-884E-8BB5-F332D7255B96}" destId="{AE3A2E38-0D34-A544-B227-7E29BC8637F4}" srcOrd="0" destOrd="0" presId="urn:microsoft.com/office/officeart/2005/8/layout/hierarchy4"/>
-    <dgm:cxn modelId="{9768B244-ABDD-B54E-97E0-4C99948B2FB5}" type="presOf" srcId="{3F91A7E7-94FD-BB46-85BB-D3C454F1724E}" destId="{E3CCF907-041C-A841-ABFA-9E7C836C3BC3}" srcOrd="0" destOrd="0" presId="urn:microsoft.com/office/officeart/2005/8/layout/hierarchy4"/>
     <dgm:cxn modelId="{CFEFF693-68B1-E245-A6BF-9DC7CEC66BDD}" type="presParOf" srcId="{AE3A2E38-0D34-A544-B227-7E29BC8637F4}" destId="{1D230398-9A25-A147-AA37-AA33AB942C95}" srcOrd="0" destOrd="0" presId="urn:microsoft.com/office/officeart/2005/8/layout/hierarchy4"/>
     <dgm:cxn modelId="{14D2544F-94AB-5C44-90D7-8CA239308FD3}" type="presParOf" srcId="{1D230398-9A25-A147-AA37-AA33AB942C95}" destId="{09193437-1DCF-CA4C-93C2-F9107888CAD5}" srcOrd="0" destOrd="0" presId="urn:microsoft.com/office/officeart/2005/8/layout/hierarchy4"/>
     <dgm:cxn modelId="{A71C8E33-2DB5-2F4B-98CB-EE0BD4A1A2FA}" type="presParOf" srcId="{1D230398-9A25-A147-AA37-AA33AB942C95}" destId="{A471B142-F632-2F44-9FD8-46D1E7652EA2}" srcOrd="1" destOrd="0" presId="urn:microsoft.com/office/officeart/2005/8/layout/hierarchy4"/>
@@ -3106,6 +3132,452 @@
 </dgm:styleDef>
 </file>
 
+<file path=ppt/notesMasters/notesMaster1.xml><?xml version="1.0" encoding="utf-8"?>
+<p:notesMaster xmlns:a="http://schemas.openxmlformats.org/drawingml/2006/main" xmlns:r="http://schemas.openxmlformats.org/officeDocument/2006/relationships" xmlns:p="http://schemas.openxmlformats.org/presentationml/2006/main">
+  <p:cSld>
+    <p:bg>
+      <p:bgRef idx="1001">
+        <a:schemeClr val="bg1"/>
+      </p:bgRef>
+    </p:bg>
+    <p:spTree>
+      <p:nvGrpSpPr>
+        <p:cNvPr id="1" name=""/>
+        <p:cNvGrpSpPr/>
+        <p:nvPr/>
+      </p:nvGrpSpPr>
+      <p:grpSpPr>
+        <a:xfrm>
+          <a:off x="0" y="0"/>
+          <a:ext cx="0" cy="0"/>
+          <a:chOff x="0" y="0"/>
+          <a:chExt cx="0" cy="0"/>
+        </a:xfrm>
+      </p:grpSpPr>
+      <p:sp>
+        <p:nvSpPr>
+          <p:cNvPr id="2" name="页眉占位符 1"/>
+          <p:cNvSpPr>
+            <a:spLocks noGrp="1"/>
+          </p:cNvSpPr>
+          <p:nvPr>
+            <p:ph type="hdr" sz="quarter"/>
+          </p:nvPr>
+        </p:nvSpPr>
+        <p:spPr>
+          <a:xfrm>
+            <a:off x="0" y="0"/>
+            <a:ext cx="2971800" cy="457200"/>
+          </a:xfrm>
+          <a:prstGeom prst="rect">
+            <a:avLst/>
+          </a:prstGeom>
+        </p:spPr>
+        <p:txBody>
+          <a:bodyPr vert="horz" lIns="91440" tIns="45720" rIns="91440" bIns="45720" rtlCol="0"/>
+          <a:lstStyle>
+            <a:lvl1pPr algn="l">
+              <a:defRPr sz="1200"/>
+            </a:lvl1pPr>
+          </a:lstStyle>
+          <a:p>
+            <a:endParaRPr kumimoji="1" lang="zh-CN" altLang="en-US"/>
+          </a:p>
+        </p:txBody>
+      </p:sp>
+      <p:sp>
+        <p:nvSpPr>
+          <p:cNvPr id="3" name="日期占位符 2"/>
+          <p:cNvSpPr>
+            <a:spLocks noGrp="1"/>
+          </p:cNvSpPr>
+          <p:nvPr>
+            <p:ph type="dt" idx="1"/>
+          </p:nvPr>
+        </p:nvSpPr>
+        <p:spPr>
+          <a:xfrm>
+            <a:off x="3884613" y="0"/>
+            <a:ext cx="2971800" cy="457200"/>
+          </a:xfrm>
+          <a:prstGeom prst="rect">
+            <a:avLst/>
+          </a:prstGeom>
+        </p:spPr>
+        <p:txBody>
+          <a:bodyPr vert="horz" lIns="91440" tIns="45720" rIns="91440" bIns="45720" rtlCol="0"/>
+          <a:lstStyle>
+            <a:lvl1pPr algn="r">
+              <a:defRPr sz="1200"/>
+            </a:lvl1pPr>
+          </a:lstStyle>
+          <a:p>
+            <a:fld id="{786B58D3-66B8-F746-8618-087362E19870}" type="datetimeFigureOut">
+              <a:rPr kumimoji="1" lang="zh-CN" altLang="en-US" smtClean="0"/>
+              <a:t>13-5-9</a:t>
+            </a:fld>
+            <a:endParaRPr kumimoji="1" lang="zh-CN" altLang="en-US"/>
+          </a:p>
+        </p:txBody>
+      </p:sp>
+      <p:sp>
+        <p:nvSpPr>
+          <p:cNvPr id="4" name="幻灯片图像占位符 3"/>
+          <p:cNvSpPr>
+            <a:spLocks noGrp="1" noRot="1" noChangeAspect="1"/>
+          </p:cNvSpPr>
+          <p:nvPr>
+            <p:ph type="sldImg" idx="2"/>
+          </p:nvPr>
+        </p:nvSpPr>
+        <p:spPr>
+          <a:xfrm>
+            <a:off x="1143000" y="685800"/>
+            <a:ext cx="4572000" cy="3429000"/>
+          </a:xfrm>
+          <a:prstGeom prst="rect">
+            <a:avLst/>
+          </a:prstGeom>
+          <a:noFill/>
+          <a:ln w="12700">
+            <a:solidFill>
+              <a:prstClr val="black"/>
+            </a:solidFill>
+          </a:ln>
+        </p:spPr>
+        <p:txBody>
+          <a:bodyPr vert="horz" lIns="91440" tIns="45720" rIns="91440" bIns="45720" rtlCol="0" anchor="ctr"/>
+          <a:lstStyle/>
+          <a:p>
+            <a:endParaRPr lang="zh-CN" altLang="en-US"/>
+          </a:p>
+        </p:txBody>
+      </p:sp>
+      <p:sp>
+        <p:nvSpPr>
+          <p:cNvPr id="5" name="备注占位符 4"/>
+          <p:cNvSpPr>
+            <a:spLocks noGrp="1"/>
+          </p:cNvSpPr>
+          <p:nvPr>
+            <p:ph type="body" sz="quarter" idx="3"/>
+          </p:nvPr>
+        </p:nvSpPr>
+        <p:spPr>
+          <a:xfrm>
+            <a:off x="685800" y="4343400"/>
+            <a:ext cx="5486400" cy="4114800"/>
+          </a:xfrm>
+          <a:prstGeom prst="rect">
+            <a:avLst/>
+          </a:prstGeom>
+        </p:spPr>
+        <p:txBody>
+          <a:bodyPr vert="horz" lIns="91440" tIns="45720" rIns="91440" bIns="45720" rtlCol="0"/>
+          <a:lstStyle/>
+          <a:p>
+            <a:pPr lvl="0"/>
+            <a:r>
+              <a:rPr kumimoji="1" lang="zh-CN" altLang="en-US" smtClean="0"/>
+              <a:t>单击此处编辑母版文本样式</a:t>
+            </a:r>
+          </a:p>
+          <a:p>
+            <a:pPr lvl="1"/>
+            <a:r>
+              <a:rPr kumimoji="1" lang="zh-CN" altLang="en-US" smtClean="0"/>
+              <a:t>二级</a:t>
+            </a:r>
+          </a:p>
+          <a:p>
+            <a:pPr lvl="2"/>
+            <a:r>
+              <a:rPr kumimoji="1" lang="zh-CN" altLang="en-US" smtClean="0"/>
+              <a:t>三级</a:t>
+            </a:r>
+          </a:p>
+          <a:p>
+            <a:pPr lvl="3"/>
+            <a:r>
+              <a:rPr kumimoji="1" lang="zh-CN" altLang="en-US" smtClean="0"/>
+              <a:t>四级</a:t>
+            </a:r>
+          </a:p>
+          <a:p>
+            <a:pPr lvl="4"/>
+            <a:r>
+              <a:rPr kumimoji="1" lang="zh-CN" altLang="en-US" smtClean="0"/>
+              <a:t>五级</a:t>
+            </a:r>
+            <a:endParaRPr kumimoji="1" lang="zh-CN" altLang="en-US"/>
+          </a:p>
+        </p:txBody>
+      </p:sp>
+      <p:sp>
+        <p:nvSpPr>
+          <p:cNvPr id="6" name="页脚占位符 5"/>
+          <p:cNvSpPr>
+            <a:spLocks noGrp="1"/>
+          </p:cNvSpPr>
+          <p:nvPr>
+            <p:ph type="ftr" sz="quarter" idx="4"/>
+          </p:nvPr>
+        </p:nvSpPr>
+        <p:spPr>
+          <a:xfrm>
+            <a:off x="0" y="8685213"/>
+            <a:ext cx="2971800" cy="457200"/>
+          </a:xfrm>
+          <a:prstGeom prst="rect">
+            <a:avLst/>
+          </a:prstGeom>
+        </p:spPr>
+        <p:txBody>
+          <a:bodyPr vert="horz" lIns="91440" tIns="45720" rIns="91440" bIns="45720" rtlCol="0" anchor="b"/>
+          <a:lstStyle>
+            <a:lvl1pPr algn="l">
+              <a:defRPr sz="1200"/>
+            </a:lvl1pPr>
+          </a:lstStyle>
+          <a:p>
+            <a:endParaRPr kumimoji="1" lang="zh-CN" altLang="en-US"/>
+          </a:p>
+        </p:txBody>
+      </p:sp>
+      <p:sp>
+        <p:nvSpPr>
+          <p:cNvPr id="7" name="幻灯片编号占位符 6"/>
+          <p:cNvSpPr>
+            <a:spLocks noGrp="1"/>
+          </p:cNvSpPr>
+          <p:nvPr>
+            <p:ph type="sldNum" sz="quarter" idx="5"/>
+          </p:nvPr>
+        </p:nvSpPr>
+        <p:spPr>
+          <a:xfrm>
+            <a:off x="3884613" y="8685213"/>
+            <a:ext cx="2971800" cy="457200"/>
+          </a:xfrm>
+          <a:prstGeom prst="rect">
+            <a:avLst/>
+          </a:prstGeom>
+        </p:spPr>
+        <p:txBody>
+          <a:bodyPr vert="horz" lIns="91440" tIns="45720" rIns="91440" bIns="45720" rtlCol="0" anchor="b"/>
+          <a:lstStyle>
+            <a:lvl1pPr algn="r">
+              <a:defRPr sz="1200"/>
+            </a:lvl1pPr>
+          </a:lstStyle>
+          <a:p>
+            <a:fld id="{E4BB80B8-C238-0840-A2FC-AC1BD01F835F}" type="slidenum">
+              <a:rPr kumimoji="1" lang="zh-CN" altLang="en-US" smtClean="0"/>
+              <a:t>‹#›</a:t>
+            </a:fld>
+            <a:endParaRPr kumimoji="1" lang="zh-CN" altLang="en-US"/>
+          </a:p>
+        </p:txBody>
+      </p:sp>
+    </p:spTree>
+    <p:extLst>
+      <p:ext uri="{BB962C8B-B14F-4D97-AF65-F5344CB8AC3E}">
+        <p14:creationId xmlns:p14="http://schemas.microsoft.com/office/powerpoint/2010/main" val="110295910"/>
+      </p:ext>
+    </p:extLst>
+  </p:cSld>
+  <p:clrMap bg1="lt1" tx1="dk1" bg2="lt2" tx2="dk2" accent1="accent1" accent2="accent2" accent3="accent3" accent4="accent4" accent5="accent5" accent6="accent6" hlink="hlink" folHlink="folHlink"/>
+  <p:notesStyle>
+    <a:lvl1pPr marL="0" algn="l" defTabSz="457200" rtl="0" eaLnBrk="1" latinLnBrk="0" hangingPunct="1">
+      <a:defRPr sz="1200" kern="1200">
+        <a:solidFill>
+          <a:schemeClr val="tx1"/>
+        </a:solidFill>
+        <a:latin typeface="+mn-lt"/>
+        <a:ea typeface="+mn-ea"/>
+        <a:cs typeface="+mn-cs"/>
+      </a:defRPr>
+    </a:lvl1pPr>
+    <a:lvl2pPr marL="457200" algn="l" defTabSz="457200" rtl="0" eaLnBrk="1" latinLnBrk="0" hangingPunct="1">
+      <a:defRPr sz="1200" kern="1200">
+        <a:solidFill>
+          <a:schemeClr val="tx1"/>
+        </a:solidFill>
+        <a:latin typeface="+mn-lt"/>
+        <a:ea typeface="+mn-ea"/>
+        <a:cs typeface="+mn-cs"/>
+      </a:defRPr>
+    </a:lvl2pPr>
+    <a:lvl3pPr marL="914400" algn="l" defTabSz="457200" rtl="0" eaLnBrk="1" latinLnBrk="0" hangingPunct="1">
+      <a:defRPr sz="1200" kern="1200">
+        <a:solidFill>
+          <a:schemeClr val="tx1"/>
+        </a:solidFill>
+        <a:latin typeface="+mn-lt"/>
+        <a:ea typeface="+mn-ea"/>
+        <a:cs typeface="+mn-cs"/>
+      </a:defRPr>
+    </a:lvl3pPr>
+    <a:lvl4pPr marL="1371600" algn="l" defTabSz="457200" rtl="0" eaLnBrk="1" latinLnBrk="0" hangingPunct="1">
+      <a:defRPr sz="1200" kern="1200">
+        <a:solidFill>
+          <a:schemeClr val="tx1"/>
+        </a:solidFill>
+        <a:latin typeface="+mn-lt"/>
+        <a:ea typeface="+mn-ea"/>
+        <a:cs typeface="+mn-cs"/>
+      </a:defRPr>
+    </a:lvl4pPr>
+    <a:lvl5pPr marL="1828800" algn="l" defTabSz="457200" rtl="0" eaLnBrk="1" latinLnBrk="0" hangingPunct="1">
+      <a:defRPr sz="1200" kern="1200">
+        <a:solidFill>
+          <a:schemeClr val="tx1"/>
+        </a:solidFill>
+        <a:latin typeface="+mn-lt"/>
+        <a:ea typeface="+mn-ea"/>
+        <a:cs typeface="+mn-cs"/>
+      </a:defRPr>
+    </a:lvl5pPr>
+    <a:lvl6pPr marL="2286000" algn="l" defTabSz="457200" rtl="0" eaLnBrk="1" latinLnBrk="0" hangingPunct="1">
+      <a:defRPr sz="1200" kern="1200">
+        <a:solidFill>
+          <a:schemeClr val="tx1"/>
+        </a:solidFill>
+        <a:latin typeface="+mn-lt"/>
+        <a:ea typeface="+mn-ea"/>
+        <a:cs typeface="+mn-cs"/>
+      </a:defRPr>
+    </a:lvl6pPr>
+    <a:lvl7pPr marL="2743200" algn="l" defTabSz="457200" rtl="0" eaLnBrk="1" latinLnBrk="0" hangingPunct="1">
+      <a:defRPr sz="1200" kern="1200">
+        <a:solidFill>
+          <a:schemeClr val="tx1"/>
+        </a:solidFill>
+        <a:latin typeface="+mn-lt"/>
+        <a:ea typeface="+mn-ea"/>
+        <a:cs typeface="+mn-cs"/>
+      </a:defRPr>
+    </a:lvl7pPr>
+    <a:lvl8pPr marL="3200400" algn="l" defTabSz="457200" rtl="0" eaLnBrk="1" latinLnBrk="0" hangingPunct="1">
+      <a:defRPr sz="1200" kern="1200">
+        <a:solidFill>
+          <a:schemeClr val="tx1"/>
+        </a:solidFill>
+        <a:latin typeface="+mn-lt"/>
+        <a:ea typeface="+mn-ea"/>
+        <a:cs typeface="+mn-cs"/>
+      </a:defRPr>
+    </a:lvl8pPr>
+    <a:lvl9pPr marL="3657600" algn="l" defTabSz="457200" rtl="0" eaLnBrk="1" latinLnBrk="0" hangingPunct="1">
+      <a:defRPr sz="1200" kern="1200">
+        <a:solidFill>
+          <a:schemeClr val="tx1"/>
+        </a:solidFill>
+        <a:latin typeface="+mn-lt"/>
+        <a:ea typeface="+mn-ea"/>
+        <a:cs typeface="+mn-cs"/>
+      </a:defRPr>
+    </a:lvl9pPr>
+  </p:notesStyle>
+</p:notesMaster>
+</file>
+
+<file path=ppt/notesSlides/notesSlide1.xml><?xml version="1.0" encoding="utf-8"?>
+<p:notes xmlns:a="http://schemas.openxmlformats.org/drawingml/2006/main" xmlns:r="http://schemas.openxmlformats.org/officeDocument/2006/relationships" xmlns:p="http://schemas.openxmlformats.org/presentationml/2006/main">
+  <p:cSld>
+    <p:spTree>
+      <p:nvGrpSpPr>
+        <p:cNvPr id="1" name=""/>
+        <p:cNvGrpSpPr/>
+        <p:nvPr/>
+      </p:nvGrpSpPr>
+      <p:grpSpPr>
+        <a:xfrm>
+          <a:off x="0" y="0"/>
+          <a:ext cx="0" cy="0"/>
+          <a:chOff x="0" y="0"/>
+          <a:chExt cx="0" cy="0"/>
+        </a:xfrm>
+      </p:grpSpPr>
+      <p:sp>
+        <p:nvSpPr>
+          <p:cNvPr id="2" name="幻灯片图像占位符 1"/>
+          <p:cNvSpPr>
+            <a:spLocks noGrp="1" noRot="1" noChangeAspect="1"/>
+          </p:cNvSpPr>
+          <p:nvPr>
+            <p:ph type="sldImg"/>
+          </p:nvPr>
+        </p:nvSpPr>
+        <p:spPr/>
+      </p:sp>
+      <p:sp>
+        <p:nvSpPr>
+          <p:cNvPr id="3" name="备注占位符 2"/>
+          <p:cNvSpPr>
+            <a:spLocks noGrp="1"/>
+          </p:cNvSpPr>
+          <p:nvPr>
+            <p:ph type="body" idx="1"/>
+          </p:nvPr>
+        </p:nvSpPr>
+        <p:spPr/>
+        <p:txBody>
+          <a:bodyPr/>
+          <a:lstStyle/>
+          <a:p>
+            <a:endParaRPr kumimoji="1" lang="zh-CN" altLang="en-US"/>
+          </a:p>
+          <a:p>
+            <a:r>
+              <a:rPr kumimoji="1" lang="zh-CN" altLang="en-US"/>
+              <a:t>----- 会议笔记(13-5-9 10:09) -----</a:t>
+            </a:r>
+          </a:p>
+          <a:p>
+            <a:r>
+              <a:rPr kumimoji="1" lang="zh-CN" altLang="en-US"/>
+              <a:t>   </a:t>
+            </a:r>
+          </a:p>
+        </p:txBody>
+      </p:sp>
+      <p:sp>
+        <p:nvSpPr>
+          <p:cNvPr id="4" name="幻灯片编号占位符 3"/>
+          <p:cNvSpPr>
+            <a:spLocks noGrp="1"/>
+          </p:cNvSpPr>
+          <p:nvPr>
+            <p:ph type="sldNum" sz="quarter" idx="10"/>
+          </p:nvPr>
+        </p:nvSpPr>
+        <p:spPr/>
+        <p:txBody>
+          <a:bodyPr/>
+          <a:lstStyle/>
+          <a:p>
+            <a:fld id="{E4BB80B8-C238-0840-A2FC-AC1BD01F835F}" type="slidenum">
+              <a:rPr kumimoji="1" lang="zh-CN" altLang="en-US" smtClean="0"/>
+              <a:t>2</a:t>
+            </a:fld>
+            <a:endParaRPr kumimoji="1" lang="zh-CN" altLang="en-US"/>
+          </a:p>
+        </p:txBody>
+      </p:sp>
+    </p:spTree>
+    <p:extLst>
+      <p:ext uri="{BB962C8B-B14F-4D97-AF65-F5344CB8AC3E}">
+        <p14:creationId xmlns:p14="http://schemas.microsoft.com/office/powerpoint/2010/main" val="3764234243"/>
+      </p:ext>
+    </p:extLst>
+  </p:cSld>
+  <p:clrMapOvr>
+    <a:masterClrMapping/>
+  </p:clrMapOvr>
+</p:notes>
+</file>
+
 <file path=ppt/slideLayouts/slideLayout1.xml><?xml version="1.0" encoding="utf-8"?>
 <p:sldLayout xmlns:a="http://schemas.openxmlformats.org/drawingml/2006/main" xmlns:r="http://schemas.openxmlformats.org/officeDocument/2006/relationships" xmlns:p="http://schemas.openxmlformats.org/presentationml/2006/main" type="title" preserve="1">
   <p:cSld name="标题幻灯片">
@@ -3340,7 +3812,7 @@
             <a:fld id="{B7C3F878-F5E8-489B-AC8A-64F2A7E22C28}" type="datetimeFigureOut">
               <a:rPr lang="en-US" smtClean="0"/>
               <a:pPr/>
-              <a:t>13-5-7</a:t>
+              <a:t>13-5-9</a:t>
             </a:fld>
             <a:endParaRPr lang="en-US"/>
           </a:p>
@@ -3426,6 +3898,18 @@
   <p:clrMapOvr>
     <a:overrideClrMapping bg1="lt1" tx1="dk1" bg2="lt2" tx2="dk2" accent1="accent1" accent2="accent2" accent3="accent3" accent4="accent4" accent5="accent5" accent6="accent6" hlink="hlink" folHlink="folHlink"/>
   </p:clrMapOvr>
+  <mc:AlternateContent xmlns:mc="http://schemas.openxmlformats.org/markup-compatibility/2006" xmlns:p14="http://schemas.microsoft.com/office/powerpoint/2010/main">
+    <mc:Choice Requires="p14">
+      <p:transition spd="slow" p14:dur="4000">
+        <p14:vortex dir="r"/>
+      </p:transition>
+    </mc:Choice>
+    <mc:Fallback xmlns="">
+      <p:transition xmlns:p14="http://schemas.microsoft.com/office/powerpoint/2010/main" spd="slow">
+        <p:fade/>
+      </p:transition>
+    </mc:Fallback>
+  </mc:AlternateContent>
 </p:sldLayout>
 </file>
 
@@ -3487,7 +3971,7 @@
             <a:fld id="{B7C3F878-F5E8-489B-AC8A-64F2A7E22C28}" type="datetimeFigureOut">
               <a:rPr lang="en-US" smtClean="0"/>
               <a:pPr/>
-              <a:t>13-5-7</a:t>
+              <a:t>13-5-9</a:t>
             </a:fld>
             <a:endParaRPr lang="en-US" dirty="0"/>
           </a:p>
@@ -3800,6 +4284,18 @@
   <p:clrMapOvr>
     <a:masterClrMapping/>
   </p:clrMapOvr>
+  <mc:AlternateContent xmlns:mc="http://schemas.openxmlformats.org/markup-compatibility/2006" xmlns:p14="http://schemas.microsoft.com/office/powerpoint/2010/main">
+    <mc:Choice Requires="p14">
+      <p:transition spd="slow" p14:dur="4000">
+        <p14:vortex dir="r"/>
+      </p:transition>
+    </mc:Choice>
+    <mc:Fallback xmlns="">
+      <p:transition xmlns:p14="http://schemas.microsoft.com/office/powerpoint/2010/main" spd="slow">
+        <p:fade/>
+      </p:transition>
+    </mc:Fallback>
+  </mc:AlternateContent>
 </p:sldLayout>
 </file>
 
@@ -3946,7 +4442,7 @@
             <a:fld id="{B7C3F878-F5E8-489B-AC8A-64F2A7E22C28}" type="datetimeFigureOut">
               <a:rPr lang="en-US" smtClean="0"/>
               <a:pPr/>
-              <a:t>13-5-7</a:t>
+              <a:t>13-5-9</a:t>
             </a:fld>
             <a:endParaRPr lang="en-US" dirty="0"/>
           </a:p>
@@ -4255,6 +4751,18 @@
   <p:clrMapOvr>
     <a:masterClrMapping/>
   </p:clrMapOvr>
+  <mc:AlternateContent xmlns:mc="http://schemas.openxmlformats.org/markup-compatibility/2006" xmlns:p14="http://schemas.microsoft.com/office/powerpoint/2010/main">
+    <mc:Choice Requires="p14">
+      <p:transition spd="slow" p14:dur="4000">
+        <p14:vortex dir="r"/>
+      </p:transition>
+    </mc:Choice>
+    <mc:Fallback xmlns="">
+      <p:transition xmlns:p14="http://schemas.microsoft.com/office/powerpoint/2010/main" spd="slow">
+        <p:fade/>
+      </p:transition>
+    </mc:Fallback>
+  </mc:AlternateContent>
 </p:sldLayout>
 </file>
 
@@ -4316,7 +4824,7 @@
             <a:fld id="{B7C3F878-F5E8-489B-AC8A-64F2A7E22C28}" type="datetimeFigureOut">
               <a:rPr lang="en-US" smtClean="0"/>
               <a:pPr/>
-              <a:t>13-5-7</a:t>
+              <a:t>13-5-9</a:t>
             </a:fld>
             <a:endParaRPr lang="en-US"/>
           </a:p>
@@ -4370,6 +4878,18 @@
   <p:clrMapOvr>
     <a:masterClrMapping/>
   </p:clrMapOvr>
+  <mc:AlternateContent xmlns:mc="http://schemas.openxmlformats.org/markup-compatibility/2006" xmlns:p14="http://schemas.microsoft.com/office/powerpoint/2010/main">
+    <mc:Choice Requires="p14">
+      <p:transition spd="slow" p14:dur="4000">
+        <p14:vortex dir="r"/>
+      </p:transition>
+    </mc:Choice>
+    <mc:Fallback xmlns="">
+      <p:transition xmlns:p14="http://schemas.microsoft.com/office/powerpoint/2010/main" spd="slow">
+        <p:fade/>
+      </p:transition>
+    </mc:Fallback>
+  </mc:AlternateContent>
 </p:sldLayout>
 </file>
 
@@ -4408,7 +4928,7 @@
             <a:fld id="{B7C3F878-F5E8-489B-AC8A-64F2A7E22C28}" type="datetimeFigureOut">
               <a:rPr lang="en-US" smtClean="0"/>
               <a:pPr/>
-              <a:t>13-5-7</a:t>
+              <a:t>13-5-9</a:t>
             </a:fld>
             <a:endParaRPr lang="en-US"/>
           </a:p>
@@ -4462,6 +4982,18 @@
   <p:clrMapOvr>
     <a:masterClrMapping/>
   </p:clrMapOvr>
+  <mc:AlternateContent xmlns:mc="http://schemas.openxmlformats.org/markup-compatibility/2006" xmlns:p14="http://schemas.microsoft.com/office/powerpoint/2010/main">
+    <mc:Choice Requires="p14">
+      <p:transition spd="slow" p14:dur="4000">
+        <p14:vortex dir="r"/>
+      </p:transition>
+    </mc:Choice>
+    <mc:Fallback xmlns="">
+      <p:transition xmlns:p14="http://schemas.microsoft.com/office/powerpoint/2010/main" spd="slow">
+        <p:fade/>
+      </p:transition>
+    </mc:Fallback>
+  </mc:AlternateContent>
 </p:sldLayout>
 </file>
 
@@ -4688,7 +5220,7 @@
             <a:fld id="{B7C3F878-F5E8-489B-AC8A-64F2A7E22C28}" type="datetimeFigureOut">
               <a:rPr lang="en-US" smtClean="0"/>
               <a:pPr/>
-              <a:t>13-5-7</a:t>
+              <a:t>13-5-9</a:t>
             </a:fld>
             <a:endParaRPr lang="en-US"/>
           </a:p>
@@ -4742,6 +5274,18 @@
   <p:clrMapOvr>
     <a:masterClrMapping/>
   </p:clrMapOvr>
+  <mc:AlternateContent xmlns:mc="http://schemas.openxmlformats.org/markup-compatibility/2006" xmlns:p14="http://schemas.microsoft.com/office/powerpoint/2010/main">
+    <mc:Choice Requires="p14">
+      <p:transition spd="slow" p14:dur="4000">
+        <p14:vortex dir="r"/>
+      </p:transition>
+    </mc:Choice>
+    <mc:Fallback xmlns="">
+      <p:transition xmlns:p14="http://schemas.microsoft.com/office/powerpoint/2010/main" spd="slow">
+        <p:fade/>
+      </p:transition>
+    </mc:Fallback>
+  </mc:AlternateContent>
 </p:sldLayout>
 </file>
 
@@ -4883,7 +5427,7 @@
             <a:fld id="{B7C3F878-F5E8-489B-AC8A-64F2A7E22C28}" type="datetimeFigureOut">
               <a:rPr lang="en-US" smtClean="0"/>
               <a:pPr/>
-              <a:t>13-5-7</a:t>
+              <a:t>13-5-9</a:t>
             </a:fld>
             <a:endParaRPr lang="en-US"/>
           </a:p>
@@ -5120,6 +5664,18 @@
   <p:clrMapOvr>
     <a:masterClrMapping/>
   </p:clrMapOvr>
+  <mc:AlternateContent xmlns:mc="http://schemas.openxmlformats.org/markup-compatibility/2006" xmlns:p14="http://schemas.microsoft.com/office/powerpoint/2010/main">
+    <mc:Choice Requires="p14">
+      <p:transition spd="slow" p14:dur="4000">
+        <p14:vortex dir="r"/>
+      </p:transition>
+    </mc:Choice>
+    <mc:Fallback xmlns="">
+      <p:transition xmlns:p14="http://schemas.microsoft.com/office/powerpoint/2010/main" spd="slow">
+        <p:fade/>
+      </p:transition>
+    </mc:Fallback>
+  </mc:AlternateContent>
 </p:sldLayout>
 </file>
 
@@ -5627,7 +6183,7 @@
             <a:fld id="{B7C3F878-F5E8-489B-AC8A-64F2A7E22C28}" type="datetimeFigureOut">
               <a:rPr lang="en-US" smtClean="0"/>
               <a:pPr/>
-              <a:t>13-5-7</a:t>
+              <a:t>13-5-9</a:t>
             </a:fld>
             <a:endParaRPr lang="en-US" dirty="0"/>
           </a:p>
@@ -5681,6 +6237,18 @@
   <p:clrMapOvr>
     <a:masterClrMapping/>
   </p:clrMapOvr>
+  <mc:AlternateContent xmlns:mc="http://schemas.openxmlformats.org/markup-compatibility/2006" xmlns:p14="http://schemas.microsoft.com/office/powerpoint/2010/main">
+    <mc:Choice Requires="p14">
+      <p:transition spd="slow" p14:dur="4000">
+        <p14:vortex dir="r"/>
+      </p:transition>
+    </mc:Choice>
+    <mc:Fallback xmlns="">
+      <p:transition xmlns:p14="http://schemas.microsoft.com/office/powerpoint/2010/main" spd="slow">
+        <p:fade/>
+      </p:transition>
+    </mc:Fallback>
+  </mc:AlternateContent>
 </p:sldLayout>
 </file>
 
@@ -5967,7 +6535,7 @@
             <a:fld id="{B7C3F878-F5E8-489B-AC8A-64F2A7E22C28}" type="datetimeFigureOut">
               <a:rPr lang="en-US" smtClean="0"/>
               <a:pPr/>
-              <a:t>13-5-7</a:t>
+              <a:t>13-5-9</a:t>
             </a:fld>
             <a:endParaRPr lang="en-US" dirty="0"/>
           </a:p>
@@ -6059,6 +6627,18 @@
   <p:clrMapOvr>
     <a:masterClrMapping/>
   </p:clrMapOvr>
+  <mc:AlternateContent xmlns:mc="http://schemas.openxmlformats.org/markup-compatibility/2006" xmlns:p14="http://schemas.microsoft.com/office/powerpoint/2010/main">
+    <mc:Choice Requires="p14">
+      <p:transition spd="slow" p14:dur="4000">
+        <p14:vortex dir="r"/>
+      </p:transition>
+    </mc:Choice>
+    <mc:Fallback xmlns="">
+      <p:transition xmlns:p14="http://schemas.microsoft.com/office/powerpoint/2010/main" spd="slow">
+        <p:fade/>
+      </p:transition>
+    </mc:Fallback>
+  </mc:AlternateContent>
 </p:sldLayout>
 </file>
 
@@ -6566,7 +7146,7 @@
             <a:fld id="{B7C3F878-F5E8-489B-AC8A-64F2A7E22C28}" type="datetimeFigureOut">
               <a:rPr lang="en-US" smtClean="0"/>
               <a:pPr/>
-              <a:t>13-5-7</a:t>
+              <a:t>13-5-9</a:t>
             </a:fld>
             <a:endParaRPr lang="en-US" dirty="0"/>
           </a:p>
@@ -6620,6 +7200,18 @@
   <p:clrMapOvr>
     <a:masterClrMapping/>
   </p:clrMapOvr>
+  <mc:AlternateContent xmlns:mc="http://schemas.openxmlformats.org/markup-compatibility/2006" xmlns:p14="http://schemas.microsoft.com/office/powerpoint/2010/main">
+    <mc:Choice Requires="p14">
+      <p:transition spd="slow" p14:dur="4000">
+        <p14:vortex dir="r"/>
+      </p:transition>
+    </mc:Choice>
+    <mc:Fallback xmlns="">
+      <p:transition xmlns:p14="http://schemas.microsoft.com/office/powerpoint/2010/main" spd="slow">
+        <p:fade/>
+      </p:transition>
+    </mc:Fallback>
+  </mc:AlternateContent>
 </p:sldLayout>
 </file>
 
@@ -6751,7 +7343,7 @@
             <a:fld id="{B7C3F878-F5E8-489B-AC8A-64F2A7E22C28}" type="datetimeFigureOut">
               <a:rPr lang="en-US" smtClean="0"/>
               <a:pPr/>
-              <a:t>13-5-7</a:t>
+              <a:t>13-5-9</a:t>
             </a:fld>
             <a:endParaRPr lang="en-US"/>
           </a:p>
@@ -6805,6 +7397,18 @@
   <p:clrMapOvr>
     <a:masterClrMapping/>
   </p:clrMapOvr>
+  <mc:AlternateContent xmlns:mc="http://schemas.openxmlformats.org/markup-compatibility/2006" xmlns:p14="http://schemas.microsoft.com/office/powerpoint/2010/main">
+    <mc:Choice Requires="p14">
+      <p:transition spd="slow" p14:dur="4000">
+        <p14:vortex dir="r"/>
+      </p:transition>
+    </mc:Choice>
+    <mc:Fallback xmlns="">
+      <p:transition xmlns:p14="http://schemas.microsoft.com/office/powerpoint/2010/main" spd="slow">
+        <p:fade/>
+      </p:transition>
+    </mc:Fallback>
+  </mc:AlternateContent>
 </p:sldLayout>
 </file>
 
@@ -6922,7 +7526,7 @@
             <a:fld id="{B7C3F878-F5E8-489B-AC8A-64F2A7E22C28}" type="datetimeFigureOut">
               <a:rPr lang="en-US" smtClean="0"/>
               <a:pPr/>
-              <a:t>13-5-7</a:t>
+              <a:t>13-5-9</a:t>
             </a:fld>
             <a:endParaRPr lang="en-US"/>
           </a:p>
@@ -6976,6 +7580,18 @@
   <p:clrMapOvr>
     <a:masterClrMapping/>
   </p:clrMapOvr>
+  <mc:AlternateContent xmlns:mc="http://schemas.openxmlformats.org/markup-compatibility/2006" xmlns:p14="http://schemas.microsoft.com/office/powerpoint/2010/main">
+    <mc:Choice Requires="p14">
+      <p:transition spd="slow" p14:dur="4000">
+        <p14:vortex dir="r"/>
+      </p:transition>
+    </mc:Choice>
+    <mc:Fallback xmlns="">
+      <p:transition xmlns:p14="http://schemas.microsoft.com/office/powerpoint/2010/main" spd="slow">
+        <p:fade/>
+      </p:transition>
+    </mc:Fallback>
+  </mc:AlternateContent>
 </p:sldLayout>
 </file>
 
@@ -7117,7 +7733,7 @@
             <a:fld id="{B7C3F878-F5E8-489B-AC8A-64F2A7E22C28}" type="datetimeFigureOut">
               <a:rPr lang="en-US" smtClean="0"/>
               <a:pPr/>
-              <a:t>13-5-7</a:t>
+              <a:t>13-5-9</a:t>
             </a:fld>
             <a:endParaRPr lang="en-US"/>
           </a:p>
@@ -7171,6 +7787,18 @@
   <p:clrMapOvr>
     <a:masterClrMapping/>
   </p:clrMapOvr>
+  <mc:AlternateContent xmlns:mc="http://schemas.openxmlformats.org/markup-compatibility/2006" xmlns:p14="http://schemas.microsoft.com/office/powerpoint/2010/main">
+    <mc:Choice Requires="p14">
+      <p:transition spd="slow" p14:dur="4000">
+        <p14:vortex dir="r"/>
+      </p:transition>
+    </mc:Choice>
+    <mc:Fallback xmlns="">
+      <p:transition xmlns:p14="http://schemas.microsoft.com/office/powerpoint/2010/main" spd="slow">
+        <p:fade/>
+      </p:transition>
+    </mc:Fallback>
+  </mc:AlternateContent>
 </p:sldLayout>
 </file>
 
@@ -7538,7 +8166,7 @@
             <a:fld id="{B7C3F878-F5E8-489B-AC8A-64F2A7E22C28}" type="datetimeFigureOut">
               <a:rPr lang="en-US" smtClean="0"/>
               <a:pPr/>
-              <a:t>13-5-7</a:t>
+              <a:t>13-5-9</a:t>
             </a:fld>
             <a:endParaRPr lang="en-US" dirty="0"/>
           </a:p>
@@ -7615,6 +8243,18 @@
   <p:clrMapOvr>
     <a:overrideClrMapping bg1="lt1" tx1="dk1" bg2="lt2" tx2="dk2" accent1="accent1" accent2="accent2" accent3="accent3" accent4="accent4" accent5="accent5" accent6="accent6" hlink="hlink" folHlink="folHlink"/>
   </p:clrMapOvr>
+  <mc:AlternateContent xmlns:mc="http://schemas.openxmlformats.org/markup-compatibility/2006" xmlns:p14="http://schemas.microsoft.com/office/powerpoint/2010/main">
+    <mc:Choice Requires="p14">
+      <p:transition spd="slow" p14:dur="4000">
+        <p14:vortex dir="r"/>
+      </p:transition>
+    </mc:Choice>
+    <mc:Fallback xmlns="">
+      <p:transition xmlns:p14="http://schemas.microsoft.com/office/powerpoint/2010/main" spd="slow">
+        <p:fade/>
+      </p:transition>
+    </mc:Fallback>
+  </mc:AlternateContent>
 </p:sldLayout>
 </file>
 
@@ -7838,7 +8478,7 @@
             <a:fld id="{B7C3F878-F5E8-489B-AC8A-64F2A7E22C28}" type="datetimeFigureOut">
               <a:rPr lang="en-US" smtClean="0"/>
               <a:pPr/>
-              <a:t>13-5-7</a:t>
+              <a:t>13-5-9</a:t>
             </a:fld>
             <a:endParaRPr lang="en-US"/>
           </a:p>
@@ -7892,6 +8532,18 @@
   <p:clrMapOvr>
     <a:overrideClrMapping bg1="lt1" tx1="dk1" bg2="lt2" tx2="dk2" accent1="accent1" accent2="accent2" accent3="accent3" accent4="accent4" accent5="accent5" accent6="accent6" hlink="hlink" folHlink="folHlink"/>
   </p:clrMapOvr>
+  <mc:AlternateContent xmlns:mc="http://schemas.openxmlformats.org/markup-compatibility/2006" xmlns:p14="http://schemas.microsoft.com/office/powerpoint/2010/main">
+    <mc:Choice Requires="p14">
+      <p:transition spd="slow" p14:dur="4000">
+        <p14:vortex dir="r"/>
+      </p:transition>
+    </mc:Choice>
+    <mc:Fallback xmlns="">
+      <p:transition xmlns:p14="http://schemas.microsoft.com/office/powerpoint/2010/main" spd="slow">
+        <p:fade/>
+      </p:transition>
+    </mc:Fallback>
+  </mc:AlternateContent>
 </p:sldLayout>
 </file>
 
@@ -8241,7 +8893,7 @@
             <a:fld id="{B7C3F878-F5E8-489B-AC8A-64F2A7E22C28}" type="datetimeFigureOut">
               <a:rPr lang="en-US" smtClean="0"/>
               <a:pPr/>
-              <a:t>13-5-7</a:t>
+              <a:t>13-5-9</a:t>
             </a:fld>
             <a:endParaRPr lang="en-US" dirty="0"/>
           </a:p>
@@ -8295,6 +8947,18 @@
   <p:clrMapOvr>
     <a:overrideClrMapping bg1="lt1" tx1="dk1" bg2="lt2" tx2="dk2" accent1="accent1" accent2="accent2" accent3="accent3" accent4="accent4" accent5="accent5" accent6="accent6" hlink="hlink" folHlink="folHlink"/>
   </p:clrMapOvr>
+  <mc:AlternateContent xmlns:mc="http://schemas.openxmlformats.org/markup-compatibility/2006" xmlns:p14="http://schemas.microsoft.com/office/powerpoint/2010/main">
+    <mc:Choice Requires="p14">
+      <p:transition spd="slow" p14:dur="4000">
+        <p14:vortex dir="r"/>
+      </p:transition>
+    </mc:Choice>
+    <mc:Fallback xmlns="">
+      <p:transition xmlns:p14="http://schemas.microsoft.com/office/powerpoint/2010/main" spd="slow">
+        <p:fade/>
+      </p:transition>
+    </mc:Fallback>
+  </mc:AlternateContent>
 </p:sldLayout>
 </file>
 
@@ -8633,7 +9297,7 @@
             <a:fld id="{B7C3F878-F5E8-489B-AC8A-64F2A7E22C28}" type="datetimeFigureOut">
               <a:rPr lang="en-US" smtClean="0"/>
               <a:pPr/>
-              <a:t>13-5-7</a:t>
+              <a:t>13-5-9</a:t>
             </a:fld>
             <a:endParaRPr lang="en-US" dirty="0"/>
           </a:p>
@@ -8687,6 +9351,18 @@
   <p:clrMapOvr>
     <a:masterClrMapping/>
   </p:clrMapOvr>
+  <mc:AlternateContent xmlns:mc="http://schemas.openxmlformats.org/markup-compatibility/2006" xmlns:p14="http://schemas.microsoft.com/office/powerpoint/2010/main">
+    <mc:Choice Requires="p14">
+      <p:transition spd="slow" p14:dur="4000">
+        <p14:vortex dir="r"/>
+      </p:transition>
+    </mc:Choice>
+    <mc:Fallback xmlns="">
+      <p:transition xmlns:p14="http://schemas.microsoft.com/office/powerpoint/2010/main" spd="slow">
+        <p:fade/>
+      </p:transition>
+    </mc:Fallback>
+  </mc:AlternateContent>
 </p:sldLayout>
 </file>
 
@@ -8918,7 +9594,7 @@
             <a:fld id="{B7C3F878-F5E8-489B-AC8A-64F2A7E22C28}" type="datetimeFigureOut">
               <a:rPr lang="en-US" smtClean="0"/>
               <a:pPr/>
-              <a:t>13-5-7</a:t>
+              <a:t>13-5-9</a:t>
             </a:fld>
             <a:endParaRPr lang="en-US"/>
           </a:p>
@@ -8972,6 +9648,18 @@
   <p:clrMapOvr>
     <a:masterClrMapping/>
   </p:clrMapOvr>
+  <mc:AlternateContent xmlns:mc="http://schemas.openxmlformats.org/markup-compatibility/2006" xmlns:p14="http://schemas.microsoft.com/office/powerpoint/2010/main">
+    <mc:Choice Requires="p14">
+      <p:transition spd="slow" p14:dur="4000">
+        <p14:vortex dir="r"/>
+      </p:transition>
+    </mc:Choice>
+    <mc:Fallback xmlns="">
+      <p:transition xmlns:p14="http://schemas.microsoft.com/office/powerpoint/2010/main" spd="slow">
+        <p:fade/>
+      </p:transition>
+    </mc:Fallback>
+  </mc:AlternateContent>
 </p:sldLayout>
 </file>
 
@@ -9359,7 +10047,7 @@
             <a:fld id="{B7C3F878-F5E8-489B-AC8A-64F2A7E22C28}" type="datetimeFigureOut">
               <a:rPr lang="en-US" smtClean="0"/>
               <a:pPr/>
-              <a:t>13-5-7</a:t>
+              <a:t>13-5-9</a:t>
             </a:fld>
             <a:endParaRPr lang="en-US"/>
           </a:p>
@@ -9509,6 +10197,18 @@
   <p:clrMapOvr>
     <a:masterClrMapping/>
   </p:clrMapOvr>
+  <mc:AlternateContent xmlns:mc="http://schemas.openxmlformats.org/markup-compatibility/2006" xmlns:p14="http://schemas.microsoft.com/office/powerpoint/2010/main">
+    <mc:Choice Requires="p14">
+      <p:transition spd="slow" p14:dur="4000">
+        <p14:vortex dir="r"/>
+      </p:transition>
+    </mc:Choice>
+    <mc:Fallback xmlns="">
+      <p:transition xmlns:p14="http://schemas.microsoft.com/office/powerpoint/2010/main" spd="slow">
+        <p:fade/>
+      </p:transition>
+    </mc:Fallback>
+  </mc:AlternateContent>
 </p:sldLayout>
 </file>
 
@@ -9655,7 +10355,7 @@
             <a:fld id="{B7C3F878-F5E8-489B-AC8A-64F2A7E22C28}" type="datetimeFigureOut">
               <a:rPr lang="en-US" smtClean="0"/>
               <a:pPr/>
-              <a:t>13-5-7</a:t>
+              <a:t>13-5-9</a:t>
             </a:fld>
             <a:endParaRPr lang="en-US" dirty="0"/>
           </a:p>
@@ -9794,6 +10494,18 @@
   <p:clrMapOvr>
     <a:masterClrMapping/>
   </p:clrMapOvr>
+  <mc:AlternateContent xmlns:mc="http://schemas.openxmlformats.org/markup-compatibility/2006" xmlns:p14="http://schemas.microsoft.com/office/powerpoint/2010/main">
+    <mc:Choice Requires="p14">
+      <p:transition spd="slow" p14:dur="4000">
+        <p14:vortex dir="r"/>
+      </p:transition>
+    </mc:Choice>
+    <mc:Fallback xmlns="">
+      <p:transition xmlns:p14="http://schemas.microsoft.com/office/powerpoint/2010/main" spd="slow">
+        <p:fade/>
+      </p:transition>
+    </mc:Fallback>
+  </mc:AlternateContent>
 </p:sldLayout>
 </file>
 
@@ -9949,7 +10661,7 @@
             <a:fld id="{B7C3F878-F5E8-489B-AC8A-64F2A7E22C28}" type="datetimeFigureOut">
               <a:rPr lang="en-US" smtClean="0"/>
               <a:pPr/>
-              <a:t>13-5-7</a:t>
+              <a:t>13-5-9</a:t>
             </a:fld>
             <a:endParaRPr lang="en-US" dirty="0"/>
           </a:p>
@@ -10069,6 +10781,18 @@
     <p:sldLayoutId id="2147483961" r:id="rId19"/>
     <p:sldLayoutId id="2147483962" r:id="rId20"/>
   </p:sldLayoutIdLst>
+  <mc:AlternateContent xmlns:mc="http://schemas.openxmlformats.org/markup-compatibility/2006" xmlns:p14="http://schemas.microsoft.com/office/powerpoint/2010/main">
+    <mc:Choice Requires="p14">
+      <p:transition spd="slow" p14:dur="4000">
+        <p14:vortex dir="r"/>
+      </p:transition>
+    </mc:Choice>
+    <mc:Fallback xmlns="">
+      <p:transition xmlns:p14="http://schemas.microsoft.com/office/powerpoint/2010/main" spd="slow">
+        <p:fade/>
+      </p:transition>
+    </mc:Fallback>
+  </mc:AlternateContent>
   <p:txStyles>
     <p:titleStyle>
       <a:lvl1pPr algn="ctr" defTabSz="914400" rtl="0" eaLnBrk="1" latinLnBrk="0" hangingPunct="1">
@@ -10390,14 +11114,14 @@
           <a:lstStyle/>
           <a:p>
             <a:r>
-              <a:rPr kumimoji="1" lang="zh-CN" altLang="en-US" dirty="0" smtClean="0">
+              <a:rPr kumimoji="1" lang="zh-CN" altLang="en-US" b="1" dirty="0" smtClean="0">
                 <a:latin typeface="微软雅黑"/>
                 <a:ea typeface="微软雅黑"/>
                 <a:cs typeface="微软雅黑"/>
               </a:rPr>
               <a:t>前端组件库系统</a:t>
             </a:r>
-            <a:endParaRPr kumimoji="1" lang="zh-CN" altLang="en-US" dirty="0">
+            <a:endParaRPr kumimoji="1" lang="zh-CN" altLang="en-US" b="1" dirty="0">
               <a:latin typeface="微软雅黑"/>
               <a:ea typeface="微软雅黑"/>
               <a:cs typeface="微软雅黑"/>
@@ -10415,23 +11139,96 @@
             <p:ph type="subTitle" idx="1"/>
           </p:nvPr>
         </p:nvSpPr>
-        <p:spPr/>
+        <p:spPr>
+          <a:xfrm>
+            <a:off x="2209800" y="5210159"/>
+            <a:ext cx="6477000" cy="1174088"/>
+          </a:xfrm>
+        </p:spPr>
         <p:txBody>
-          <a:bodyPr/>
+          <a:bodyPr>
+            <a:normAutofit/>
+          </a:bodyPr>
           <a:lstStyle/>
           <a:p>
             <a:r>
-              <a:rPr kumimoji="1" lang="en-US" altLang="zh-CN" dirty="0" smtClean="0">
-                <a:latin typeface="微软雅黑"/>
+              <a:rPr kumimoji="1" lang="en-US" altLang="zh-CN" sz="2800" b="1" dirty="0" smtClean="0">
+                <a:ln w="17780" cmpd="sng">
+                  <a:solidFill>
+                    <a:schemeClr val="accent1">
+                      <a:tint val="3000"/>
+                    </a:schemeClr>
+                  </a:solidFill>
+                  <a:prstDash val="solid"/>
+                  <a:miter lim="800000"/>
+                </a:ln>
+                <a:gradFill>
+                  <a:gsLst>
+                    <a:gs pos="10000">
+                      <a:schemeClr val="accent1">
+                        <a:tint val="63000"/>
+                        <a:sat val="105000"/>
+                      </a:schemeClr>
+                    </a:gs>
+                    <a:gs pos="90000">
+                      <a:schemeClr val="accent1">
+                        <a:shade val="50000"/>
+                        <a:satMod val="100000"/>
+                      </a:schemeClr>
+                    </a:gs>
+                  </a:gsLst>
+                  <a:lin ang="5400000"/>
+                </a:gradFill>
+                <a:effectLst>
+                  <a:outerShdw blurRad="55000" dist="50800" dir="5400000" algn="tl">
+                    <a:srgbClr val="000000">
+                      <a:alpha val="33000"/>
+                    </a:srgbClr>
+                  </a:outerShdw>
+                </a:effectLst>
+                <a:latin typeface="Arial Rounded MT Bold"/>
                 <a:ea typeface="微软雅黑"/>
-                <a:cs typeface="微软雅黑"/>
+                <a:cs typeface="Arial Rounded MT Bold"/>
               </a:rPr>
               <a:t>V1.1</a:t>
             </a:r>
-            <a:endParaRPr kumimoji="1" lang="zh-CN" altLang="en-US" dirty="0">
-              <a:latin typeface="微软雅黑"/>
+            <a:endParaRPr kumimoji="1" lang="zh-CN" altLang="en-US" sz="2800" b="1" dirty="0">
+              <a:ln w="17780" cmpd="sng">
+                <a:solidFill>
+                  <a:schemeClr val="accent1">
+                    <a:tint val="3000"/>
+                  </a:schemeClr>
+                </a:solidFill>
+                <a:prstDash val="solid"/>
+                <a:miter lim="800000"/>
+              </a:ln>
+              <a:gradFill>
+                <a:gsLst>
+                  <a:gs pos="10000">
+                    <a:schemeClr val="accent1">
+                      <a:tint val="63000"/>
+                      <a:sat val="105000"/>
+                    </a:schemeClr>
+                  </a:gs>
+                  <a:gs pos="90000">
+                    <a:schemeClr val="accent1">
+                      <a:shade val="50000"/>
+                      <a:satMod val="100000"/>
+                    </a:schemeClr>
+                  </a:gs>
+                </a:gsLst>
+                <a:lin ang="5400000"/>
+              </a:gradFill>
+              <a:effectLst>
+                <a:outerShdw blurRad="55000" dist="50800" dir="5400000" algn="tl">
+                  <a:srgbClr val="000000">
+                    <a:alpha val="33000"/>
+                  </a:srgbClr>
+                </a:outerShdw>
+              </a:effectLst>
+              <a:latin typeface="Arial Rounded MT Bold"/>
               <a:ea typeface="微软雅黑"/>
-              <a:cs typeface="微软雅黑"/>
+              <a:cs typeface="Arial Rounded MT Bold"/>
             </a:endParaRPr>
           </a:p>
         </p:txBody>
@@ -10446,6 +11243,18 @@
   <p:clrMapOvr>
     <a:masterClrMapping/>
   </p:clrMapOvr>
+  <mc:AlternateContent xmlns:mc="http://schemas.openxmlformats.org/markup-compatibility/2006" xmlns:p14="http://schemas.microsoft.com/office/powerpoint/2010/main">
+    <mc:Choice Requires="p14">
+      <p:transition spd="slow" p14:dur="4000">
+        <p14:vortex dir="r"/>
+      </p:transition>
+    </mc:Choice>
+    <mc:Fallback xmlns="">
+      <p:transition xmlns:p14="http://schemas.microsoft.com/office/powerpoint/2010/main" spd="slow">
+        <p:fade/>
+      </p:transition>
+    </mc:Fallback>
+  </mc:AlternateContent>
   <p:timing>
     <p:tnLst>
       <p:par>
@@ -10565,6 +11374,36 @@
           </a:p>
         </p:txBody>
       </p:sp>
+      <p:pic>
+        <p:nvPicPr>
+          <p:cNvPr id="4" name="图片 3" descr="QQ20130508-5.png"/>
+          <p:cNvPicPr>
+            <a:picLocks noChangeAspect="1"/>
+          </p:cNvPicPr>
+          <p:nvPr/>
+        </p:nvPicPr>
+        <p:blipFill>
+          <a:blip r:embed="rId3">
+            <a:extLst>
+              <a:ext uri="{28A0092B-C50C-407E-A947-70E740481C1C}">
+                <a14:useLocalDpi xmlns:a14="http://schemas.microsoft.com/office/drawing/2010/main" val="0"/>
+              </a:ext>
+            </a:extLst>
+          </a:blip>
+          <a:stretch>
+            <a:fillRect/>
+          </a:stretch>
+        </p:blipFill>
+        <p:spPr>
+          <a:xfrm>
+            <a:off x="1897877" y="2454958"/>
+            <a:ext cx="5958775" cy="3937236"/>
+          </a:xfrm>
+          <a:prstGeom prst="rect">
+            <a:avLst/>
+          </a:prstGeom>
+        </p:spPr>
+      </p:pic>
     </p:spTree>
     <p:extLst>
       <p:ext uri="{BB962C8B-B14F-4D97-AF65-F5344CB8AC3E}">
@@ -10575,10 +11414,98 @@
   <p:clrMapOvr>
     <a:masterClrMapping/>
   </p:clrMapOvr>
+  <mc:AlternateContent xmlns:mc="http://schemas.openxmlformats.org/markup-compatibility/2006" xmlns:p14="http://schemas.microsoft.com/office/powerpoint/2010/main">
+    <mc:Choice Requires="p14">
+      <p:transition spd="slow" p14:dur="4000">
+        <p14:vortex dir="r"/>
+      </p:transition>
+    </mc:Choice>
+    <mc:Fallback xmlns="">
+      <p:transition xmlns:p14="http://schemas.microsoft.com/office/powerpoint/2010/main" spd="slow">
+        <p:fade/>
+      </p:transition>
+    </mc:Fallback>
+  </mc:AlternateContent>
   <p:timing>
     <p:tnLst>
       <p:par>
-        <p:cTn xmlns:p14="http://schemas.microsoft.com/office/powerpoint/2010/main" id="1" dur="indefinite" restart="never" nodeType="tmRoot"/>
+        <p:cTn xmlns:p14="http://schemas.microsoft.com/office/powerpoint/2010/main" id="1" dur="indefinite" restart="never" nodeType="tmRoot">
+          <p:childTnLst>
+            <p:seq concurrent="1" nextAc="seek">
+              <p:cTn id="2" dur="indefinite" nodeType="mainSeq">
+                <p:childTnLst>
+                  <p:par>
+                    <p:cTn id="3" fill="hold">
+                      <p:stCondLst>
+                        <p:cond delay="indefinite"/>
+                      </p:stCondLst>
+                      <p:childTnLst>
+                        <p:par>
+                          <p:cTn id="4" fill="hold">
+                            <p:stCondLst>
+                              <p:cond delay="0"/>
+                            </p:stCondLst>
+                            <p:childTnLst>
+                              <p:par>
+                                <p:cTn id="5" presetID="9" presetClass="entr" presetSubtype="0" fill="hold" nodeType="clickEffect">
+                                  <p:stCondLst>
+                                    <p:cond delay="0"/>
+                                  </p:stCondLst>
+                                  <p:childTnLst>
+                                    <p:set>
+                                      <p:cBhvr>
+                                        <p:cTn id="6" dur="1" fill="hold">
+                                          <p:stCondLst>
+                                            <p:cond delay="0"/>
+                                          </p:stCondLst>
+                                        </p:cTn>
+                                        <p:tgtEl>
+                                          <p:spTgt spid="4"/>
+                                        </p:tgtEl>
+                                        <p:attrNameLst>
+                                          <p:attrName>style.visibility</p:attrName>
+                                        </p:attrNameLst>
+                                      </p:cBhvr>
+                                      <p:to>
+                                        <p:strVal val="visible"/>
+                                      </p:to>
+                                    </p:set>
+                                    <p:animEffect transition="in" filter="dissolve">
+                                      <p:cBhvr>
+                                        <p:cTn id="7" dur="500"/>
+                                        <p:tgtEl>
+                                          <p:spTgt spid="4"/>
+                                        </p:tgtEl>
+                                      </p:cBhvr>
+                                    </p:animEffect>
+                                  </p:childTnLst>
+                                </p:cTn>
+                              </p:par>
+                            </p:childTnLst>
+                          </p:cTn>
+                        </p:par>
+                      </p:childTnLst>
+                    </p:cTn>
+                  </p:par>
+                </p:childTnLst>
+              </p:cTn>
+              <p:prevCondLst>
+                <p:cond evt="onPrev" delay="0">
+                  <p:tgtEl>
+                    <p:sldTgt/>
+                  </p:tgtEl>
+                </p:cond>
+              </p:prevCondLst>
+              <p:nextCondLst>
+                <p:cond evt="onNext" delay="0">
+                  <p:tgtEl>
+                    <p:sldTgt/>
+                  </p:tgtEl>
+                </p:cond>
+              </p:nextCondLst>
+            </p:seq>
+          </p:childTnLst>
+        </p:cTn>
       </p:par>
     </p:tnLst>
   </p:timing>
@@ -10779,6 +11706,18 @@
   <p:clrMapOvr>
     <a:masterClrMapping/>
   </p:clrMapOvr>
+  <mc:AlternateContent xmlns:mc="http://schemas.openxmlformats.org/markup-compatibility/2006" xmlns:p14="http://schemas.microsoft.com/office/powerpoint/2010/main">
+    <mc:Choice Requires="p14">
+      <p:transition spd="slow" p14:dur="4000">
+        <p14:vortex dir="r"/>
+      </p:transition>
+    </mc:Choice>
+    <mc:Fallback xmlns="">
+      <p:transition xmlns:p14="http://schemas.microsoft.com/office/powerpoint/2010/main" spd="slow">
+        <p:fade/>
+      </p:transition>
+    </mc:Fallback>
+  </mc:AlternateContent>
   <p:timing>
     <p:tnLst>
       <p:par>
@@ -11902,6 +12841,18 @@
   <p:clrMapOvr>
     <a:masterClrMapping/>
   </p:clrMapOvr>
+  <mc:AlternateContent xmlns:mc="http://schemas.openxmlformats.org/markup-compatibility/2006" xmlns:p14="http://schemas.microsoft.com/office/powerpoint/2010/main">
+    <mc:Choice Requires="p14">
+      <p:transition spd="slow" p14:dur="4000">
+        <p14:vortex dir="r"/>
+      </p:transition>
+    </mc:Choice>
+    <mc:Fallback xmlns="">
+      <p:transition xmlns:p14="http://schemas.microsoft.com/office/powerpoint/2010/main" spd="slow">
+        <p:fade/>
+      </p:transition>
+    </mc:Fallback>
+  </mc:AlternateContent>
   <p:timing>
     <p:tnLst>
       <p:par>
@@ -11923,14 +12874,193 @@
                             </p:stCondLst>
                             <p:childTnLst>
                               <p:par>
-                                <p:cTn id="5" presetID="3" presetClass="entr" presetSubtype="10" fill="hold" nodeType="clickEffect">
+                                <p:cTn id="5" presetID="38" presetClass="entr" presetSubtype="0" accel="50000" fill="hold" grpId="0" nodeType="clickEffect">
+                                  <p:stCondLst>
+                                    <p:cond delay="0"/>
+                                  </p:stCondLst>
+                                  <p:iterate type="lt">
+                                    <p:tmPct val="50000"/>
+                                  </p:iterate>
+                                  <p:childTnLst>
+                                    <p:set>
+                                      <p:cBhvr>
+                                        <p:cTn id="6" dur="1" fill="hold">
+                                          <p:stCondLst>
+                                            <p:cond delay="0"/>
+                                          </p:stCondLst>
+                                        </p:cTn>
+                                        <p:tgtEl>
+                                          <p:spTgt spid="5"/>
+                                        </p:tgtEl>
+                                        <p:attrNameLst>
+                                          <p:attrName>style.visibility</p:attrName>
+                                        </p:attrNameLst>
+                                      </p:cBhvr>
+                                      <p:to>
+                                        <p:strVal val="visible"/>
+                                      </p:to>
+                                    </p:set>
+                                    <p:set>
+                                      <p:cBhvr>
+                                        <p:cTn id="7" dur="455" fill="hold">
+                                          <p:stCondLst>
+                                            <p:cond delay="0"/>
+                                          </p:stCondLst>
+                                        </p:cTn>
+                                        <p:tgtEl>
+                                          <p:spTgt spid="5"/>
+                                        </p:tgtEl>
+                                        <p:attrNameLst>
+                                          <p:attrName>style.rotation</p:attrName>
+                                        </p:attrNameLst>
+                                      </p:cBhvr>
+                                      <p:to>
+                                        <p:strVal val="-45.0"/>
+                                      </p:to>
+                                    </p:set>
+                                    <p:anim calcmode="lin" valueType="num">
+                                      <p:cBhvr>
+                                        <p:cTn id="8" dur="455" fill="hold">
+                                          <p:stCondLst>
+                                            <p:cond delay="455"/>
+                                          </p:stCondLst>
+                                        </p:cTn>
+                                        <p:tgtEl>
+                                          <p:spTgt spid="5"/>
+                                        </p:tgtEl>
+                                        <p:attrNameLst>
+                                          <p:attrName>style.rotation</p:attrName>
+                                        </p:attrNameLst>
+                                      </p:cBhvr>
+                                      <p:tavLst>
+                                        <p:tav tm="0">
+                                          <p:val>
+                                            <p:fltVal val="-45"/>
+                                          </p:val>
+                                        </p:tav>
+                                        <p:tav tm="69900">
+                                          <p:val>
+                                            <p:fltVal val="45"/>
+                                          </p:val>
+                                        </p:tav>
+                                        <p:tav tm="100000">
+                                          <p:val>
+                                            <p:fltVal val="0"/>
+                                          </p:val>
+                                        </p:tav>
+                                      </p:tavLst>
+                                    </p:anim>
+                                    <p:anim calcmode="lin" valueType="num">
+                                      <p:cBhvr>
+                                        <p:cTn id="9" dur="455" fill="hold">
+                                          <p:stCondLst>
+                                            <p:cond delay="0"/>
+                                          </p:stCondLst>
+                                        </p:cTn>
+                                        <p:tgtEl>
+                                          <p:spTgt spid="5"/>
+                                        </p:tgtEl>
+                                        <p:attrNameLst>
+                                          <p:attrName>ppt_y</p:attrName>
+                                        </p:attrNameLst>
+                                      </p:cBhvr>
+                                      <p:tavLst>
+                                        <p:tav tm="0">
+                                          <p:val>
+                                            <p:strVal val="#ppt_y-1"/>
+                                          </p:val>
+                                        </p:tav>
+                                        <p:tav tm="100000">
+                                          <p:val>
+                                            <p:strVal val="#ppt_y-(0.354*#ppt_w-0.172*#ppt_h)"/>
+                                          </p:val>
+                                        </p:tav>
+                                      </p:tavLst>
+                                    </p:anim>
+                                    <p:anim calcmode="lin" valueType="num">
+                                      <p:cBhvr>
+                                        <p:cTn id="10" dur="156" decel="50000" autoRev="1" fill="hold">
+                                          <p:stCondLst>
+                                            <p:cond delay="455"/>
+                                          </p:stCondLst>
+                                        </p:cTn>
+                                        <p:tgtEl>
+                                          <p:spTgt spid="5"/>
+                                        </p:tgtEl>
+                                        <p:attrNameLst>
+                                          <p:attrName>ppt_y</p:attrName>
+                                        </p:attrNameLst>
+                                      </p:cBhvr>
+                                      <p:tavLst>
+                                        <p:tav tm="0">
+                                          <p:val>
+                                            <p:strVal val="#ppt_y-(0.354*#ppt_w-0.172*#ppt_h)"/>
+                                          </p:val>
+                                        </p:tav>
+                                        <p:tav tm="100000">
+                                          <p:val>
+                                            <p:strVal val="#ppt_y-(0.354*#ppt_w-0.172*#ppt_h)-#ppt_h/2"/>
+                                          </p:val>
+                                        </p:tav>
+                                      </p:tavLst>
+                                    </p:anim>
+                                    <p:anim calcmode="lin" valueType="num">
+                                      <p:cBhvr>
+                                        <p:cTn id="11" dur="136" fill="hold">
+                                          <p:stCondLst>
+                                            <p:cond delay="864"/>
+                                          </p:stCondLst>
+                                        </p:cTn>
+                                        <p:tgtEl>
+                                          <p:spTgt spid="5"/>
+                                        </p:tgtEl>
+                                        <p:attrNameLst>
+                                          <p:attrName>ppt_y</p:attrName>
+                                        </p:attrNameLst>
+                                      </p:cBhvr>
+                                      <p:tavLst>
+                                        <p:tav tm="0">
+                                          <p:val>
+                                            <p:strVal val="#ppt_y-(0.354*#ppt_w-0.172*#ppt_h)"/>
+                                          </p:val>
+                                        </p:tav>
+                                        <p:tav tm="100000">
+                                          <p:val>
+                                            <p:strVal val="#ppt_y"/>
+                                          </p:val>
+                                        </p:tav>
+                                      </p:tavLst>
+                                    </p:anim>
+                                  </p:childTnLst>
+                                </p:cTn>
+                              </p:par>
+                            </p:childTnLst>
+                          </p:cTn>
+                        </p:par>
+                      </p:childTnLst>
+                    </p:cTn>
+                  </p:par>
+                  <p:par>
+                    <p:cTn id="12" fill="hold">
+                      <p:stCondLst>
+                        <p:cond delay="indefinite"/>
+                      </p:stCondLst>
+                      <p:childTnLst>
+                        <p:par>
+                          <p:cTn id="13" fill="hold">
+                            <p:stCondLst>
+                              <p:cond delay="0"/>
+                            </p:stCondLst>
+                            <p:childTnLst>
+                              <p:par>
+                                <p:cTn id="14" presetID="3" presetClass="entr" presetSubtype="10" fill="hold" nodeType="clickEffect">
                                   <p:stCondLst>
                                     <p:cond delay="0"/>
                                   </p:stCondLst>
                                   <p:childTnLst>
                                     <p:set>
                                       <p:cBhvr>
-                                        <p:cTn id="6" dur="1" fill="hold">
+                                        <p:cTn id="15" dur="1" fill="hold">
                                           <p:stCondLst>
                                             <p:cond delay="0"/>
                                           </p:stCondLst>
@@ -11948,7 +13078,7 @@
                                     </p:set>
                                     <p:animEffect transition="in" filter="blinds(horizontal)">
                                       <p:cBhvr>
-                                        <p:cTn id="7" dur="500"/>
+                                        <p:cTn id="16" dur="500"/>
                                         <p:tgtEl>
                                           <p:spTgt spid="4"/>
                                         </p:tgtEl>
@@ -11984,6 +13114,9 @@
         </p:cTn>
       </p:par>
     </p:tnLst>
+    <p:bldLst>
+      <p:bldP spid="5" grpId="0"/>
+    </p:bldLst>
   </p:timing>
 </p:sld>
 </file>
@@ -12125,6 +13258,18 @@
   <p:clrMapOvr>
     <a:masterClrMapping/>
   </p:clrMapOvr>
+  <mc:AlternateContent xmlns:mc="http://schemas.openxmlformats.org/markup-compatibility/2006" xmlns:p14="http://schemas.microsoft.com/office/powerpoint/2010/main">
+    <mc:Choice Requires="p14">
+      <p:transition spd="slow" p14:dur="4000">
+        <p14:vortex dir="r"/>
+      </p:transition>
+    </mc:Choice>
+    <mc:Fallback xmlns="">
+      <p:transition xmlns:p14="http://schemas.microsoft.com/office/powerpoint/2010/main" spd="slow">
+        <p:fade/>
+      </p:transition>
+    </mc:Fallback>
+  </mc:AlternateContent>
   <p:timing>
     <p:tnLst>
       <p:par>
@@ -12146,14 +13291,193 @@
                             </p:stCondLst>
                             <p:childTnLst>
                               <p:par>
-                                <p:cTn id="5" presetID="9" presetClass="entr" presetSubtype="0" fill="hold" grpId="0" nodeType="clickEffect">
+                                <p:cTn id="5" presetID="38" presetClass="entr" presetSubtype="0" accel="50000" fill="hold" grpId="0" nodeType="clickEffect">
+                                  <p:stCondLst>
+                                    <p:cond delay="0"/>
+                                  </p:stCondLst>
+                                  <p:iterate type="lt">
+                                    <p:tmPct val="50000"/>
+                                  </p:iterate>
+                                  <p:childTnLst>
+                                    <p:set>
+                                      <p:cBhvr>
+                                        <p:cTn id="6" dur="1" fill="hold">
+                                          <p:stCondLst>
+                                            <p:cond delay="0"/>
+                                          </p:stCondLst>
+                                        </p:cTn>
+                                        <p:tgtEl>
+                                          <p:spTgt spid="7"/>
+                                        </p:tgtEl>
+                                        <p:attrNameLst>
+                                          <p:attrName>style.visibility</p:attrName>
+                                        </p:attrNameLst>
+                                      </p:cBhvr>
+                                      <p:to>
+                                        <p:strVal val="visible"/>
+                                      </p:to>
+                                    </p:set>
+                                    <p:set>
+                                      <p:cBhvr>
+                                        <p:cTn id="7" dur="455" fill="hold">
+                                          <p:stCondLst>
+                                            <p:cond delay="0"/>
+                                          </p:stCondLst>
+                                        </p:cTn>
+                                        <p:tgtEl>
+                                          <p:spTgt spid="7"/>
+                                        </p:tgtEl>
+                                        <p:attrNameLst>
+                                          <p:attrName>style.rotation</p:attrName>
+                                        </p:attrNameLst>
+                                      </p:cBhvr>
+                                      <p:to>
+                                        <p:strVal val="-45.0"/>
+                                      </p:to>
+                                    </p:set>
+                                    <p:anim calcmode="lin" valueType="num">
+                                      <p:cBhvr>
+                                        <p:cTn id="8" dur="455" fill="hold">
+                                          <p:stCondLst>
+                                            <p:cond delay="455"/>
+                                          </p:stCondLst>
+                                        </p:cTn>
+                                        <p:tgtEl>
+                                          <p:spTgt spid="7"/>
+                                        </p:tgtEl>
+                                        <p:attrNameLst>
+                                          <p:attrName>style.rotation</p:attrName>
+                                        </p:attrNameLst>
+                                      </p:cBhvr>
+                                      <p:tavLst>
+                                        <p:tav tm="0">
+                                          <p:val>
+                                            <p:fltVal val="-45"/>
+                                          </p:val>
+                                        </p:tav>
+                                        <p:tav tm="69900">
+                                          <p:val>
+                                            <p:fltVal val="45"/>
+                                          </p:val>
+                                        </p:tav>
+                                        <p:tav tm="100000">
+                                          <p:val>
+                                            <p:fltVal val="0"/>
+                                          </p:val>
+                                        </p:tav>
+                                      </p:tavLst>
+                                    </p:anim>
+                                    <p:anim calcmode="lin" valueType="num">
+                                      <p:cBhvr>
+                                        <p:cTn id="9" dur="455" fill="hold">
+                                          <p:stCondLst>
+                                            <p:cond delay="0"/>
+                                          </p:stCondLst>
+                                        </p:cTn>
+                                        <p:tgtEl>
+                                          <p:spTgt spid="7"/>
+                                        </p:tgtEl>
+                                        <p:attrNameLst>
+                                          <p:attrName>ppt_y</p:attrName>
+                                        </p:attrNameLst>
+                                      </p:cBhvr>
+                                      <p:tavLst>
+                                        <p:tav tm="0">
+                                          <p:val>
+                                            <p:strVal val="#ppt_y-1"/>
+                                          </p:val>
+                                        </p:tav>
+                                        <p:tav tm="100000">
+                                          <p:val>
+                                            <p:strVal val="#ppt_y-(0.354*#ppt_w-0.172*#ppt_h)"/>
+                                          </p:val>
+                                        </p:tav>
+                                      </p:tavLst>
+                                    </p:anim>
+                                    <p:anim calcmode="lin" valueType="num">
+                                      <p:cBhvr>
+                                        <p:cTn id="10" dur="156" decel="50000" autoRev="1" fill="hold">
+                                          <p:stCondLst>
+                                            <p:cond delay="455"/>
+                                          </p:stCondLst>
+                                        </p:cTn>
+                                        <p:tgtEl>
+                                          <p:spTgt spid="7"/>
+                                        </p:tgtEl>
+                                        <p:attrNameLst>
+                                          <p:attrName>ppt_y</p:attrName>
+                                        </p:attrNameLst>
+                                      </p:cBhvr>
+                                      <p:tavLst>
+                                        <p:tav tm="0">
+                                          <p:val>
+                                            <p:strVal val="#ppt_y-(0.354*#ppt_w-0.172*#ppt_h)"/>
+                                          </p:val>
+                                        </p:tav>
+                                        <p:tav tm="100000">
+                                          <p:val>
+                                            <p:strVal val="#ppt_y-(0.354*#ppt_w-0.172*#ppt_h)-#ppt_h/2"/>
+                                          </p:val>
+                                        </p:tav>
+                                      </p:tavLst>
+                                    </p:anim>
+                                    <p:anim calcmode="lin" valueType="num">
+                                      <p:cBhvr>
+                                        <p:cTn id="11" dur="136" fill="hold">
+                                          <p:stCondLst>
+                                            <p:cond delay="864"/>
+                                          </p:stCondLst>
+                                        </p:cTn>
+                                        <p:tgtEl>
+                                          <p:spTgt spid="7"/>
+                                        </p:tgtEl>
+                                        <p:attrNameLst>
+                                          <p:attrName>ppt_y</p:attrName>
+                                        </p:attrNameLst>
+                                      </p:cBhvr>
+                                      <p:tavLst>
+                                        <p:tav tm="0">
+                                          <p:val>
+                                            <p:strVal val="#ppt_y-(0.354*#ppt_w-0.172*#ppt_h)"/>
+                                          </p:val>
+                                        </p:tav>
+                                        <p:tav tm="100000">
+                                          <p:val>
+                                            <p:strVal val="#ppt_y"/>
+                                          </p:val>
+                                        </p:tav>
+                                      </p:tavLst>
+                                    </p:anim>
+                                  </p:childTnLst>
+                                </p:cTn>
+                              </p:par>
+                            </p:childTnLst>
+                          </p:cTn>
+                        </p:par>
+                      </p:childTnLst>
+                    </p:cTn>
+                  </p:par>
+                  <p:par>
+                    <p:cTn id="12" fill="hold">
+                      <p:stCondLst>
+                        <p:cond delay="indefinite"/>
+                      </p:stCondLst>
+                      <p:childTnLst>
+                        <p:par>
+                          <p:cTn id="13" fill="hold">
+                            <p:stCondLst>
+                              <p:cond delay="0"/>
+                            </p:stCondLst>
+                            <p:childTnLst>
+                              <p:par>
+                                <p:cTn id="14" presetID="9" presetClass="entr" presetSubtype="0" fill="hold" grpId="0" nodeType="clickEffect">
                                   <p:stCondLst>
                                     <p:cond delay="0"/>
                                   </p:stCondLst>
                                   <p:childTnLst>
                                     <p:set>
                                       <p:cBhvr>
-                                        <p:cTn id="6" dur="1" fill="hold">
+                                        <p:cTn id="15" dur="1" fill="hold">
                                           <p:stCondLst>
                                             <p:cond delay="0"/>
                                           </p:stCondLst>
@@ -12175,7 +13499,7 @@
                                     </p:set>
                                     <p:animEffect transition="in" filter="dissolve">
                                       <p:cBhvr>
-                                        <p:cTn id="7" dur="500"/>
+                                        <p:cTn id="16" dur="500"/>
                                         <p:tgtEl>
                                           <p:spTgt spid="6">
                                             <p:graphicEl>
@@ -12195,26 +13519,26 @@
                     </p:cTn>
                   </p:par>
                   <p:par>
-                    <p:cTn id="8" fill="hold">
+                    <p:cTn id="17" fill="hold">
                       <p:stCondLst>
                         <p:cond delay="indefinite"/>
                       </p:stCondLst>
                       <p:childTnLst>
                         <p:par>
-                          <p:cTn id="9" fill="hold">
+                          <p:cTn id="18" fill="hold">
                             <p:stCondLst>
                               <p:cond delay="0"/>
                             </p:stCondLst>
                             <p:childTnLst>
                               <p:par>
-                                <p:cTn id="10" presetID="9" presetClass="entr" presetSubtype="0" fill="hold" grpId="0" nodeType="clickEffect">
+                                <p:cTn id="19" presetID="9" presetClass="entr" presetSubtype="0" fill="hold" grpId="0" nodeType="clickEffect">
                                   <p:stCondLst>
                                     <p:cond delay="0"/>
                                   </p:stCondLst>
                                   <p:childTnLst>
                                     <p:set>
                                       <p:cBhvr>
-                                        <p:cTn id="11" dur="1" fill="hold">
+                                        <p:cTn id="20" dur="1" fill="hold">
                                           <p:stCondLst>
                                             <p:cond delay="0"/>
                                           </p:stCondLst>
@@ -12236,7 +13560,7 @@
                                     </p:set>
                                     <p:animEffect transition="in" filter="dissolve">
                                       <p:cBhvr>
-                                        <p:cTn id="12" dur="500"/>
+                                        <p:cTn id="21" dur="500"/>
                                         <p:tgtEl>
                                           <p:spTgt spid="6">
                                             <p:graphicEl>
@@ -12256,26 +13580,26 @@
                     </p:cTn>
                   </p:par>
                   <p:par>
-                    <p:cTn id="13" fill="hold">
+                    <p:cTn id="22" fill="hold">
                       <p:stCondLst>
                         <p:cond delay="indefinite"/>
                       </p:stCondLst>
                       <p:childTnLst>
                         <p:par>
-                          <p:cTn id="14" fill="hold">
+                          <p:cTn id="23" fill="hold">
                             <p:stCondLst>
                               <p:cond delay="0"/>
                             </p:stCondLst>
                             <p:childTnLst>
                               <p:par>
-                                <p:cTn id="15" presetID="9" presetClass="entr" presetSubtype="0" fill="hold" grpId="0" nodeType="clickEffect">
+                                <p:cTn id="24" presetID="9" presetClass="entr" presetSubtype="0" fill="hold" grpId="0" nodeType="clickEffect">
                                   <p:stCondLst>
                                     <p:cond delay="0"/>
                                   </p:stCondLst>
                                   <p:childTnLst>
                                     <p:set>
                                       <p:cBhvr>
-                                        <p:cTn id="16" dur="1" fill="hold">
+                                        <p:cTn id="25" dur="1" fill="hold">
                                           <p:stCondLst>
                                             <p:cond delay="0"/>
                                           </p:stCondLst>
@@ -12297,7 +13621,7 @@
                                     </p:set>
                                     <p:animEffect transition="in" filter="dissolve">
                                       <p:cBhvr>
-                                        <p:cTn id="17" dur="500"/>
+                                        <p:cTn id="26" dur="500"/>
                                         <p:tgtEl>
                                           <p:spTgt spid="6">
                                             <p:graphicEl>
@@ -12317,26 +13641,26 @@
                     </p:cTn>
                   </p:par>
                   <p:par>
-                    <p:cTn id="18" fill="hold">
+                    <p:cTn id="27" fill="hold">
                       <p:stCondLst>
                         <p:cond delay="indefinite"/>
                       </p:stCondLst>
                       <p:childTnLst>
                         <p:par>
-                          <p:cTn id="19" fill="hold">
+                          <p:cTn id="28" fill="hold">
                             <p:stCondLst>
                               <p:cond delay="0"/>
                             </p:stCondLst>
                             <p:childTnLst>
                               <p:par>
-                                <p:cTn id="20" presetID="9" presetClass="entr" presetSubtype="0" fill="hold" grpId="0" nodeType="clickEffect">
+                                <p:cTn id="29" presetID="9" presetClass="entr" presetSubtype="0" fill="hold" grpId="0" nodeType="clickEffect">
                                   <p:stCondLst>
                                     <p:cond delay="0"/>
                                   </p:stCondLst>
                                   <p:childTnLst>
                                     <p:set>
                                       <p:cBhvr>
-                                        <p:cTn id="21" dur="1" fill="hold">
+                                        <p:cTn id="30" dur="1" fill="hold">
                                           <p:stCondLst>
                                             <p:cond delay="0"/>
                                           </p:stCondLst>
@@ -12358,7 +13682,7 @@
                                     </p:set>
                                     <p:animEffect transition="in" filter="dissolve">
                                       <p:cBhvr>
-                                        <p:cTn id="22" dur="500"/>
+                                        <p:cTn id="31" dur="500"/>
                                         <p:tgtEl>
                                           <p:spTgt spid="6">
                                             <p:graphicEl>
@@ -12399,11 +13723,1061 @@
       </p:par>
     </p:tnLst>
     <p:bldLst>
-      <p:bldGraphic spid="6" grpId="0" uiExpand="1">
+      <p:bldGraphic spid="6" grpId="0">
         <p:bldSub>
           <a:bldDgm bld="one"/>
         </p:bldSub>
       </p:bldGraphic>
+      <p:bldP spid="7" grpId="0"/>
+    </p:bldLst>
+  </p:timing>
+</p:sld>
+</file>
+
+<file path=ppt/slides/slide6.xml><?xml version="1.0" encoding="utf-8"?>
+<p:sld xmlns:a="http://schemas.openxmlformats.org/drawingml/2006/main" xmlns:r="http://schemas.openxmlformats.org/officeDocument/2006/relationships" xmlns:p="http://schemas.openxmlformats.org/presentationml/2006/main">
+  <p:cSld>
+    <p:spTree>
+      <p:nvGrpSpPr>
+        <p:cNvPr id="1" name=""/>
+        <p:cNvGrpSpPr/>
+        <p:nvPr/>
+      </p:nvGrpSpPr>
+      <p:grpSpPr>
+        <a:xfrm>
+          <a:off x="0" y="0"/>
+          <a:ext cx="0" cy="0"/>
+          <a:chOff x="0" y="0"/>
+          <a:chExt cx="0" cy="0"/>
+        </a:xfrm>
+      </p:grpSpPr>
+      <p:sp>
+        <p:nvSpPr>
+          <p:cNvPr id="2" name="标题 1"/>
+          <p:cNvSpPr>
+            <a:spLocks noGrp="1"/>
+          </p:cNvSpPr>
+          <p:nvPr>
+            <p:ph type="title"/>
+          </p:nvPr>
+        </p:nvSpPr>
+        <p:spPr>
+          <a:effectLst>
+            <a:outerShdw blurRad="50800" dist="38100" dir="2700000" algn="tl" rotWithShape="0">
+              <a:prstClr val="black">
+                <a:alpha val="40000"/>
+              </a:prstClr>
+            </a:outerShdw>
+          </a:effectLst>
+        </p:spPr>
+        <p:txBody>
+          <a:bodyPr/>
+          <a:lstStyle/>
+          <a:p>
+            <a:pPr marL="685800" indent="-685800" algn="l">
+              <a:buFont typeface="Arial"/>
+              <a:buChar char="•"/>
+            </a:pPr>
+            <a:r>
+              <a:rPr kumimoji="1" lang="zh-CN" altLang="en-US" dirty="0" smtClean="0">
+                <a:latin typeface="微软雅黑"/>
+                <a:ea typeface="微软雅黑"/>
+                <a:cs typeface="微软雅黑"/>
+              </a:rPr>
+              <a:t>坑</a:t>
+            </a:r>
+            <a:endParaRPr kumimoji="1" lang="zh-CN" altLang="en-US" dirty="0">
+              <a:latin typeface="微软雅黑"/>
+              <a:ea typeface="微软雅黑"/>
+              <a:cs typeface="微软雅黑"/>
+            </a:endParaRPr>
+          </a:p>
+        </p:txBody>
+      </p:sp>
+      <p:sp>
+        <p:nvSpPr>
+          <p:cNvPr id="3" name="内容占位符 2"/>
+          <p:cNvSpPr>
+            <a:spLocks noGrp="1"/>
+          </p:cNvSpPr>
+          <p:nvPr>
+            <p:ph idx="1"/>
+          </p:nvPr>
+        </p:nvSpPr>
+        <p:spPr/>
+        <p:txBody>
+          <a:bodyPr>
+            <a:normAutofit lnSpcReduction="10000"/>
+          </a:bodyPr>
+          <a:lstStyle/>
+          <a:p>
+            <a:r>
+              <a:rPr kumimoji="1" lang="en-US" altLang="zh-CN" dirty="0" err="1" smtClean="0">
+                <a:latin typeface="微软雅黑"/>
+                <a:ea typeface="微软雅黑"/>
+                <a:cs typeface="微软雅黑"/>
+              </a:rPr>
+              <a:t>Angularjs</a:t>
+            </a:r>
+            <a:r>
+              <a:rPr kumimoji="1" lang="zh-CN" altLang="en-US" dirty="0" smtClean="0">
+                <a:latin typeface="微软雅黑"/>
+                <a:ea typeface="微软雅黑"/>
+                <a:cs typeface="微软雅黑"/>
+              </a:rPr>
+              <a:t>模板导入与</a:t>
+            </a:r>
+            <a:r>
+              <a:rPr kumimoji="1" lang="en-US" altLang="zh-CN" dirty="0" smtClean="0">
+                <a:latin typeface="微软雅黑"/>
+                <a:ea typeface="微软雅黑"/>
+                <a:cs typeface="微软雅黑"/>
+              </a:rPr>
+              <a:t>JS</a:t>
+            </a:r>
+            <a:r>
+              <a:rPr kumimoji="1" lang="zh-CN" altLang="en-US" dirty="0" smtClean="0">
+                <a:latin typeface="微软雅黑"/>
+                <a:ea typeface="微软雅黑"/>
+                <a:cs typeface="微软雅黑"/>
+              </a:rPr>
+              <a:t>加载顺序会不致</a:t>
+            </a:r>
+            <a:endParaRPr kumimoji="1" lang="en-US" altLang="zh-CN" dirty="0" smtClean="0">
+              <a:latin typeface="微软雅黑"/>
+              <a:ea typeface="微软雅黑"/>
+              <a:cs typeface="微软雅黑"/>
+            </a:endParaRPr>
+          </a:p>
+          <a:p>
+            <a:pPr>
+              <a:lnSpc>
+                <a:spcPct val="150000"/>
+              </a:lnSpc>
+            </a:pPr>
+            <a:r>
+              <a:rPr kumimoji="1" lang="zh-CN" altLang="en-US" dirty="0" smtClean="0">
+                <a:latin typeface="微软雅黑"/>
+                <a:ea typeface="微软雅黑"/>
+                <a:cs typeface="微软雅黑"/>
+              </a:rPr>
+              <a:t>如果被导入的模板中有引入</a:t>
+            </a:r>
+            <a:r>
+              <a:rPr kumimoji="1" lang="en-US" altLang="zh-CN" dirty="0" smtClean="0">
+                <a:latin typeface="微软雅黑"/>
+                <a:ea typeface="微软雅黑"/>
+                <a:cs typeface="微软雅黑"/>
+              </a:rPr>
+              <a:t>JS</a:t>
+            </a:r>
+            <a:r>
+              <a:rPr kumimoji="1" lang="zh-CN" altLang="en-US" dirty="0" smtClean="0">
+                <a:latin typeface="微软雅黑"/>
+                <a:ea typeface="微软雅黑"/>
+                <a:cs typeface="微软雅黑"/>
+              </a:rPr>
+              <a:t>文件，</a:t>
+            </a:r>
+            <a:r>
+              <a:rPr kumimoji="1" lang="zh-CN" altLang="en-US" dirty="0" smtClean="0">
+                <a:latin typeface="微软雅黑"/>
+                <a:ea typeface="微软雅黑"/>
+                <a:cs typeface="微软雅黑"/>
+              </a:rPr>
+              <a:t>可能在初始化时会失败</a:t>
+            </a:r>
+            <a:endParaRPr kumimoji="1" lang="en-US" altLang="zh-CN" dirty="0" smtClean="0">
+              <a:latin typeface="微软雅黑"/>
+              <a:ea typeface="微软雅黑"/>
+              <a:cs typeface="微软雅黑"/>
+            </a:endParaRPr>
+          </a:p>
+          <a:p>
+            <a:pPr>
+              <a:lnSpc>
+                <a:spcPct val="150000"/>
+              </a:lnSpc>
+            </a:pPr>
+            <a:r>
+              <a:rPr kumimoji="1" lang="zh-CN" altLang="zh-CN" dirty="0" smtClean="0">
+                <a:latin typeface="微软雅黑"/>
+                <a:ea typeface="微软雅黑"/>
+                <a:cs typeface="微软雅黑"/>
+              </a:rPr>
+              <a:t>A</a:t>
+            </a:r>
+            <a:r>
+              <a:rPr kumimoji="1" lang="en-US" altLang="zh-CN" dirty="0" smtClean="0">
+                <a:latin typeface="微软雅黑"/>
+                <a:ea typeface="微软雅黑"/>
+                <a:cs typeface="微软雅黑"/>
+              </a:rPr>
+              <a:t>PI</a:t>
+            </a:r>
+            <a:r>
+              <a:rPr kumimoji="1" lang="zh-CN" altLang="en-US" dirty="0" smtClean="0">
+                <a:latin typeface="微软雅黑"/>
+                <a:ea typeface="微软雅黑"/>
+                <a:cs typeface="微软雅黑"/>
+              </a:rPr>
+              <a:t>文档比较乱，以英文居多。</a:t>
+            </a:r>
+            <a:endParaRPr kumimoji="1" lang="en-US" altLang="zh-CN" dirty="0" smtClean="0">
+              <a:latin typeface="微软雅黑"/>
+              <a:ea typeface="微软雅黑"/>
+              <a:cs typeface="微软雅黑"/>
+            </a:endParaRPr>
+          </a:p>
+          <a:p>
+            <a:pPr marL="0" indent="0">
+              <a:lnSpc>
+                <a:spcPct val="150000"/>
+              </a:lnSpc>
+              <a:buNone/>
+            </a:pPr>
+            <a:r>
+              <a:rPr kumimoji="1" lang="en-US" altLang="zh-CN" dirty="0">
+                <a:latin typeface="微软雅黑"/>
+                <a:ea typeface="微软雅黑"/>
+                <a:cs typeface="微软雅黑"/>
+              </a:rPr>
+              <a:t>	</a:t>
+            </a:r>
+            <a:r>
+              <a:rPr kumimoji="1" lang="en-US" altLang="zh-CN" dirty="0" err="1" smtClean="0">
+                <a:latin typeface="微软雅黑"/>
+                <a:ea typeface="微软雅黑"/>
+                <a:cs typeface="微软雅黑"/>
+              </a:rPr>
+              <a:t>AngularJS</a:t>
+            </a:r>
+            <a:r>
+              <a:rPr kumimoji="1" lang="zh-CN" altLang="zh-CN" dirty="0" smtClean="0">
+                <a:latin typeface="微软雅黑"/>
+                <a:ea typeface="微软雅黑"/>
+                <a:cs typeface="微软雅黑"/>
+              </a:rPr>
+              <a:t>：</a:t>
+            </a:r>
+            <a:r>
+              <a:rPr kumimoji="1" lang="en-US" altLang="zh-CN" dirty="0">
+                <a:latin typeface="微软雅黑"/>
+                <a:ea typeface="微软雅黑"/>
+                <a:cs typeface="微软雅黑"/>
+                <a:hlinkClick r:id="rId2"/>
+              </a:rPr>
+              <a:t>http://angularjs.org</a:t>
+            </a:r>
+            <a:r>
+              <a:rPr kumimoji="1" lang="en-US" altLang="zh-CN" dirty="0" smtClean="0">
+                <a:latin typeface="微软雅黑"/>
+                <a:ea typeface="微软雅黑"/>
+                <a:cs typeface="微软雅黑"/>
+                <a:hlinkClick r:id="rId2"/>
+              </a:rPr>
+              <a:t>/</a:t>
+            </a:r>
+            <a:endParaRPr kumimoji="1" lang="en-US" altLang="zh-CN" dirty="0" smtClean="0">
+              <a:latin typeface="微软雅黑"/>
+              <a:ea typeface="微软雅黑"/>
+              <a:cs typeface="微软雅黑"/>
+            </a:endParaRPr>
+          </a:p>
+          <a:p>
+            <a:pPr marL="0" indent="0">
+              <a:lnSpc>
+                <a:spcPct val="150000"/>
+              </a:lnSpc>
+              <a:buNone/>
+            </a:pPr>
+            <a:r>
+              <a:rPr kumimoji="1" lang="en-US" altLang="zh-CN" dirty="0">
+                <a:latin typeface="微软雅黑"/>
+                <a:ea typeface="微软雅黑"/>
+                <a:cs typeface="微软雅黑"/>
+              </a:rPr>
+              <a:t>	</a:t>
+            </a:r>
+            <a:r>
+              <a:rPr kumimoji="1" lang="en-US" altLang="zh-CN" dirty="0" smtClean="0">
+                <a:latin typeface="微软雅黑"/>
+                <a:ea typeface="微软雅黑"/>
+                <a:cs typeface="微软雅黑"/>
+              </a:rPr>
+              <a:t>API</a:t>
+            </a:r>
+            <a:r>
+              <a:rPr kumimoji="1" lang="zh-CN" altLang="en-US" dirty="0" smtClean="0">
+                <a:latin typeface="微软雅黑"/>
+                <a:ea typeface="微软雅黑"/>
+                <a:cs typeface="微软雅黑"/>
+              </a:rPr>
+              <a:t>：</a:t>
+            </a:r>
+            <a:r>
+              <a:rPr kumimoji="1" lang="en-US" altLang="zh-CN" dirty="0">
+                <a:latin typeface="微软雅黑"/>
+                <a:ea typeface="微软雅黑"/>
+                <a:cs typeface="微软雅黑"/>
+                <a:hlinkClick r:id="rId3"/>
+              </a:rPr>
+              <a:t>http://</a:t>
+            </a:r>
+            <a:r>
+              <a:rPr kumimoji="1" lang="en-US" altLang="zh-CN" dirty="0" err="1">
+                <a:latin typeface="微软雅黑"/>
+                <a:ea typeface="微软雅黑"/>
+                <a:cs typeface="微软雅黑"/>
+                <a:hlinkClick r:id="rId3"/>
+              </a:rPr>
+              <a:t>docs.angularjs.org</a:t>
+            </a:r>
+            <a:r>
+              <a:rPr kumimoji="1" lang="en-US" altLang="zh-CN" dirty="0">
+                <a:latin typeface="微软雅黑"/>
+                <a:ea typeface="微软雅黑"/>
+                <a:cs typeface="微软雅黑"/>
+                <a:hlinkClick r:id="rId3"/>
+              </a:rPr>
+              <a:t>/</a:t>
+            </a:r>
+            <a:r>
+              <a:rPr kumimoji="1" lang="en-US" altLang="zh-CN" dirty="0" err="1">
+                <a:latin typeface="微软雅黑"/>
+                <a:ea typeface="微软雅黑"/>
+                <a:cs typeface="微软雅黑"/>
+                <a:hlinkClick r:id="rId3"/>
+              </a:rPr>
+              <a:t>api</a:t>
+            </a:r>
+            <a:r>
+              <a:rPr kumimoji="1" lang="en-US" altLang="zh-CN" dirty="0" smtClean="0">
+                <a:latin typeface="微软雅黑"/>
+                <a:ea typeface="微软雅黑"/>
+                <a:cs typeface="微软雅黑"/>
+                <a:hlinkClick r:id="rId3"/>
+              </a:rPr>
+              <a:t>/</a:t>
+            </a:r>
+            <a:endParaRPr kumimoji="1" lang="en-US" altLang="zh-CN" dirty="0" smtClean="0">
+              <a:latin typeface="微软雅黑"/>
+              <a:ea typeface="微软雅黑"/>
+              <a:cs typeface="微软雅黑"/>
+            </a:endParaRPr>
+          </a:p>
+          <a:p>
+            <a:pPr marL="0" indent="0">
+              <a:lnSpc>
+                <a:spcPct val="150000"/>
+              </a:lnSpc>
+              <a:buNone/>
+            </a:pPr>
+            <a:endParaRPr kumimoji="1" lang="en-US" altLang="zh-CN" dirty="0">
+              <a:latin typeface="微软雅黑"/>
+              <a:ea typeface="微软雅黑"/>
+              <a:cs typeface="微软雅黑"/>
+            </a:endParaRPr>
+          </a:p>
+        </p:txBody>
+      </p:sp>
+    </p:spTree>
+    <p:extLst>
+      <p:ext uri="{BB962C8B-B14F-4D97-AF65-F5344CB8AC3E}">
+        <p14:creationId xmlns:p14="http://schemas.microsoft.com/office/powerpoint/2010/main" val="2156489940"/>
+      </p:ext>
+    </p:extLst>
+  </p:cSld>
+  <p:clrMapOvr>
+    <a:masterClrMapping/>
+  </p:clrMapOvr>
+  <mc:AlternateContent xmlns:mc="http://schemas.openxmlformats.org/markup-compatibility/2006" xmlns:p14="http://schemas.microsoft.com/office/powerpoint/2010/main">
+    <mc:Choice Requires="p14">
+      <p:transition spd="slow" p14:dur="4000">
+        <p14:vortex dir="r"/>
+      </p:transition>
+    </mc:Choice>
+    <mc:Fallback xmlns="">
+      <p:transition xmlns:p14="http://schemas.microsoft.com/office/powerpoint/2010/main" spd="slow">
+        <p:fade/>
+      </p:transition>
+    </mc:Fallback>
+  </mc:AlternateContent>
+  <p:timing>
+    <p:tnLst>
+      <p:par>
+        <p:cTn xmlns:p14="http://schemas.microsoft.com/office/powerpoint/2010/main" id="1" dur="indefinite" restart="never" nodeType="tmRoot">
+          <p:childTnLst>
+            <p:seq concurrent="1" nextAc="seek">
+              <p:cTn id="2" dur="indefinite" nodeType="mainSeq">
+                <p:childTnLst>
+                  <p:par>
+                    <p:cTn id="3" fill="hold">
+                      <p:stCondLst>
+                        <p:cond delay="indefinite"/>
+                      </p:stCondLst>
+                      <p:childTnLst>
+                        <p:par>
+                          <p:cTn id="4" fill="hold">
+                            <p:stCondLst>
+                              <p:cond delay="0"/>
+                            </p:stCondLst>
+                            <p:childTnLst>
+                              <p:par>
+                                <p:cTn id="5" presetID="9" presetClass="entr" presetSubtype="0" fill="hold" grpId="0" nodeType="clickEffect">
+                                  <p:stCondLst>
+                                    <p:cond delay="0"/>
+                                  </p:stCondLst>
+                                  <p:childTnLst>
+                                    <p:set>
+                                      <p:cBhvr>
+                                        <p:cTn id="6" dur="1" fill="hold">
+                                          <p:stCondLst>
+                                            <p:cond delay="0"/>
+                                          </p:stCondLst>
+                                        </p:cTn>
+                                        <p:tgtEl>
+                                          <p:spTgt spid="3">
+                                            <p:txEl>
+                                              <p:pRg st="0" end="0"/>
+                                            </p:txEl>
+                                          </p:spTgt>
+                                        </p:tgtEl>
+                                        <p:attrNameLst>
+                                          <p:attrName>style.visibility</p:attrName>
+                                        </p:attrNameLst>
+                                      </p:cBhvr>
+                                      <p:to>
+                                        <p:strVal val="visible"/>
+                                      </p:to>
+                                    </p:set>
+                                    <p:animEffect transition="in" filter="dissolve">
+                                      <p:cBhvr>
+                                        <p:cTn id="7" dur="500"/>
+                                        <p:tgtEl>
+                                          <p:spTgt spid="3">
+                                            <p:txEl>
+                                              <p:pRg st="0" end="0"/>
+                                            </p:txEl>
+                                          </p:spTgt>
+                                        </p:tgtEl>
+                                      </p:cBhvr>
+                                    </p:animEffect>
+                                  </p:childTnLst>
+                                </p:cTn>
+                              </p:par>
+                            </p:childTnLst>
+                          </p:cTn>
+                        </p:par>
+                      </p:childTnLst>
+                    </p:cTn>
+                  </p:par>
+                  <p:par>
+                    <p:cTn id="8" fill="hold">
+                      <p:stCondLst>
+                        <p:cond delay="indefinite"/>
+                      </p:stCondLst>
+                      <p:childTnLst>
+                        <p:par>
+                          <p:cTn id="9" fill="hold">
+                            <p:stCondLst>
+                              <p:cond delay="0"/>
+                            </p:stCondLst>
+                            <p:childTnLst>
+                              <p:par>
+                                <p:cTn id="10" presetID="9" presetClass="entr" presetSubtype="0" fill="hold" grpId="0" nodeType="clickEffect">
+                                  <p:stCondLst>
+                                    <p:cond delay="0"/>
+                                  </p:stCondLst>
+                                  <p:childTnLst>
+                                    <p:set>
+                                      <p:cBhvr>
+                                        <p:cTn id="11" dur="1" fill="hold">
+                                          <p:stCondLst>
+                                            <p:cond delay="0"/>
+                                          </p:stCondLst>
+                                        </p:cTn>
+                                        <p:tgtEl>
+                                          <p:spTgt spid="3">
+                                            <p:txEl>
+                                              <p:pRg st="1" end="1"/>
+                                            </p:txEl>
+                                          </p:spTgt>
+                                        </p:tgtEl>
+                                        <p:attrNameLst>
+                                          <p:attrName>style.visibility</p:attrName>
+                                        </p:attrNameLst>
+                                      </p:cBhvr>
+                                      <p:to>
+                                        <p:strVal val="visible"/>
+                                      </p:to>
+                                    </p:set>
+                                    <p:animEffect transition="in" filter="dissolve">
+                                      <p:cBhvr>
+                                        <p:cTn id="12" dur="500"/>
+                                        <p:tgtEl>
+                                          <p:spTgt spid="3">
+                                            <p:txEl>
+                                              <p:pRg st="1" end="1"/>
+                                            </p:txEl>
+                                          </p:spTgt>
+                                        </p:tgtEl>
+                                      </p:cBhvr>
+                                    </p:animEffect>
+                                  </p:childTnLst>
+                                </p:cTn>
+                              </p:par>
+                            </p:childTnLst>
+                          </p:cTn>
+                        </p:par>
+                      </p:childTnLst>
+                    </p:cTn>
+                  </p:par>
+                  <p:par>
+                    <p:cTn id="13" fill="hold">
+                      <p:stCondLst>
+                        <p:cond delay="indefinite"/>
+                      </p:stCondLst>
+                      <p:childTnLst>
+                        <p:par>
+                          <p:cTn id="14" fill="hold">
+                            <p:stCondLst>
+                              <p:cond delay="0"/>
+                            </p:stCondLst>
+                            <p:childTnLst>
+                              <p:par>
+                                <p:cTn id="15" presetID="9" presetClass="entr" presetSubtype="0" fill="hold" grpId="0" nodeType="clickEffect">
+                                  <p:stCondLst>
+                                    <p:cond delay="0"/>
+                                  </p:stCondLst>
+                                  <p:childTnLst>
+                                    <p:set>
+                                      <p:cBhvr>
+                                        <p:cTn id="16" dur="1" fill="hold">
+                                          <p:stCondLst>
+                                            <p:cond delay="0"/>
+                                          </p:stCondLst>
+                                        </p:cTn>
+                                        <p:tgtEl>
+                                          <p:spTgt spid="3">
+                                            <p:txEl>
+                                              <p:pRg st="2" end="2"/>
+                                            </p:txEl>
+                                          </p:spTgt>
+                                        </p:tgtEl>
+                                        <p:attrNameLst>
+                                          <p:attrName>style.visibility</p:attrName>
+                                        </p:attrNameLst>
+                                      </p:cBhvr>
+                                      <p:to>
+                                        <p:strVal val="visible"/>
+                                      </p:to>
+                                    </p:set>
+                                    <p:animEffect transition="in" filter="dissolve">
+                                      <p:cBhvr>
+                                        <p:cTn id="17" dur="500"/>
+                                        <p:tgtEl>
+                                          <p:spTgt spid="3">
+                                            <p:txEl>
+                                              <p:pRg st="2" end="2"/>
+                                            </p:txEl>
+                                          </p:spTgt>
+                                        </p:tgtEl>
+                                      </p:cBhvr>
+                                    </p:animEffect>
+                                  </p:childTnLst>
+                                </p:cTn>
+                              </p:par>
+                            </p:childTnLst>
+                          </p:cTn>
+                        </p:par>
+                      </p:childTnLst>
+                    </p:cTn>
+                  </p:par>
+                  <p:par>
+                    <p:cTn id="18" fill="hold">
+                      <p:stCondLst>
+                        <p:cond delay="indefinite"/>
+                      </p:stCondLst>
+                      <p:childTnLst>
+                        <p:par>
+                          <p:cTn id="19" fill="hold">
+                            <p:stCondLst>
+                              <p:cond delay="0"/>
+                            </p:stCondLst>
+                            <p:childTnLst>
+                              <p:par>
+                                <p:cTn id="20" presetID="9" presetClass="entr" presetSubtype="0" fill="hold" grpId="0" nodeType="clickEffect">
+                                  <p:stCondLst>
+                                    <p:cond delay="0"/>
+                                  </p:stCondLst>
+                                  <p:childTnLst>
+                                    <p:set>
+                                      <p:cBhvr>
+                                        <p:cTn id="21" dur="1" fill="hold">
+                                          <p:stCondLst>
+                                            <p:cond delay="0"/>
+                                          </p:stCondLst>
+                                        </p:cTn>
+                                        <p:tgtEl>
+                                          <p:spTgt spid="3">
+                                            <p:txEl>
+                                              <p:pRg st="3" end="3"/>
+                                            </p:txEl>
+                                          </p:spTgt>
+                                        </p:tgtEl>
+                                        <p:attrNameLst>
+                                          <p:attrName>style.visibility</p:attrName>
+                                        </p:attrNameLst>
+                                      </p:cBhvr>
+                                      <p:to>
+                                        <p:strVal val="visible"/>
+                                      </p:to>
+                                    </p:set>
+                                    <p:animEffect transition="in" filter="dissolve">
+                                      <p:cBhvr>
+                                        <p:cTn id="22" dur="500"/>
+                                        <p:tgtEl>
+                                          <p:spTgt spid="3">
+                                            <p:txEl>
+                                              <p:pRg st="3" end="3"/>
+                                            </p:txEl>
+                                          </p:spTgt>
+                                        </p:tgtEl>
+                                      </p:cBhvr>
+                                    </p:animEffect>
+                                  </p:childTnLst>
+                                </p:cTn>
+                              </p:par>
+                            </p:childTnLst>
+                          </p:cTn>
+                        </p:par>
+                      </p:childTnLst>
+                    </p:cTn>
+                  </p:par>
+                  <p:par>
+                    <p:cTn id="23" fill="hold">
+                      <p:stCondLst>
+                        <p:cond delay="indefinite"/>
+                      </p:stCondLst>
+                      <p:childTnLst>
+                        <p:par>
+                          <p:cTn id="24" fill="hold">
+                            <p:stCondLst>
+                              <p:cond delay="0"/>
+                            </p:stCondLst>
+                            <p:childTnLst>
+                              <p:par>
+                                <p:cTn id="25" presetID="9" presetClass="entr" presetSubtype="0" fill="hold" grpId="0" nodeType="clickEffect">
+                                  <p:stCondLst>
+                                    <p:cond delay="0"/>
+                                  </p:stCondLst>
+                                  <p:childTnLst>
+                                    <p:set>
+                                      <p:cBhvr>
+                                        <p:cTn id="26" dur="1" fill="hold">
+                                          <p:stCondLst>
+                                            <p:cond delay="0"/>
+                                          </p:stCondLst>
+                                        </p:cTn>
+                                        <p:tgtEl>
+                                          <p:spTgt spid="3">
+                                            <p:txEl>
+                                              <p:pRg st="4" end="4"/>
+                                            </p:txEl>
+                                          </p:spTgt>
+                                        </p:tgtEl>
+                                        <p:attrNameLst>
+                                          <p:attrName>style.visibility</p:attrName>
+                                        </p:attrNameLst>
+                                      </p:cBhvr>
+                                      <p:to>
+                                        <p:strVal val="visible"/>
+                                      </p:to>
+                                    </p:set>
+                                    <p:animEffect transition="in" filter="dissolve">
+                                      <p:cBhvr>
+                                        <p:cTn id="27" dur="500"/>
+                                        <p:tgtEl>
+                                          <p:spTgt spid="3">
+                                            <p:txEl>
+                                              <p:pRg st="4" end="4"/>
+                                            </p:txEl>
+                                          </p:spTgt>
+                                        </p:tgtEl>
+                                      </p:cBhvr>
+                                    </p:animEffect>
+                                  </p:childTnLst>
+                                </p:cTn>
+                              </p:par>
+                            </p:childTnLst>
+                          </p:cTn>
+                        </p:par>
+                      </p:childTnLst>
+                    </p:cTn>
+                  </p:par>
+                </p:childTnLst>
+              </p:cTn>
+              <p:prevCondLst>
+                <p:cond evt="onPrev" delay="0">
+                  <p:tgtEl>
+                    <p:sldTgt/>
+                  </p:tgtEl>
+                </p:cond>
+              </p:prevCondLst>
+              <p:nextCondLst>
+                <p:cond evt="onNext" delay="0">
+                  <p:tgtEl>
+                    <p:sldTgt/>
+                  </p:tgtEl>
+                </p:cond>
+              </p:nextCondLst>
+            </p:seq>
+          </p:childTnLst>
+        </p:cTn>
+      </p:par>
+    </p:tnLst>
+    <p:bldLst>
+      <p:bldP spid="3" grpId="0" build="p"/>
+    </p:bldLst>
+  </p:timing>
+</p:sld>
+</file>
+
+<file path=ppt/slides/slide7.xml><?xml version="1.0" encoding="utf-8"?>
+<p:sld xmlns:a="http://schemas.openxmlformats.org/drawingml/2006/main" xmlns:r="http://schemas.openxmlformats.org/officeDocument/2006/relationships" xmlns:p="http://schemas.openxmlformats.org/presentationml/2006/main">
+  <p:cSld>
+    <p:spTree>
+      <p:nvGrpSpPr>
+        <p:cNvPr id="1" name=""/>
+        <p:cNvGrpSpPr/>
+        <p:nvPr/>
+      </p:nvGrpSpPr>
+      <p:grpSpPr>
+        <a:xfrm>
+          <a:off x="0" y="0"/>
+          <a:ext cx="0" cy="0"/>
+          <a:chOff x="0" y="0"/>
+          <a:chExt cx="0" cy="0"/>
+        </a:xfrm>
+      </p:grpSpPr>
+      <p:sp>
+        <p:nvSpPr>
+          <p:cNvPr id="2" name="标题 1"/>
+          <p:cNvSpPr>
+            <a:spLocks noGrp="1"/>
+          </p:cNvSpPr>
+          <p:nvPr>
+            <p:ph type="title"/>
+          </p:nvPr>
+        </p:nvSpPr>
+        <p:spPr/>
+        <p:txBody>
+          <a:bodyPr/>
+          <a:lstStyle/>
+          <a:p>
+            <a:endParaRPr kumimoji="1" lang="zh-CN" altLang="en-US"/>
+          </a:p>
+        </p:txBody>
+      </p:sp>
+      <p:sp>
+        <p:nvSpPr>
+          <p:cNvPr id="3" name="内容占位符 2"/>
+          <p:cNvSpPr>
+            <a:spLocks noGrp="1"/>
+          </p:cNvSpPr>
+          <p:nvPr>
+            <p:ph idx="1"/>
+          </p:nvPr>
+        </p:nvSpPr>
+        <p:spPr>
+          <a:xfrm>
+            <a:off x="914400" y="1274557"/>
+            <a:ext cx="7313613" cy="4056062"/>
+          </a:xfrm>
+        </p:spPr>
+        <p:txBody>
+          <a:bodyPr anchor="ctr" anchorCtr="0">
+            <a:normAutofit/>
+          </a:bodyPr>
+          <a:lstStyle/>
+          <a:p>
+            <a:pPr marL="0" indent="0" algn="ctr">
+              <a:buNone/>
+            </a:pPr>
+            <a:r>
+              <a:rPr kumimoji="1" lang="en-US" altLang="zh-CN" sz="8000" dirty="0" smtClean="0">
+                <a:latin typeface="Arial Rounded MT Bold"/>
+                <a:cs typeface="Arial Rounded MT Bold"/>
+              </a:rPr>
+              <a:t>Q&amp;A</a:t>
+            </a:r>
+            <a:endParaRPr kumimoji="1" lang="zh-CN" altLang="en-US" sz="8000" dirty="0">
+              <a:latin typeface="Arial Rounded MT Bold"/>
+              <a:cs typeface="Arial Rounded MT Bold"/>
+            </a:endParaRPr>
+          </a:p>
+        </p:txBody>
+      </p:sp>
+    </p:spTree>
+    <p:extLst>
+      <p:ext uri="{BB962C8B-B14F-4D97-AF65-F5344CB8AC3E}">
+        <p14:creationId xmlns:p14="http://schemas.microsoft.com/office/powerpoint/2010/main" val="3813231891"/>
+      </p:ext>
+    </p:extLst>
+  </p:cSld>
+  <p:clrMapOvr>
+    <a:masterClrMapping/>
+  </p:clrMapOvr>
+  <mc:AlternateContent xmlns:mc="http://schemas.openxmlformats.org/markup-compatibility/2006" xmlns:p14="http://schemas.microsoft.com/office/powerpoint/2010/main">
+    <mc:Choice Requires="p14">
+      <p:transition spd="slow" p14:dur="4000">
+        <p14:vortex dir="r"/>
+      </p:transition>
+    </mc:Choice>
+    <mc:Fallback xmlns="">
+      <p:transition xmlns:p14="http://schemas.microsoft.com/office/powerpoint/2010/main" spd="slow">
+        <p:fade/>
+      </p:transition>
+    </mc:Fallback>
+  </mc:AlternateContent>
+  <p:timing>
+    <p:tnLst>
+      <p:par>
+        <p:cTn xmlns:p14="http://schemas.microsoft.com/office/powerpoint/2010/main" id="1" dur="indefinite" restart="never" nodeType="tmRoot">
+          <p:childTnLst>
+            <p:seq concurrent="1" nextAc="seek">
+              <p:cTn id="2" dur="indefinite" nodeType="mainSeq">
+                <p:childTnLst>
+                  <p:par>
+                    <p:cTn id="3" fill="hold">
+                      <p:stCondLst>
+                        <p:cond delay="indefinite"/>
+                        <p:cond evt="onBegin" delay="0">
+                          <p:tn val="2"/>
+                        </p:cond>
+                      </p:stCondLst>
+                      <p:childTnLst>
+                        <p:par>
+                          <p:cTn id="4" fill="hold">
+                            <p:stCondLst>
+                              <p:cond delay="0"/>
+                            </p:stCondLst>
+                            <p:childTnLst>
+                              <p:par>
+                                <p:cTn id="5" presetID="38" presetClass="entr" presetSubtype="0" accel="50000" fill="hold" grpId="0" nodeType="afterEffect">
+                                  <p:stCondLst>
+                                    <p:cond delay="0"/>
+                                  </p:stCondLst>
+                                  <p:iterate type="lt">
+                                    <p:tmPct val="50000"/>
+                                  </p:iterate>
+                                  <p:childTnLst>
+                                    <p:set>
+                                      <p:cBhvr>
+                                        <p:cTn id="6" dur="1" fill="hold">
+                                          <p:stCondLst>
+                                            <p:cond delay="0"/>
+                                          </p:stCondLst>
+                                        </p:cTn>
+                                        <p:tgtEl>
+                                          <p:spTgt spid="3">
+                                            <p:txEl>
+                                              <p:pRg st="0" end="0"/>
+                                            </p:txEl>
+                                          </p:spTgt>
+                                        </p:tgtEl>
+                                        <p:attrNameLst>
+                                          <p:attrName>style.visibility</p:attrName>
+                                        </p:attrNameLst>
+                                      </p:cBhvr>
+                                      <p:to>
+                                        <p:strVal val="visible"/>
+                                      </p:to>
+                                    </p:set>
+                                    <p:set>
+                                      <p:cBhvr>
+                                        <p:cTn id="7" dur="455" fill="hold">
+                                          <p:stCondLst>
+                                            <p:cond delay="0"/>
+                                          </p:stCondLst>
+                                        </p:cTn>
+                                        <p:tgtEl>
+                                          <p:spTgt spid="3">
+                                            <p:txEl>
+                                              <p:pRg st="0" end="0"/>
+                                            </p:txEl>
+                                          </p:spTgt>
+                                        </p:tgtEl>
+                                        <p:attrNameLst>
+                                          <p:attrName>style.rotation</p:attrName>
+                                        </p:attrNameLst>
+                                      </p:cBhvr>
+                                      <p:to>
+                                        <p:strVal val="-45.0"/>
+                                      </p:to>
+                                    </p:set>
+                                    <p:anim calcmode="lin" valueType="num">
+                                      <p:cBhvr>
+                                        <p:cTn id="8" dur="455" fill="hold">
+                                          <p:stCondLst>
+                                            <p:cond delay="455"/>
+                                          </p:stCondLst>
+                                        </p:cTn>
+                                        <p:tgtEl>
+                                          <p:spTgt spid="3">
+                                            <p:txEl>
+                                              <p:pRg st="0" end="0"/>
+                                            </p:txEl>
+                                          </p:spTgt>
+                                        </p:tgtEl>
+                                        <p:attrNameLst>
+                                          <p:attrName>style.rotation</p:attrName>
+                                        </p:attrNameLst>
+                                      </p:cBhvr>
+                                      <p:tavLst>
+                                        <p:tav tm="0">
+                                          <p:val>
+                                            <p:fltVal val="-45"/>
+                                          </p:val>
+                                        </p:tav>
+                                        <p:tav tm="69900">
+                                          <p:val>
+                                            <p:fltVal val="45"/>
+                                          </p:val>
+                                        </p:tav>
+                                        <p:tav tm="100000">
+                                          <p:val>
+                                            <p:fltVal val="0"/>
+                                          </p:val>
+                                        </p:tav>
+                                      </p:tavLst>
+                                    </p:anim>
+                                    <p:anim calcmode="lin" valueType="num">
+                                      <p:cBhvr>
+                                        <p:cTn id="9" dur="455" fill="hold">
+                                          <p:stCondLst>
+                                            <p:cond delay="0"/>
+                                          </p:stCondLst>
+                                        </p:cTn>
+                                        <p:tgtEl>
+                                          <p:spTgt spid="3">
+                                            <p:txEl>
+                                              <p:pRg st="0" end="0"/>
+                                            </p:txEl>
+                                          </p:spTgt>
+                                        </p:tgtEl>
+                                        <p:attrNameLst>
+                                          <p:attrName>ppt_y</p:attrName>
+                                        </p:attrNameLst>
+                                      </p:cBhvr>
+                                      <p:tavLst>
+                                        <p:tav tm="0">
+                                          <p:val>
+                                            <p:strVal val="#ppt_y-1"/>
+                                          </p:val>
+                                        </p:tav>
+                                        <p:tav tm="100000">
+                                          <p:val>
+                                            <p:strVal val="#ppt_y-(0.354*#ppt_w-0.172*#ppt_h)"/>
+                                          </p:val>
+                                        </p:tav>
+                                      </p:tavLst>
+                                    </p:anim>
+                                    <p:anim calcmode="lin" valueType="num">
+                                      <p:cBhvr>
+                                        <p:cTn id="10" dur="156" decel="50000" autoRev="1" fill="hold">
+                                          <p:stCondLst>
+                                            <p:cond delay="455"/>
+                                          </p:stCondLst>
+                                        </p:cTn>
+                                        <p:tgtEl>
+                                          <p:spTgt spid="3">
+                                            <p:txEl>
+                                              <p:pRg st="0" end="0"/>
+                                            </p:txEl>
+                                          </p:spTgt>
+                                        </p:tgtEl>
+                                        <p:attrNameLst>
+                                          <p:attrName>ppt_y</p:attrName>
+                                        </p:attrNameLst>
+                                      </p:cBhvr>
+                                      <p:tavLst>
+                                        <p:tav tm="0">
+                                          <p:val>
+                                            <p:strVal val="#ppt_y-(0.354*#ppt_w-0.172*#ppt_h)"/>
+                                          </p:val>
+                                        </p:tav>
+                                        <p:tav tm="100000">
+                                          <p:val>
+                                            <p:strVal val="#ppt_y-(0.354*#ppt_w-0.172*#ppt_h)-#ppt_h/2"/>
+                                          </p:val>
+                                        </p:tav>
+                                      </p:tavLst>
+                                    </p:anim>
+                                    <p:anim calcmode="lin" valueType="num">
+                                      <p:cBhvr>
+                                        <p:cTn id="11" dur="136" fill="hold">
+                                          <p:stCondLst>
+                                            <p:cond delay="864"/>
+                                          </p:stCondLst>
+                                        </p:cTn>
+                                        <p:tgtEl>
+                                          <p:spTgt spid="3">
+                                            <p:txEl>
+                                              <p:pRg st="0" end="0"/>
+                                            </p:txEl>
+                                          </p:spTgt>
+                                        </p:tgtEl>
+                                        <p:attrNameLst>
+                                          <p:attrName>ppt_y</p:attrName>
+                                        </p:attrNameLst>
+                                      </p:cBhvr>
+                                      <p:tavLst>
+                                        <p:tav tm="0">
+                                          <p:val>
+                                            <p:strVal val="#ppt_y-(0.354*#ppt_w-0.172*#ppt_h)"/>
+                                          </p:val>
+                                        </p:tav>
+                                        <p:tav tm="100000">
+                                          <p:val>
+                                            <p:strVal val="#ppt_y"/>
+                                          </p:val>
+                                        </p:tav>
+                                      </p:tavLst>
+                                    </p:anim>
+                                  </p:childTnLst>
+                                </p:cTn>
+                              </p:par>
+                            </p:childTnLst>
+                          </p:cTn>
+                        </p:par>
+                      </p:childTnLst>
+                    </p:cTn>
+                  </p:par>
+                </p:childTnLst>
+              </p:cTn>
+              <p:prevCondLst>
+                <p:cond evt="onPrev" delay="0">
+                  <p:tgtEl>
+                    <p:sldTgt/>
+                  </p:tgtEl>
+                </p:cond>
+              </p:prevCondLst>
+              <p:nextCondLst>
+                <p:cond evt="onNext" delay="0">
+                  <p:tgtEl>
+                    <p:sldTgt/>
+                  </p:tgtEl>
+                </p:cond>
+              </p:nextCondLst>
+            </p:seq>
+          </p:childTnLst>
+        </p:cTn>
+      </p:par>
+    </p:tnLst>
+    <p:bldLst>
+      <p:bldP spid="3" grpId="0" build="p"/>
     </p:bldLst>
   </p:timing>
 </p:sld>
@@ -12612,4 +14986,324 @@
   </a:objectDefaults>
   <a:extraClrSchemeLst/>
 </a:theme>
+</file>
+
+<file path=ppt/theme/theme2.xml><?xml version="1.0" encoding="utf-8"?>
+<a:theme xmlns:a="http://schemas.openxmlformats.org/drawingml/2006/main" name="Office 主题">
+  <a:themeElements>
+    <a:clrScheme name="办公室">
+      <a:dk1>
+        <a:sysClr val="windowText" lastClr="000000"/>
+      </a:dk1>
+      <a:lt1>
+        <a:sysClr val="window" lastClr="FFFFFF"/>
+      </a:lt1>
+      <a:dk2>
+        <a:srgbClr val="1F497D"/>
+      </a:dk2>
+      <a:lt2>
+        <a:srgbClr val="EEECE1"/>
+      </a:lt2>
+      <a:accent1>
+        <a:srgbClr val="4F81BD"/>
+      </a:accent1>
+      <a:accent2>
+        <a:srgbClr val="C0504D"/>
+      </a:accent2>
+      <a:accent3>
+        <a:srgbClr val="9BBB59"/>
+      </a:accent3>
+      <a:accent4>
+        <a:srgbClr val="8064A2"/>
+      </a:accent4>
+      <a:accent5>
+        <a:srgbClr val="4BACC6"/>
+      </a:accent5>
+      <a:accent6>
+        <a:srgbClr val="F79646"/>
+      </a:accent6>
+      <a:hlink>
+        <a:srgbClr val="0000FF"/>
+      </a:hlink>
+      <a:folHlink>
+        <a:srgbClr val="800080"/>
+      </a:folHlink>
+    </a:clrScheme>
+    <a:fontScheme name="办公室">
+      <a:majorFont>
+        <a:latin typeface="Calibri"/>
+        <a:ea typeface=""/>
+        <a:cs typeface=""/>
+        <a:font script="Jpan" typeface="ＭＳ Ｐゴシック"/>
+        <a:font script="Hang" typeface="맑은 고딕"/>
+        <a:font script="Hans" typeface="宋体"/>
+        <a:font script="Hant" typeface="新細明體"/>
+        <a:font script="Arab" typeface="Times New Roman"/>
+        <a:font script="Hebr" typeface="Times New Roman"/>
+        <a:font script="Thai" typeface="Angsana New"/>
+        <a:font script="Ethi" typeface="Nyala"/>
+        <a:font script="Beng" typeface="Vrinda"/>
+        <a:font script="Gujr" typeface="Shruti"/>
+        <a:font script="Khmr" typeface="MoolBoran"/>
+        <a:font script="Knda" typeface="Tunga"/>
+        <a:font script="Guru" typeface="Raavi"/>
+        <a:font script="Cans" typeface="Euphemia"/>
+        <a:font script="Cher" typeface="Plantagenet Cherokee"/>
+        <a:font script="Yiii" typeface="Microsoft Yi Baiti"/>
+        <a:font script="Tibt" typeface="Microsoft Himalaya"/>
+        <a:font script="Thaa" typeface="MV Boli"/>
+        <a:font script="Deva" typeface="Mangal"/>
+        <a:font script="Telu" typeface="Gautami"/>
+        <a:font script="Taml" typeface="Latha"/>
+        <a:font script="Syrc" typeface="Estrangelo Edessa"/>
+        <a:font script="Orya" typeface="Kalinga"/>
+        <a:font script="Mlym" typeface="Kartika"/>
+        <a:font script="Laoo" typeface="DokChampa"/>
+        <a:font script="Sinh" typeface="Iskoola Pota"/>
+        <a:font script="Mong" typeface="Mongolian Baiti"/>
+        <a:font script="Viet" typeface="Times New Roman"/>
+        <a:font script="Uigh" typeface="Microsoft Uighur"/>
+        <a:font script="Geor" typeface="Sylfaen"/>
+      </a:majorFont>
+      <a:minorFont>
+        <a:latin typeface="Calibri"/>
+        <a:ea typeface=""/>
+        <a:cs typeface=""/>
+        <a:font script="Jpan" typeface="ＭＳ Ｐゴシック"/>
+        <a:font script="Hang" typeface="맑은 고딕"/>
+        <a:font script="Hans" typeface="宋体"/>
+        <a:font script="Hant" typeface="新細明體"/>
+        <a:font script="Arab" typeface="Arial"/>
+        <a:font script="Hebr" typeface="Arial"/>
+        <a:font script="Thai" typeface="Cordia New"/>
+        <a:font script="Ethi" typeface="Nyala"/>
+        <a:font script="Beng" typeface="Vrinda"/>
+        <a:font script="Gujr" typeface="Shruti"/>
+        <a:font script="Khmr" typeface="DaunPenh"/>
+        <a:font script="Knda" typeface="Tunga"/>
+        <a:font script="Guru" typeface="Raavi"/>
+        <a:font script="Cans" typeface="Euphemia"/>
+        <a:font script="Cher" typeface="Plantagenet Cherokee"/>
+        <a:font script="Yiii" typeface="Microsoft Yi Baiti"/>
+        <a:font script="Tibt" typeface="Microsoft Himalaya"/>
+        <a:font script="Thaa" typeface="MV Boli"/>
+        <a:font script="Deva" typeface="Mangal"/>
+        <a:font script="Telu" typeface="Gautami"/>
+        <a:font script="Taml" typeface="Latha"/>
+        <a:font script="Syrc" typeface="Estrangelo Edessa"/>
+        <a:font script="Orya" typeface="Kalinga"/>
+        <a:font script="Mlym" typeface="Kartika"/>
+        <a:font script="Laoo" typeface="DokChampa"/>
+        <a:font script="Sinh" typeface="Iskoola Pota"/>
+        <a:font script="Mong" typeface="Mongolian Baiti"/>
+        <a:font script="Viet" typeface="Arial"/>
+        <a:font script="Uigh" typeface="Microsoft Uighur"/>
+        <a:font script="Geor" typeface="Sylfaen"/>
+      </a:minorFont>
+    </a:fontScheme>
+    <a:fmtScheme name="办公室">
+      <a:fillStyleLst>
+        <a:solidFill>
+          <a:schemeClr val="phClr"/>
+        </a:solidFill>
+        <a:gradFill rotWithShape="1">
+          <a:gsLst>
+            <a:gs pos="0">
+              <a:schemeClr val="phClr">
+                <a:tint val="50000"/>
+                <a:satMod val="300000"/>
+              </a:schemeClr>
+            </a:gs>
+            <a:gs pos="35000">
+              <a:schemeClr val="phClr">
+                <a:tint val="37000"/>
+                <a:satMod val="300000"/>
+              </a:schemeClr>
+            </a:gs>
+            <a:gs pos="100000">
+              <a:schemeClr val="phClr">
+                <a:tint val="15000"/>
+                <a:satMod val="350000"/>
+              </a:schemeClr>
+            </a:gs>
+          </a:gsLst>
+          <a:lin ang="16200000" scaled="1"/>
+        </a:gradFill>
+        <a:gradFill rotWithShape="1">
+          <a:gsLst>
+            <a:gs pos="0">
+              <a:schemeClr val="phClr">
+                <a:tint val="100000"/>
+                <a:shade val="100000"/>
+                <a:satMod val="130000"/>
+              </a:schemeClr>
+            </a:gs>
+            <a:gs pos="100000">
+              <a:schemeClr val="phClr">
+                <a:tint val="50000"/>
+                <a:shade val="100000"/>
+                <a:satMod val="350000"/>
+              </a:schemeClr>
+            </a:gs>
+          </a:gsLst>
+          <a:lin ang="16200000" scaled="0"/>
+        </a:gradFill>
+      </a:fillStyleLst>
+      <a:lnStyleLst>
+        <a:ln w="9525" cap="flat" cmpd="sng" algn="ctr">
+          <a:solidFill>
+            <a:schemeClr val="phClr">
+              <a:shade val="95000"/>
+              <a:satMod val="105000"/>
+            </a:schemeClr>
+          </a:solidFill>
+          <a:prstDash val="solid"/>
+        </a:ln>
+        <a:ln w="25400" cap="flat" cmpd="sng" algn="ctr">
+          <a:solidFill>
+            <a:schemeClr val="phClr"/>
+          </a:solidFill>
+          <a:prstDash val="solid"/>
+        </a:ln>
+        <a:ln w="38100" cap="flat" cmpd="sng" algn="ctr">
+          <a:solidFill>
+            <a:schemeClr val="phClr"/>
+          </a:solidFill>
+          <a:prstDash val="solid"/>
+        </a:ln>
+      </a:lnStyleLst>
+      <a:effectStyleLst>
+        <a:effectStyle>
+          <a:effectLst>
+            <a:outerShdw blurRad="40000" dist="20000" dir="5400000" rotWithShape="0">
+              <a:srgbClr val="000000">
+                <a:alpha val="38000"/>
+              </a:srgbClr>
+            </a:outerShdw>
+          </a:effectLst>
+        </a:effectStyle>
+        <a:effectStyle>
+          <a:effectLst>
+            <a:outerShdw blurRad="40000" dist="23000" dir="5400000" rotWithShape="0">
+              <a:srgbClr val="000000">
+                <a:alpha val="35000"/>
+              </a:srgbClr>
+            </a:outerShdw>
+          </a:effectLst>
+        </a:effectStyle>
+        <a:effectStyle>
+          <a:effectLst>
+            <a:outerShdw blurRad="40000" dist="23000" dir="5400000" rotWithShape="0">
+              <a:srgbClr val="000000">
+                <a:alpha val="35000"/>
+              </a:srgbClr>
+            </a:outerShdw>
+          </a:effectLst>
+          <a:scene3d>
+            <a:camera prst="orthographicFront">
+              <a:rot lat="0" lon="0" rev="0"/>
+            </a:camera>
+            <a:lightRig rig="threePt" dir="t">
+              <a:rot lat="0" lon="0" rev="1200000"/>
+            </a:lightRig>
+          </a:scene3d>
+          <a:sp3d>
+            <a:bevelT w="63500" h="25400"/>
+          </a:sp3d>
+        </a:effectStyle>
+      </a:effectStyleLst>
+      <a:bgFillStyleLst>
+        <a:solidFill>
+          <a:schemeClr val="phClr"/>
+        </a:solidFill>
+        <a:gradFill rotWithShape="1">
+          <a:gsLst>
+            <a:gs pos="0">
+              <a:schemeClr val="phClr">
+                <a:tint val="40000"/>
+                <a:satMod val="350000"/>
+              </a:schemeClr>
+            </a:gs>
+            <a:gs pos="40000">
+              <a:schemeClr val="phClr">
+                <a:tint val="45000"/>
+                <a:shade val="99000"/>
+                <a:satMod val="350000"/>
+              </a:schemeClr>
+            </a:gs>
+            <a:gs pos="100000">
+              <a:schemeClr val="phClr">
+                <a:shade val="20000"/>
+                <a:satMod val="255000"/>
+              </a:schemeClr>
+            </a:gs>
+          </a:gsLst>
+          <a:path path="circle">
+            <a:fillToRect l="50000" t="-80000" r="50000" b="180000"/>
+          </a:path>
+        </a:gradFill>
+        <a:gradFill rotWithShape="1">
+          <a:gsLst>
+            <a:gs pos="0">
+              <a:schemeClr val="phClr">
+                <a:tint val="80000"/>
+                <a:satMod val="300000"/>
+              </a:schemeClr>
+            </a:gs>
+            <a:gs pos="100000">
+              <a:schemeClr val="phClr">
+                <a:shade val="30000"/>
+                <a:satMod val="200000"/>
+              </a:schemeClr>
+            </a:gs>
+          </a:gsLst>
+          <a:path path="circle">
+            <a:fillToRect l="50000" t="50000" r="50000" b="50000"/>
+          </a:path>
+        </a:gradFill>
+      </a:bgFillStyleLst>
+    </a:fmtScheme>
+  </a:themeElements>
+  <a:objectDefaults>
+    <a:spDef>
+      <a:spPr/>
+      <a:bodyPr/>
+      <a:lstStyle/>
+      <a:style>
+        <a:lnRef idx="1">
+          <a:schemeClr val="accent1"/>
+        </a:lnRef>
+        <a:fillRef idx="3">
+          <a:schemeClr val="accent1"/>
+        </a:fillRef>
+        <a:effectRef idx="2">
+          <a:schemeClr val="accent1"/>
+        </a:effectRef>
+        <a:fontRef idx="minor">
+          <a:schemeClr val="lt1"/>
+        </a:fontRef>
+      </a:style>
+    </a:spDef>
+    <a:lnDef>
+      <a:spPr/>
+      <a:bodyPr/>
+      <a:lstStyle/>
+      <a:style>
+        <a:lnRef idx="2">
+          <a:schemeClr val="accent1"/>
+        </a:lnRef>
+        <a:fillRef idx="0">
+          <a:schemeClr val="accent1"/>
+        </a:fillRef>
+        <a:effectRef idx="1">
+          <a:schemeClr val="accent1"/>
+        </a:effectRef>
+        <a:fontRef idx="minor">
+          <a:schemeClr val="tx1"/>
+        </a:fontRef>
+      </a:style>
+    </a:lnDef>
+  </a:objectDefaults>
+  <a:extraClrSchemeLst/>
+</a:theme>
 </file>